--- a/QS - Sprint 2 delivery 8-6-2022.pptx
+++ b/QS - Sprint 2 delivery 8-6-2022.pptx
@@ -16,16 +16,22 @@
     <p:sldId id="261" r:id="rId11"/>
     <p:sldId id="262" r:id="rId12"/>
     <p:sldId id="263" r:id="rId13"/>
+    <p:sldId id="264" r:id="rId14"/>
+    <p:sldId id="265" r:id="rId15"/>
+    <p:sldId id="266" r:id="rId16"/>
+    <p:sldId id="267" r:id="rId17"/>
+    <p:sldId id="268" r:id="rId18"/>
+    <p:sldId id="269" r:id="rId19"/>
   </p:sldIdLst>
   <p:sldSz cy="5143500" cx="9144000"/>
   <p:notesSz cx="6858000" cy="9144000"/>
   <p:embeddedFontLst>
     <p:embeddedFont>
       <p:font typeface="Lato"/>
-      <p:regular r:id="rId14"/>
-      <p:bold r:id="rId15"/>
-      <p:italic r:id="rId16"/>
-      <p:boldItalic r:id="rId17"/>
+      <p:regular r:id="rId20"/>
+      <p:bold r:id="rId21"/>
+      <p:italic r:id="rId22"/>
+      <p:boldItalic r:id="rId23"/>
     </p:embeddedFont>
   </p:embeddedFontLst>
   <p:defaultTextStyle>
@@ -801,6 +807,517 @@
 </p:notes>
 </file>
 
+<file path=ppt/notesSlides/notesSlide10.xml><?xml version="1.0" encoding="utf-8"?>
+<p:notes xmlns:a="http://schemas.openxmlformats.org/drawingml/2006/main" xmlns:r="http://schemas.openxmlformats.org/officeDocument/2006/relationships" xmlns:mc="http://schemas.openxmlformats.org/markup-compatibility/2006" xmlns:mv="urn:schemas-microsoft-com:mac:vml" xmlns:p="http://schemas.openxmlformats.org/presentationml/2006/main" xmlns:c="http://schemas.openxmlformats.org/drawingml/2006/chart" xmlns:dgm="http://schemas.openxmlformats.org/drawingml/2006/diagram" xmlns:o="urn:schemas-microsoft-com:office:office" xmlns:v="urn:schemas-microsoft-com:vml" xmlns:pvml="urn:schemas-microsoft-com:office:powerpoint" xmlns:com="http://schemas.openxmlformats.org/drawingml/2006/compatibility" xmlns:p14="http://schemas.microsoft.com/office/powerpoint/2010/main" xmlns:p15="http://schemas.microsoft.com/office/powerpoint/2012/main" xmlns:ahyp="http://schemas.microsoft.com/office/drawing/2018/hyperlinkcolor" showMasterPhAnim="0" showMasterSp="0">
+  <p:cSld>
+    <p:spTree>
+      <p:nvGrpSpPr>
+        <p:cNvPr id="137" name="Shape 137"/>
+        <p:cNvGrpSpPr/>
+        <p:nvPr/>
+      </p:nvGrpSpPr>
+      <p:grpSpPr>
+        <a:xfrm>
+          <a:off x="0" y="0"/>
+          <a:ext cx="0" cy="0"/>
+          <a:chOff x="0" y="0"/>
+          <a:chExt cx="0" cy="0"/>
+        </a:xfrm>
+      </p:grpSpPr>
+      <p:sp>
+        <p:nvSpPr>
+          <p:cNvPr id="138" name="Google Shape;138;g131e7b36323_0_0:notes"/>
+          <p:cNvSpPr/>
+          <p:nvPr>
+            <p:ph idx="2" type="sldImg"/>
+          </p:nvPr>
+        </p:nvSpPr>
+        <p:spPr>
+          <a:xfrm>
+            <a:off x="381300" y="685800"/>
+            <a:ext cx="6096000" cy="3429000"/>
+          </a:xfrm>
+          <a:custGeom>
+            <a:rect b="b" l="l" r="r" t="t"/>
+            <a:pathLst>
+              <a:path extrusionOk="0" h="120000" w="120000">
+                <a:moveTo>
+                  <a:pt x="0" y="0"/>
+                </a:moveTo>
+                <a:lnTo>
+                  <a:pt x="120000" y="0"/>
+                </a:lnTo>
+                <a:lnTo>
+                  <a:pt x="120000" y="120000"/>
+                </a:lnTo>
+                <a:lnTo>
+                  <a:pt x="0" y="120000"/>
+                </a:lnTo>
+                <a:close/>
+              </a:path>
+            </a:pathLst>
+          </a:custGeom>
+        </p:spPr>
+      </p:sp>
+      <p:sp>
+        <p:nvSpPr>
+          <p:cNvPr id="139" name="Google Shape;139;g131e7b36323_0_0:notes"/>
+          <p:cNvSpPr txBox="1"/>
+          <p:nvPr>
+            <p:ph idx="1" type="body"/>
+          </p:nvPr>
+        </p:nvSpPr>
+        <p:spPr>
+          <a:xfrm>
+            <a:off x="685800" y="4343400"/>
+            <a:ext cx="5486400" cy="4114800"/>
+          </a:xfrm>
+          <a:prstGeom prst="rect">
+            <a:avLst/>
+          </a:prstGeom>
+        </p:spPr>
+        <p:txBody>
+          <a:bodyPr anchorCtr="0" anchor="t" bIns="91425" lIns="91425" spcFirstLastPara="1" rIns="91425" wrap="square" tIns="91425">
+            <a:noAutofit/>
+          </a:bodyPr>
+          <a:lstStyle/>
+          <a:p>
+            <a:pPr indent="0" lvl="0" marL="0" rtl="0" algn="l">
+              <a:spcBef>
+                <a:spcPts val="0"/>
+              </a:spcBef>
+              <a:spcAft>
+                <a:spcPts val="0"/>
+              </a:spcAft>
+              <a:buNone/>
+            </a:pPr>
+            <a:r>
+              <a:t/>
+            </a:r>
+            <a:endParaRPr sz="1400">
+              <a:solidFill>
+                <a:schemeClr val="dk1"/>
+              </a:solidFill>
+              <a:latin typeface="Lato"/>
+              <a:ea typeface="Lato"/>
+              <a:cs typeface="Lato"/>
+              <a:sym typeface="Lato"/>
+            </a:endParaRPr>
+          </a:p>
+        </p:txBody>
+      </p:sp>
+    </p:spTree>
+  </p:cSld>
+  <p:clrMapOvr>
+    <a:masterClrMapping/>
+  </p:clrMapOvr>
+</p:notes>
+</file>
+
+<file path=ppt/notesSlides/notesSlide11.xml><?xml version="1.0" encoding="utf-8"?>
+<p:notes xmlns:a="http://schemas.openxmlformats.org/drawingml/2006/main" xmlns:r="http://schemas.openxmlformats.org/officeDocument/2006/relationships" xmlns:mc="http://schemas.openxmlformats.org/markup-compatibility/2006" xmlns:mv="urn:schemas-microsoft-com:mac:vml" xmlns:p="http://schemas.openxmlformats.org/presentationml/2006/main" xmlns:c="http://schemas.openxmlformats.org/drawingml/2006/chart" xmlns:dgm="http://schemas.openxmlformats.org/drawingml/2006/diagram" xmlns:o="urn:schemas-microsoft-com:office:office" xmlns:v="urn:schemas-microsoft-com:vml" xmlns:pvml="urn:schemas-microsoft-com:office:powerpoint" xmlns:com="http://schemas.openxmlformats.org/drawingml/2006/compatibility" xmlns:p14="http://schemas.microsoft.com/office/powerpoint/2010/main" xmlns:p15="http://schemas.microsoft.com/office/powerpoint/2012/main" xmlns:ahyp="http://schemas.microsoft.com/office/drawing/2018/hyperlinkcolor" showMasterPhAnim="0" showMasterSp="0">
+  <p:cSld>
+    <p:spTree>
+      <p:nvGrpSpPr>
+        <p:cNvPr id="146" name="Shape 146"/>
+        <p:cNvGrpSpPr/>
+        <p:nvPr/>
+      </p:nvGrpSpPr>
+      <p:grpSpPr>
+        <a:xfrm>
+          <a:off x="0" y="0"/>
+          <a:ext cx="0" cy="0"/>
+          <a:chOff x="0" y="0"/>
+          <a:chExt cx="0" cy="0"/>
+        </a:xfrm>
+      </p:grpSpPr>
+      <p:sp>
+        <p:nvSpPr>
+          <p:cNvPr id="147" name="Google Shape;147;g131e7b36323_1_0:notes"/>
+          <p:cNvSpPr/>
+          <p:nvPr>
+            <p:ph idx="2" type="sldImg"/>
+          </p:nvPr>
+        </p:nvSpPr>
+        <p:spPr>
+          <a:xfrm>
+            <a:off x="381300" y="685800"/>
+            <a:ext cx="6096000" cy="3429000"/>
+          </a:xfrm>
+          <a:custGeom>
+            <a:rect b="b" l="l" r="r" t="t"/>
+            <a:pathLst>
+              <a:path extrusionOk="0" h="120000" w="120000">
+                <a:moveTo>
+                  <a:pt x="0" y="0"/>
+                </a:moveTo>
+                <a:lnTo>
+                  <a:pt x="120000" y="0"/>
+                </a:lnTo>
+                <a:lnTo>
+                  <a:pt x="120000" y="120000"/>
+                </a:lnTo>
+                <a:lnTo>
+                  <a:pt x="0" y="120000"/>
+                </a:lnTo>
+                <a:close/>
+              </a:path>
+            </a:pathLst>
+          </a:custGeom>
+        </p:spPr>
+      </p:sp>
+      <p:sp>
+        <p:nvSpPr>
+          <p:cNvPr id="148" name="Google Shape;148;g131e7b36323_1_0:notes"/>
+          <p:cNvSpPr txBox="1"/>
+          <p:nvPr>
+            <p:ph idx="1" type="body"/>
+          </p:nvPr>
+        </p:nvSpPr>
+        <p:spPr>
+          <a:xfrm>
+            <a:off x="685800" y="4343400"/>
+            <a:ext cx="5486400" cy="4114800"/>
+          </a:xfrm>
+          <a:prstGeom prst="rect">
+            <a:avLst/>
+          </a:prstGeom>
+        </p:spPr>
+        <p:txBody>
+          <a:bodyPr anchorCtr="0" anchor="t" bIns="91425" lIns="91425" spcFirstLastPara="1" rIns="91425" wrap="square" tIns="91425">
+            <a:noAutofit/>
+          </a:bodyPr>
+          <a:lstStyle/>
+          <a:p>
+            <a:pPr indent="0" lvl="0" marL="0" rtl="0" algn="l">
+              <a:spcBef>
+                <a:spcPts val="0"/>
+              </a:spcBef>
+              <a:spcAft>
+                <a:spcPts val="0"/>
+              </a:spcAft>
+              <a:buNone/>
+            </a:pPr>
+            <a:r>
+              <a:t/>
+            </a:r>
+            <a:endParaRPr sz="1400">
+              <a:solidFill>
+                <a:schemeClr val="dk1"/>
+              </a:solidFill>
+              <a:latin typeface="Lato"/>
+              <a:ea typeface="Lato"/>
+              <a:cs typeface="Lato"/>
+              <a:sym typeface="Lato"/>
+            </a:endParaRPr>
+          </a:p>
+        </p:txBody>
+      </p:sp>
+    </p:spTree>
+  </p:cSld>
+  <p:clrMapOvr>
+    <a:masterClrMapping/>
+  </p:clrMapOvr>
+</p:notes>
+</file>
+
+<file path=ppt/notesSlides/notesSlide12.xml><?xml version="1.0" encoding="utf-8"?>
+<p:notes xmlns:a="http://schemas.openxmlformats.org/drawingml/2006/main" xmlns:r="http://schemas.openxmlformats.org/officeDocument/2006/relationships" xmlns:mc="http://schemas.openxmlformats.org/markup-compatibility/2006" xmlns:mv="urn:schemas-microsoft-com:mac:vml" xmlns:p="http://schemas.openxmlformats.org/presentationml/2006/main" xmlns:c="http://schemas.openxmlformats.org/drawingml/2006/chart" xmlns:dgm="http://schemas.openxmlformats.org/drawingml/2006/diagram" xmlns:o="urn:schemas-microsoft-com:office:office" xmlns:v="urn:schemas-microsoft-com:vml" xmlns:pvml="urn:schemas-microsoft-com:office:powerpoint" xmlns:com="http://schemas.openxmlformats.org/drawingml/2006/compatibility" xmlns:p14="http://schemas.microsoft.com/office/powerpoint/2010/main" xmlns:p15="http://schemas.microsoft.com/office/powerpoint/2012/main" xmlns:ahyp="http://schemas.microsoft.com/office/drawing/2018/hyperlinkcolor" showMasterPhAnim="0" showMasterSp="0">
+  <p:cSld>
+    <p:spTree>
+      <p:nvGrpSpPr>
+        <p:cNvPr id="156" name="Shape 156"/>
+        <p:cNvGrpSpPr/>
+        <p:nvPr/>
+      </p:nvGrpSpPr>
+      <p:grpSpPr>
+        <a:xfrm>
+          <a:off x="0" y="0"/>
+          <a:ext cx="0" cy="0"/>
+          <a:chOff x="0" y="0"/>
+          <a:chExt cx="0" cy="0"/>
+        </a:xfrm>
+      </p:grpSpPr>
+      <p:sp>
+        <p:nvSpPr>
+          <p:cNvPr id="157" name="Google Shape;157;g129418aed23_0_0:notes"/>
+          <p:cNvSpPr/>
+          <p:nvPr>
+            <p:ph idx="2" type="sldImg"/>
+          </p:nvPr>
+        </p:nvSpPr>
+        <p:spPr>
+          <a:xfrm>
+            <a:off x="381300" y="685800"/>
+            <a:ext cx="6096000" cy="3429000"/>
+          </a:xfrm>
+          <a:custGeom>
+            <a:rect b="b" l="l" r="r" t="t"/>
+            <a:pathLst>
+              <a:path extrusionOk="0" h="120000" w="120000">
+                <a:moveTo>
+                  <a:pt x="0" y="0"/>
+                </a:moveTo>
+                <a:lnTo>
+                  <a:pt x="120000" y="0"/>
+                </a:lnTo>
+                <a:lnTo>
+                  <a:pt x="120000" y="120000"/>
+                </a:lnTo>
+                <a:lnTo>
+                  <a:pt x="0" y="120000"/>
+                </a:lnTo>
+                <a:close/>
+              </a:path>
+            </a:pathLst>
+          </a:custGeom>
+        </p:spPr>
+      </p:sp>
+      <p:sp>
+        <p:nvSpPr>
+          <p:cNvPr id="158" name="Google Shape;158;g129418aed23_0_0:notes"/>
+          <p:cNvSpPr txBox="1"/>
+          <p:nvPr>
+            <p:ph idx="1" type="body"/>
+          </p:nvPr>
+        </p:nvSpPr>
+        <p:spPr>
+          <a:xfrm>
+            <a:off x="685800" y="4343400"/>
+            <a:ext cx="5486400" cy="4114800"/>
+          </a:xfrm>
+          <a:prstGeom prst="rect">
+            <a:avLst/>
+          </a:prstGeom>
+        </p:spPr>
+        <p:txBody>
+          <a:bodyPr anchorCtr="0" anchor="t" bIns="91425" lIns="91425" spcFirstLastPara="1" rIns="91425" wrap="square" tIns="91425">
+            <a:noAutofit/>
+          </a:bodyPr>
+          <a:lstStyle/>
+          <a:p>
+            <a:pPr indent="0" lvl="0" marL="0" rtl="0" algn="l">
+              <a:spcBef>
+                <a:spcPts val="0"/>
+              </a:spcBef>
+              <a:spcAft>
+                <a:spcPts val="0"/>
+              </a:spcAft>
+              <a:buNone/>
+            </a:pPr>
+            <a:r>
+              <a:t/>
+            </a:r>
+            <a:endParaRPr/>
+          </a:p>
+        </p:txBody>
+      </p:sp>
+    </p:spTree>
+  </p:cSld>
+  <p:clrMapOvr>
+    <a:masterClrMapping/>
+  </p:clrMapOvr>
+</p:notes>
+</file>
+
+<file path=ppt/notesSlides/notesSlide13.xml><?xml version="1.0" encoding="utf-8"?>
+<p:notes xmlns:a="http://schemas.openxmlformats.org/drawingml/2006/main" xmlns:r="http://schemas.openxmlformats.org/officeDocument/2006/relationships" xmlns:mc="http://schemas.openxmlformats.org/markup-compatibility/2006" xmlns:mv="urn:schemas-microsoft-com:mac:vml" xmlns:p="http://schemas.openxmlformats.org/presentationml/2006/main" xmlns:c="http://schemas.openxmlformats.org/drawingml/2006/chart" xmlns:dgm="http://schemas.openxmlformats.org/drawingml/2006/diagram" xmlns:o="urn:schemas-microsoft-com:office:office" xmlns:v="urn:schemas-microsoft-com:vml" xmlns:pvml="urn:schemas-microsoft-com:office:powerpoint" xmlns:com="http://schemas.openxmlformats.org/drawingml/2006/compatibility" xmlns:p14="http://schemas.microsoft.com/office/powerpoint/2010/main" xmlns:p15="http://schemas.microsoft.com/office/powerpoint/2012/main" xmlns:ahyp="http://schemas.microsoft.com/office/drawing/2018/hyperlinkcolor" showMasterPhAnim="0" showMasterSp="0">
+  <p:cSld>
+    <p:spTree>
+      <p:nvGrpSpPr>
+        <p:cNvPr id="164" name="Shape 164"/>
+        <p:cNvGrpSpPr/>
+        <p:nvPr/>
+      </p:nvGrpSpPr>
+      <p:grpSpPr>
+        <a:xfrm>
+          <a:off x="0" y="0"/>
+          <a:ext cx="0" cy="0"/>
+          <a:chOff x="0" y="0"/>
+          <a:chExt cx="0" cy="0"/>
+        </a:xfrm>
+      </p:grpSpPr>
+      <p:sp>
+        <p:nvSpPr>
+          <p:cNvPr id="165" name="Google Shape;165;g129418aed23_0_23:notes"/>
+          <p:cNvSpPr/>
+          <p:nvPr>
+            <p:ph idx="2" type="sldImg"/>
+          </p:nvPr>
+        </p:nvSpPr>
+        <p:spPr>
+          <a:xfrm>
+            <a:off x="381300" y="685800"/>
+            <a:ext cx="6096000" cy="3429000"/>
+          </a:xfrm>
+          <a:custGeom>
+            <a:rect b="b" l="l" r="r" t="t"/>
+            <a:pathLst>
+              <a:path extrusionOk="0" h="120000" w="120000">
+                <a:moveTo>
+                  <a:pt x="0" y="0"/>
+                </a:moveTo>
+                <a:lnTo>
+                  <a:pt x="120000" y="0"/>
+                </a:lnTo>
+                <a:lnTo>
+                  <a:pt x="120000" y="120000"/>
+                </a:lnTo>
+                <a:lnTo>
+                  <a:pt x="0" y="120000"/>
+                </a:lnTo>
+                <a:close/>
+              </a:path>
+            </a:pathLst>
+          </a:custGeom>
+        </p:spPr>
+      </p:sp>
+      <p:sp>
+        <p:nvSpPr>
+          <p:cNvPr id="166" name="Google Shape;166;g129418aed23_0_23:notes"/>
+          <p:cNvSpPr txBox="1"/>
+          <p:nvPr>
+            <p:ph idx="1" type="body"/>
+          </p:nvPr>
+        </p:nvSpPr>
+        <p:spPr>
+          <a:xfrm>
+            <a:off x="685800" y="4343400"/>
+            <a:ext cx="5486400" cy="4114800"/>
+          </a:xfrm>
+          <a:prstGeom prst="rect">
+            <a:avLst/>
+          </a:prstGeom>
+        </p:spPr>
+        <p:txBody>
+          <a:bodyPr anchorCtr="0" anchor="t" bIns="91425" lIns="91425" spcFirstLastPara="1" rIns="91425" wrap="square" tIns="91425">
+            <a:noAutofit/>
+          </a:bodyPr>
+          <a:lstStyle/>
+          <a:p>
+            <a:pPr indent="0" lvl="0" marL="0" rtl="0" algn="l">
+              <a:spcBef>
+                <a:spcPts val="0"/>
+              </a:spcBef>
+              <a:spcAft>
+                <a:spcPts val="0"/>
+              </a:spcAft>
+              <a:buNone/>
+            </a:pPr>
+            <a:r>
+              <a:t/>
+            </a:r>
+            <a:endParaRPr/>
+          </a:p>
+        </p:txBody>
+      </p:sp>
+    </p:spTree>
+  </p:cSld>
+  <p:clrMapOvr>
+    <a:masterClrMapping/>
+  </p:clrMapOvr>
+</p:notes>
+</file>
+
+<file path=ppt/notesSlides/notesSlide14.xml><?xml version="1.0" encoding="utf-8"?>
+<p:notes xmlns:a="http://schemas.openxmlformats.org/drawingml/2006/main" xmlns:r="http://schemas.openxmlformats.org/officeDocument/2006/relationships" xmlns:mc="http://schemas.openxmlformats.org/markup-compatibility/2006" xmlns:mv="urn:schemas-microsoft-com:mac:vml" xmlns:p="http://schemas.openxmlformats.org/presentationml/2006/main" xmlns:c="http://schemas.openxmlformats.org/drawingml/2006/chart" xmlns:dgm="http://schemas.openxmlformats.org/drawingml/2006/diagram" xmlns:o="urn:schemas-microsoft-com:office:office" xmlns:v="urn:schemas-microsoft-com:vml" xmlns:pvml="urn:schemas-microsoft-com:office:powerpoint" xmlns:com="http://schemas.openxmlformats.org/drawingml/2006/compatibility" xmlns:p14="http://schemas.microsoft.com/office/powerpoint/2010/main" xmlns:p15="http://schemas.microsoft.com/office/powerpoint/2012/main" xmlns:ahyp="http://schemas.microsoft.com/office/drawing/2018/hyperlinkcolor" showMasterPhAnim="0" showMasterSp="0">
+  <p:cSld>
+    <p:spTree>
+      <p:nvGrpSpPr>
+        <p:cNvPr id="175" name="Shape 175"/>
+        <p:cNvGrpSpPr/>
+        <p:nvPr/>
+      </p:nvGrpSpPr>
+      <p:grpSpPr>
+        <a:xfrm>
+          <a:off x="0" y="0"/>
+          <a:ext cx="0" cy="0"/>
+          <a:chOff x="0" y="0"/>
+          <a:chExt cx="0" cy="0"/>
+        </a:xfrm>
+      </p:grpSpPr>
+      <p:sp>
+        <p:nvSpPr>
+          <p:cNvPr id="176" name="Google Shape;176;g129418aed23_0_38:notes"/>
+          <p:cNvSpPr/>
+          <p:nvPr>
+            <p:ph idx="2" type="sldImg"/>
+          </p:nvPr>
+        </p:nvSpPr>
+        <p:spPr>
+          <a:xfrm>
+            <a:off x="381300" y="685800"/>
+            <a:ext cx="6096000" cy="3429000"/>
+          </a:xfrm>
+          <a:custGeom>
+            <a:rect b="b" l="l" r="r" t="t"/>
+            <a:pathLst>
+              <a:path extrusionOk="0" h="120000" w="120000">
+                <a:moveTo>
+                  <a:pt x="0" y="0"/>
+                </a:moveTo>
+                <a:lnTo>
+                  <a:pt x="120000" y="0"/>
+                </a:lnTo>
+                <a:lnTo>
+                  <a:pt x="120000" y="120000"/>
+                </a:lnTo>
+                <a:lnTo>
+                  <a:pt x="0" y="120000"/>
+                </a:lnTo>
+                <a:close/>
+              </a:path>
+            </a:pathLst>
+          </a:custGeom>
+        </p:spPr>
+      </p:sp>
+      <p:sp>
+        <p:nvSpPr>
+          <p:cNvPr id="177" name="Google Shape;177;g129418aed23_0_38:notes"/>
+          <p:cNvSpPr txBox="1"/>
+          <p:nvPr>
+            <p:ph idx="1" type="body"/>
+          </p:nvPr>
+        </p:nvSpPr>
+        <p:spPr>
+          <a:xfrm>
+            <a:off x="685800" y="4343400"/>
+            <a:ext cx="5486400" cy="4114800"/>
+          </a:xfrm>
+          <a:prstGeom prst="rect">
+            <a:avLst/>
+          </a:prstGeom>
+        </p:spPr>
+        <p:txBody>
+          <a:bodyPr anchorCtr="0" anchor="t" bIns="91425" lIns="91425" spcFirstLastPara="1" rIns="91425" wrap="square" tIns="91425">
+            <a:noAutofit/>
+          </a:bodyPr>
+          <a:lstStyle/>
+          <a:p>
+            <a:pPr indent="0" lvl="0" marL="0" rtl="0" algn="l">
+              <a:spcBef>
+                <a:spcPts val="0"/>
+              </a:spcBef>
+              <a:spcAft>
+                <a:spcPts val="0"/>
+              </a:spcAft>
+              <a:buNone/>
+            </a:pPr>
+            <a:r>
+              <a:t/>
+            </a:r>
+            <a:endParaRPr/>
+          </a:p>
+        </p:txBody>
+      </p:sp>
+    </p:spTree>
+  </p:cSld>
+  <p:clrMapOvr>
+    <a:masterClrMapping/>
+  </p:clrMapOvr>
+</p:notes>
+</file>
+
 <file path=ppt/notesSlides/notesSlide2.xml><?xml version="1.0" encoding="utf-8"?>
 <p:notes xmlns:a="http://schemas.openxmlformats.org/drawingml/2006/main" xmlns:r="http://schemas.openxmlformats.org/officeDocument/2006/relationships" xmlns:mc="http://schemas.openxmlformats.org/markup-compatibility/2006" xmlns:mv="urn:schemas-microsoft-com:mac:vml" xmlns:p="http://schemas.openxmlformats.org/presentationml/2006/main" xmlns:c="http://schemas.openxmlformats.org/drawingml/2006/chart" xmlns:dgm="http://schemas.openxmlformats.org/drawingml/2006/diagram" xmlns:o="urn:schemas-microsoft-com:office:office" xmlns:v="urn:schemas-microsoft-com:vml" xmlns:pvml="urn:schemas-microsoft-com:office:powerpoint" xmlns:com="http://schemas.openxmlformats.org/drawingml/2006/compatibility" xmlns:p14="http://schemas.microsoft.com/office/powerpoint/2010/main" xmlns:p15="http://schemas.microsoft.com/office/powerpoint/2012/main" xmlns:ahyp="http://schemas.microsoft.com/office/drawing/2018/hyperlinkcolor" showMasterPhAnim="0" showMasterSp="0">
   <p:cSld>
@@ -905,7 +1422,7 @@
   <p:cSld>
     <p:spTree>
       <p:nvGrpSpPr>
-        <p:cNvPr id="70" name="Shape 70"/>
+        <p:cNvPr id="76" name="Shape 76"/>
         <p:cNvGrpSpPr/>
         <p:nvPr/>
       </p:nvGrpSpPr>
@@ -919,7 +1436,7 @@
       </p:grpSpPr>
       <p:sp>
         <p:nvSpPr>
-          <p:cNvPr id="71" name="Google Shape;71;g1266037a0ae_0_10:notes"/>
+          <p:cNvPr id="77" name="Google Shape;77;g1266037a0ae_0_10:notes"/>
           <p:cNvSpPr/>
           <p:nvPr>
             <p:ph idx="2" type="sldImg"/>
@@ -954,7 +1471,7 @@
       </p:sp>
       <p:sp>
         <p:nvSpPr>
-          <p:cNvPr id="72" name="Google Shape;72;g1266037a0ae_0_10:notes"/>
+          <p:cNvPr id="78" name="Google Shape;78;g1266037a0ae_0_10:notes"/>
           <p:cNvSpPr txBox="1"/>
           <p:nvPr>
             <p:ph idx="1" type="body"/>
@@ -1005,7 +1522,7 @@
   <p:cSld>
     <p:spTree>
       <p:nvGrpSpPr>
-        <p:cNvPr id="78" name="Shape 78"/>
+        <p:cNvPr id="84" name="Shape 84"/>
         <p:cNvGrpSpPr/>
         <p:nvPr/>
       </p:nvGrpSpPr>
@@ -1019,7 +1536,7 @@
       </p:grpSpPr>
       <p:sp>
         <p:nvSpPr>
-          <p:cNvPr id="79" name="Google Shape;79;g12739718600_1_69:notes"/>
+          <p:cNvPr id="85" name="Google Shape;85;g12739718600_1_69:notes"/>
           <p:cNvSpPr/>
           <p:nvPr>
             <p:ph idx="2" type="sldImg"/>
@@ -1054,7 +1571,7 @@
       </p:sp>
       <p:sp>
         <p:nvSpPr>
-          <p:cNvPr id="80" name="Google Shape;80;g12739718600_1_69:notes"/>
+          <p:cNvPr id="86" name="Google Shape;86;g12739718600_1_69:notes"/>
           <p:cNvSpPr txBox="1"/>
           <p:nvPr>
             <p:ph idx="1" type="body"/>
@@ -1112,7 +1629,7 @@
   <p:cSld>
     <p:spTree>
       <p:nvGrpSpPr>
-        <p:cNvPr id="85" name="Shape 85"/>
+        <p:cNvPr id="94" name="Shape 94"/>
         <p:cNvGrpSpPr/>
         <p:nvPr/>
       </p:nvGrpSpPr>
@@ -1126,7 +1643,7 @@
       </p:grpSpPr>
       <p:sp>
         <p:nvSpPr>
-          <p:cNvPr id="86" name="Google Shape;86;g130a876d822_0_0:notes"/>
+          <p:cNvPr id="95" name="Google Shape;95;g131965a3a30_0_0:notes"/>
           <p:cNvSpPr/>
           <p:nvPr>
             <p:ph idx="2" type="sldImg"/>
@@ -1161,7 +1678,7 @@
       </p:sp>
       <p:sp>
         <p:nvSpPr>
-          <p:cNvPr id="87" name="Google Shape;87;g130a876d822_0_0:notes"/>
+          <p:cNvPr id="96" name="Google Shape;96;g131965a3a30_0_0:notes"/>
           <p:cNvSpPr txBox="1"/>
           <p:nvPr>
             <p:ph idx="1" type="body"/>
@@ -1219,7 +1736,7 @@
   <p:cSld>
     <p:spTree>
       <p:nvGrpSpPr>
-        <p:cNvPr id="92" name="Shape 92"/>
+        <p:cNvPr id="103" name="Shape 103"/>
         <p:cNvGrpSpPr/>
         <p:nvPr/>
       </p:nvGrpSpPr>
@@ -1233,7 +1750,7 @@
       </p:grpSpPr>
       <p:sp>
         <p:nvSpPr>
-          <p:cNvPr id="93" name="Google Shape;93;g129418aed23_0_0:notes"/>
+          <p:cNvPr id="104" name="Google Shape;104;g131cdab8687_0_12:notes"/>
           <p:cNvSpPr/>
           <p:nvPr>
             <p:ph idx="2" type="sldImg"/>
@@ -1268,7 +1785,7 @@
       </p:sp>
       <p:sp>
         <p:nvSpPr>
-          <p:cNvPr id="94" name="Google Shape;94;g129418aed23_0_0:notes"/>
+          <p:cNvPr id="105" name="Google Shape;105;g131cdab8687_0_12:notes"/>
           <p:cNvSpPr txBox="1"/>
           <p:nvPr>
             <p:ph idx="1" type="body"/>
@@ -1301,7 +1818,15 @@
             <a:r>
               <a:t/>
             </a:r>
-            <a:endParaRPr/>
+            <a:endParaRPr sz="1400">
+              <a:solidFill>
+                <a:schemeClr val="dk1"/>
+              </a:solidFill>
+              <a:latin typeface="Lato"/>
+              <a:ea typeface="Lato"/>
+              <a:cs typeface="Lato"/>
+              <a:sym typeface="Lato"/>
+            </a:endParaRPr>
           </a:p>
         </p:txBody>
       </p:sp>
@@ -1318,7 +1843,7 @@
   <p:cSld>
     <p:spTree>
       <p:nvGrpSpPr>
-        <p:cNvPr id="100" name="Shape 100"/>
+        <p:cNvPr id="112" name="Shape 112"/>
         <p:cNvGrpSpPr/>
         <p:nvPr/>
       </p:nvGrpSpPr>
@@ -1332,7 +1857,7 @@
       </p:grpSpPr>
       <p:sp>
         <p:nvSpPr>
-          <p:cNvPr id="101" name="Google Shape;101;g129418aed23_0_23:notes"/>
+          <p:cNvPr id="113" name="Google Shape;113;g1322295592d_0_0:notes"/>
           <p:cNvSpPr/>
           <p:nvPr>
             <p:ph idx="2" type="sldImg"/>
@@ -1367,7 +1892,7 @@
       </p:sp>
       <p:sp>
         <p:nvSpPr>
-          <p:cNvPr id="102" name="Google Shape;102;g129418aed23_0_23:notes"/>
+          <p:cNvPr id="114" name="Google Shape;114;g1322295592d_0_0:notes"/>
           <p:cNvSpPr txBox="1"/>
           <p:nvPr>
             <p:ph idx="1" type="body"/>
@@ -1400,7 +1925,15 @@
             <a:r>
               <a:t/>
             </a:r>
-            <a:endParaRPr/>
+            <a:endParaRPr sz="1400">
+              <a:solidFill>
+                <a:schemeClr val="dk1"/>
+              </a:solidFill>
+              <a:latin typeface="Lato"/>
+              <a:ea typeface="Lato"/>
+              <a:cs typeface="Lato"/>
+              <a:sym typeface="Lato"/>
+            </a:endParaRPr>
           </a:p>
         </p:txBody>
       </p:sp>
@@ -1417,7 +1950,7 @@
   <p:cSld>
     <p:spTree>
       <p:nvGrpSpPr>
-        <p:cNvPr id="113" name="Shape 113"/>
+        <p:cNvPr id="120" name="Shape 120"/>
         <p:cNvGrpSpPr/>
         <p:nvPr/>
       </p:nvGrpSpPr>
@@ -1431,7 +1964,7 @@
       </p:grpSpPr>
       <p:sp>
         <p:nvSpPr>
-          <p:cNvPr id="114" name="Google Shape;114;g129418aed23_0_38:notes"/>
+          <p:cNvPr id="121" name="Google Shape;121;g130a876d822_0_0:notes"/>
           <p:cNvSpPr/>
           <p:nvPr>
             <p:ph idx="2" type="sldImg"/>
@@ -1466,7 +1999,7 @@
       </p:sp>
       <p:sp>
         <p:nvSpPr>
-          <p:cNvPr id="115" name="Google Shape;115;g129418aed23_0_38:notes"/>
+          <p:cNvPr id="122" name="Google Shape;122;g130a876d822_0_0:notes"/>
           <p:cNvSpPr txBox="1"/>
           <p:nvPr>
             <p:ph idx="1" type="body"/>
@@ -1497,9 +2030,142 @@
               <a:buNone/>
             </a:pPr>
             <a:r>
-              <a:t/>
+              <a:rPr lang="nl" sz="1400">
+                <a:solidFill>
+                  <a:schemeClr val="dk1"/>
+                </a:solidFill>
+                <a:latin typeface="Lato"/>
+                <a:ea typeface="Lato"/>
+                <a:cs typeface="Lato"/>
+                <a:sym typeface="Lato"/>
+              </a:rPr>
+              <a:t>I have created a first part of the frontend with a graph. The usage of the graph is to select multiple datakeys from the selected datasource so you can see the correlations between the two datakeys. Here you see two alternative ways to show the correlation between two datakeys. I will be expanding it with different types of graphs and by implementing the rest of the wireframe.</a:t>
             </a:r>
-            <a:endParaRPr/>
+            <a:endParaRPr sz="1400">
+              <a:solidFill>
+                <a:schemeClr val="dk1"/>
+              </a:solidFill>
+              <a:latin typeface="Lato"/>
+              <a:ea typeface="Lato"/>
+              <a:cs typeface="Lato"/>
+              <a:sym typeface="Lato"/>
+            </a:endParaRPr>
+          </a:p>
+        </p:txBody>
+      </p:sp>
+    </p:spTree>
+  </p:cSld>
+  <p:clrMapOvr>
+    <a:masterClrMapping/>
+  </p:clrMapOvr>
+</p:notes>
+</file>
+
+<file path=ppt/notesSlides/notesSlide9.xml><?xml version="1.0" encoding="utf-8"?>
+<p:notes xmlns:a="http://schemas.openxmlformats.org/drawingml/2006/main" xmlns:r="http://schemas.openxmlformats.org/officeDocument/2006/relationships" xmlns:mc="http://schemas.openxmlformats.org/markup-compatibility/2006" xmlns:mv="urn:schemas-microsoft-com:mac:vml" xmlns:p="http://schemas.openxmlformats.org/presentationml/2006/main" xmlns:c="http://schemas.openxmlformats.org/drawingml/2006/chart" xmlns:dgm="http://schemas.openxmlformats.org/drawingml/2006/diagram" xmlns:o="urn:schemas-microsoft-com:office:office" xmlns:v="urn:schemas-microsoft-com:vml" xmlns:pvml="urn:schemas-microsoft-com:office:powerpoint" xmlns:com="http://schemas.openxmlformats.org/drawingml/2006/compatibility" xmlns:p14="http://schemas.microsoft.com/office/powerpoint/2010/main" xmlns:p15="http://schemas.microsoft.com/office/powerpoint/2012/main" xmlns:ahyp="http://schemas.microsoft.com/office/drawing/2018/hyperlinkcolor" showMasterPhAnim="0" showMasterSp="0">
+  <p:cSld>
+    <p:spTree>
+      <p:nvGrpSpPr>
+        <p:cNvPr id="128" name="Shape 128"/>
+        <p:cNvGrpSpPr/>
+        <p:nvPr/>
+      </p:nvGrpSpPr>
+      <p:grpSpPr>
+        <a:xfrm>
+          <a:off x="0" y="0"/>
+          <a:ext cx="0" cy="0"/>
+          <a:chOff x="0" y="0"/>
+          <a:chExt cx="0" cy="0"/>
+        </a:xfrm>
+      </p:grpSpPr>
+      <p:sp>
+        <p:nvSpPr>
+          <p:cNvPr id="129" name="Google Shape;129;g131cdab8687_1_0:notes"/>
+          <p:cNvSpPr/>
+          <p:nvPr>
+            <p:ph idx="2" type="sldImg"/>
+          </p:nvPr>
+        </p:nvSpPr>
+        <p:spPr>
+          <a:xfrm>
+            <a:off x="381300" y="685800"/>
+            <a:ext cx="6096000" cy="3429000"/>
+          </a:xfrm>
+          <a:custGeom>
+            <a:rect b="b" l="l" r="r" t="t"/>
+            <a:pathLst>
+              <a:path extrusionOk="0" h="120000" w="120000">
+                <a:moveTo>
+                  <a:pt x="0" y="0"/>
+                </a:moveTo>
+                <a:lnTo>
+                  <a:pt x="120000" y="0"/>
+                </a:lnTo>
+                <a:lnTo>
+                  <a:pt x="120000" y="120000"/>
+                </a:lnTo>
+                <a:lnTo>
+                  <a:pt x="0" y="120000"/>
+                </a:lnTo>
+                <a:close/>
+              </a:path>
+            </a:pathLst>
+          </a:custGeom>
+        </p:spPr>
+      </p:sp>
+      <p:sp>
+        <p:nvSpPr>
+          <p:cNvPr id="130" name="Google Shape;130;g131cdab8687_1_0:notes"/>
+          <p:cNvSpPr txBox="1"/>
+          <p:nvPr>
+            <p:ph idx="1" type="body"/>
+          </p:nvPr>
+        </p:nvSpPr>
+        <p:spPr>
+          <a:xfrm>
+            <a:off x="685800" y="4343400"/>
+            <a:ext cx="5486400" cy="4114800"/>
+          </a:xfrm>
+          <a:prstGeom prst="rect">
+            <a:avLst/>
+          </a:prstGeom>
+        </p:spPr>
+        <p:txBody>
+          <a:bodyPr anchorCtr="0" anchor="t" bIns="91425" lIns="91425" spcFirstLastPara="1" rIns="91425" wrap="square" tIns="91425">
+            <a:noAutofit/>
+          </a:bodyPr>
+          <a:lstStyle/>
+          <a:p>
+            <a:pPr indent="0" lvl="0" marL="0" rtl="0" algn="l">
+              <a:spcBef>
+                <a:spcPts val="0"/>
+              </a:spcBef>
+              <a:spcAft>
+                <a:spcPts val="0"/>
+              </a:spcAft>
+              <a:buNone/>
+            </a:pPr>
+            <a:r>
+              <a:rPr lang="nl" sz="1400">
+                <a:solidFill>
+                  <a:schemeClr val="dk1"/>
+                </a:solidFill>
+                <a:latin typeface="Lato"/>
+                <a:ea typeface="Lato"/>
+                <a:cs typeface="Lato"/>
+                <a:sym typeface="Lato"/>
+              </a:rPr>
+              <a:t>The technical document for the API is in development and the main architecture decisions have been documented. Like which frameworks are to be used and what system functionality the API must adhere to. The latter still being in development.</a:t>
+            </a:r>
+            <a:endParaRPr sz="1400">
+              <a:solidFill>
+                <a:schemeClr val="dk1"/>
+              </a:solidFill>
+              <a:latin typeface="Lato"/>
+              <a:ea typeface="Lato"/>
+              <a:cs typeface="Lato"/>
+              <a:sym typeface="Lato"/>
+            </a:endParaRPr>
           </a:p>
         </p:txBody>
       </p:sp>
@@ -6193,7 +6859,7 @@
         </p:blipFill>
         <p:spPr>
           <a:xfrm>
-            <a:off x="0" y="0"/>
+            <a:off x="0" y="533400"/>
             <a:ext cx="9144000" cy="5143506"/>
           </a:xfrm>
           <a:prstGeom prst="rect">
@@ -6231,13 +6897,6 @@
           <a:ln>
             <a:noFill/>
           </a:ln>
-          <a:effectLst>
-            <a:outerShdw blurRad="57150" rotWithShape="0" algn="bl" dir="5400000" dist="19050">
-              <a:srgbClr val="000000">
-                <a:alpha val="50000"/>
-              </a:srgbClr>
-            </a:outerShdw>
-          </a:effectLst>
         </p:spPr>
       </p:pic>
       <p:sp>
@@ -6364,7 +7023,7 @@
         </p:nvSpPr>
         <p:spPr>
           <a:xfrm>
-            <a:off x="6386075" y="4019900"/>
+            <a:off x="6386075" y="4324700"/>
             <a:ext cx="2380200" cy="415500"/>
           </a:xfrm>
           <a:prstGeom prst="rect">
@@ -6405,6 +7064,1589 @@
             <a:endParaRPr sz="1500">
               <a:solidFill>
                 <a:schemeClr val="lt1"/>
+              </a:solidFill>
+            </a:endParaRPr>
+          </a:p>
+        </p:txBody>
+      </p:sp>
+    </p:spTree>
+  </p:cSld>
+  <p:clrMapOvr>
+    <a:masterClrMapping/>
+  </p:clrMapOvr>
+</p:sld>
+</file>
+
+<file path=ppt/slides/slide10.xml><?xml version="1.0" encoding="utf-8"?>
+<p:sld xmlns:a="http://schemas.openxmlformats.org/drawingml/2006/main" xmlns:r="http://schemas.openxmlformats.org/officeDocument/2006/relationships" xmlns:mc="http://schemas.openxmlformats.org/markup-compatibility/2006" xmlns:mv="urn:schemas-microsoft-com:mac:vml" xmlns:p="http://schemas.openxmlformats.org/presentationml/2006/main" xmlns:c="http://schemas.openxmlformats.org/drawingml/2006/chart" xmlns:dgm="http://schemas.openxmlformats.org/drawingml/2006/diagram" xmlns:o="urn:schemas-microsoft-com:office:office" xmlns:v="urn:schemas-microsoft-com:vml" xmlns:pvml="urn:schemas-microsoft-com:office:powerpoint" xmlns:com="http://schemas.openxmlformats.org/drawingml/2006/compatibility" xmlns:p14="http://schemas.microsoft.com/office/powerpoint/2010/main" xmlns:p15="http://schemas.microsoft.com/office/powerpoint/2012/main" xmlns:ahyp="http://schemas.microsoft.com/office/drawing/2018/hyperlinkcolor">
+  <p:cSld>
+    <p:spTree>
+      <p:nvGrpSpPr>
+        <p:cNvPr id="140" name="Shape 140"/>
+        <p:cNvGrpSpPr/>
+        <p:nvPr/>
+      </p:nvGrpSpPr>
+      <p:grpSpPr>
+        <a:xfrm>
+          <a:off x="0" y="0"/>
+          <a:ext cx="0" cy="0"/>
+          <a:chOff x="0" y="0"/>
+          <a:chExt cx="0" cy="0"/>
+        </a:xfrm>
+      </p:grpSpPr>
+      <p:pic>
+        <p:nvPicPr>
+          <p:cNvPr id="141" name="Google Shape;141;p22"/>
+          <p:cNvPicPr preferRelativeResize="0"/>
+          <p:nvPr/>
+        </p:nvPicPr>
+        <p:blipFill rotWithShape="1">
+          <a:blip r:embed="rId3">
+            <a:alphaModFix/>
+          </a:blip>
+          <a:srcRect b="0" l="0" r="0" t="58475"/>
+          <a:stretch/>
+        </p:blipFill>
+        <p:spPr>
+          <a:xfrm rot="10800000">
+            <a:off x="0" y="1"/>
+            <a:ext cx="9144000" cy="971550"/>
+          </a:xfrm>
+          <a:prstGeom prst="rect">
+            <a:avLst/>
+          </a:prstGeom>
+          <a:noFill/>
+          <a:ln>
+            <a:noFill/>
+          </a:ln>
+        </p:spPr>
+      </p:pic>
+      <p:sp>
+        <p:nvSpPr>
+          <p:cNvPr id="142" name="Google Shape;142;p22"/>
+          <p:cNvSpPr txBox="1"/>
+          <p:nvPr/>
+        </p:nvSpPr>
+        <p:spPr>
+          <a:xfrm>
+            <a:off x="201425" y="137550"/>
+            <a:ext cx="5204400" cy="492600"/>
+          </a:xfrm>
+          <a:prstGeom prst="rect">
+            <a:avLst/>
+          </a:prstGeom>
+          <a:noFill/>
+          <a:ln>
+            <a:noFill/>
+          </a:ln>
+        </p:spPr>
+        <p:txBody>
+          <a:bodyPr anchorCtr="0" anchor="t" bIns="91425" lIns="91425" spcFirstLastPara="1" rIns="91425" wrap="square" tIns="91425">
+            <a:spAutoFit/>
+          </a:bodyPr>
+          <a:lstStyle/>
+          <a:p>
+            <a:pPr indent="0" lvl="0" marL="0" rtl="0" algn="l">
+              <a:spcBef>
+                <a:spcPts val="0"/>
+              </a:spcBef>
+              <a:spcAft>
+                <a:spcPts val="0"/>
+              </a:spcAft>
+              <a:buNone/>
+            </a:pPr>
+            <a:r>
+              <a:rPr lang="nl" sz="2000">
+                <a:solidFill>
+                  <a:schemeClr val="lt1"/>
+                </a:solidFill>
+                <a:latin typeface="Lato"/>
+                <a:ea typeface="Lato"/>
+                <a:cs typeface="Lato"/>
+                <a:sym typeface="Lato"/>
+              </a:rPr>
+              <a:t>Deliverables - Data Mediator</a:t>
+            </a:r>
+            <a:endParaRPr sz="2000">
+              <a:solidFill>
+                <a:schemeClr val="lt1"/>
+              </a:solidFill>
+              <a:latin typeface="Lato"/>
+              <a:ea typeface="Lato"/>
+              <a:cs typeface="Lato"/>
+              <a:sym typeface="Lato"/>
+            </a:endParaRPr>
+          </a:p>
+        </p:txBody>
+      </p:sp>
+      <p:pic>
+        <p:nvPicPr>
+          <p:cNvPr id="143" name="Google Shape;143;p22"/>
+          <p:cNvPicPr preferRelativeResize="0"/>
+          <p:nvPr/>
+        </p:nvPicPr>
+        <p:blipFill>
+          <a:blip r:embed="rId4">
+            <a:alphaModFix/>
+          </a:blip>
+          <a:stretch>
+            <a:fillRect/>
+          </a:stretch>
+        </p:blipFill>
+        <p:spPr>
+          <a:xfrm>
+            <a:off x="7960200" y="4474550"/>
+            <a:ext cx="1012374" cy="530150"/>
+          </a:xfrm>
+          <a:prstGeom prst="rect">
+            <a:avLst/>
+          </a:prstGeom>
+          <a:noFill/>
+          <a:ln>
+            <a:noFill/>
+          </a:ln>
+        </p:spPr>
+      </p:pic>
+      <p:pic>
+        <p:nvPicPr>
+          <p:cNvPr id="144" name="Google Shape;144;p22"/>
+          <p:cNvPicPr preferRelativeResize="0"/>
+          <p:nvPr/>
+        </p:nvPicPr>
+        <p:blipFill>
+          <a:blip r:embed="rId5">
+            <a:alphaModFix/>
+          </a:blip>
+          <a:stretch>
+            <a:fillRect/>
+          </a:stretch>
+        </p:blipFill>
+        <p:spPr>
+          <a:xfrm>
+            <a:off x="4281350" y="1098001"/>
+            <a:ext cx="3653100" cy="3867148"/>
+          </a:xfrm>
+          <a:prstGeom prst="rect">
+            <a:avLst/>
+          </a:prstGeom>
+          <a:noFill/>
+          <a:ln>
+            <a:noFill/>
+          </a:ln>
+          <a:effectLst>
+            <a:outerShdw blurRad="428625" rotWithShape="0" algn="bl" dir="5400000" dist="76200">
+              <a:srgbClr val="000000">
+                <a:alpha val="17000"/>
+              </a:srgbClr>
+            </a:outerShdw>
+          </a:effectLst>
+        </p:spPr>
+      </p:pic>
+      <p:sp>
+        <p:nvSpPr>
+          <p:cNvPr id="145" name="Google Shape;145;p22"/>
+          <p:cNvSpPr txBox="1"/>
+          <p:nvPr/>
+        </p:nvSpPr>
+        <p:spPr>
+          <a:xfrm>
+            <a:off x="201425" y="1259075"/>
+            <a:ext cx="4370700" cy="1693200"/>
+          </a:xfrm>
+          <a:prstGeom prst="rect">
+            <a:avLst/>
+          </a:prstGeom>
+          <a:noFill/>
+          <a:ln>
+            <a:noFill/>
+          </a:ln>
+        </p:spPr>
+        <p:txBody>
+          <a:bodyPr anchorCtr="0" anchor="t" bIns="91425" lIns="91425" spcFirstLastPara="1" rIns="91425" wrap="square" tIns="91425">
+            <a:spAutoFit/>
+          </a:bodyPr>
+          <a:lstStyle/>
+          <a:p>
+            <a:pPr indent="-317500" lvl="0" marL="457200" rtl="0" algn="l">
+              <a:spcBef>
+                <a:spcPts val="0"/>
+              </a:spcBef>
+              <a:spcAft>
+                <a:spcPts val="0"/>
+              </a:spcAft>
+              <a:buSzPts val="1400"/>
+              <a:buChar char="-"/>
+            </a:pPr>
+            <a:r>
+              <a:rPr lang="nl"/>
+              <a:t>Available product analysis on different data mediator solutions</a:t>
+            </a:r>
+            <a:endParaRPr/>
+          </a:p>
+          <a:p>
+            <a:pPr indent="-317500" lvl="0" marL="457200" rtl="0" algn="l">
+              <a:spcBef>
+                <a:spcPts val="0"/>
+              </a:spcBef>
+              <a:spcAft>
+                <a:spcPts val="0"/>
+              </a:spcAft>
+              <a:buSzPts val="1400"/>
+              <a:buChar char="-"/>
+            </a:pPr>
+            <a:r>
+              <a:rPr lang="nl">
+                <a:solidFill>
+                  <a:schemeClr val="dk1"/>
+                </a:solidFill>
+              </a:rPr>
+              <a:t>Requirement prioritization</a:t>
+            </a:r>
+            <a:endParaRPr>
+              <a:solidFill>
+                <a:schemeClr val="dk1"/>
+              </a:solidFill>
+            </a:endParaRPr>
+          </a:p>
+          <a:p>
+            <a:pPr indent="-317500" lvl="0" marL="457200" rtl="0" algn="l">
+              <a:spcBef>
+                <a:spcPts val="0"/>
+              </a:spcBef>
+              <a:spcAft>
+                <a:spcPts val="0"/>
+              </a:spcAft>
+              <a:buClr>
+                <a:schemeClr val="dk1"/>
+              </a:buClr>
+              <a:buSzPts val="1400"/>
+              <a:buChar char="-"/>
+            </a:pPr>
+            <a:r>
+              <a:rPr lang="nl">
+                <a:solidFill>
+                  <a:schemeClr val="dk1"/>
+                </a:solidFill>
+              </a:rPr>
+              <a:t>Chose solutions based on multi-criteria decision matrix</a:t>
+            </a:r>
+            <a:endParaRPr>
+              <a:solidFill>
+                <a:schemeClr val="dk1"/>
+              </a:solidFill>
+            </a:endParaRPr>
+          </a:p>
+          <a:p>
+            <a:pPr indent="-317500" lvl="0" marL="457200" rtl="0" algn="l">
+              <a:spcBef>
+                <a:spcPts val="0"/>
+              </a:spcBef>
+              <a:spcAft>
+                <a:spcPts val="0"/>
+              </a:spcAft>
+              <a:buClr>
+                <a:schemeClr val="dk1"/>
+              </a:buClr>
+              <a:buSzPts val="1400"/>
+              <a:buChar char="-"/>
+            </a:pPr>
+            <a:r>
+              <a:rPr lang="nl">
+                <a:solidFill>
+                  <a:schemeClr val="dk1"/>
+                </a:solidFill>
+              </a:rPr>
+              <a:t>Created prototype of the chosen solutions</a:t>
+            </a:r>
+            <a:endParaRPr>
+              <a:solidFill>
+                <a:schemeClr val="dk1"/>
+              </a:solidFill>
+            </a:endParaRPr>
+          </a:p>
+          <a:p>
+            <a:pPr indent="-317500" lvl="0" marL="457200" rtl="0" algn="l">
+              <a:spcBef>
+                <a:spcPts val="0"/>
+              </a:spcBef>
+              <a:spcAft>
+                <a:spcPts val="0"/>
+              </a:spcAft>
+              <a:buClr>
+                <a:schemeClr val="dk1"/>
+              </a:buClr>
+              <a:buSzPts val="1400"/>
+              <a:buChar char="-"/>
+            </a:pPr>
+            <a:r>
+              <a:rPr lang="nl">
+                <a:solidFill>
+                  <a:schemeClr val="dk1"/>
+                </a:solidFill>
+              </a:rPr>
+              <a:t>Assessed best, good and bad practices</a:t>
+            </a:r>
+            <a:endParaRPr>
+              <a:solidFill>
+                <a:schemeClr val="dk1"/>
+              </a:solidFill>
+            </a:endParaRPr>
+          </a:p>
+        </p:txBody>
+      </p:sp>
+    </p:spTree>
+  </p:cSld>
+  <p:clrMapOvr>
+    <a:masterClrMapping/>
+  </p:clrMapOvr>
+</p:sld>
+</file>
+
+<file path=ppt/slides/slide11.xml><?xml version="1.0" encoding="utf-8"?>
+<p:sld xmlns:a="http://schemas.openxmlformats.org/drawingml/2006/main" xmlns:r="http://schemas.openxmlformats.org/officeDocument/2006/relationships" xmlns:mc="http://schemas.openxmlformats.org/markup-compatibility/2006" xmlns:mv="urn:schemas-microsoft-com:mac:vml" xmlns:p="http://schemas.openxmlformats.org/presentationml/2006/main" xmlns:c="http://schemas.openxmlformats.org/drawingml/2006/chart" xmlns:dgm="http://schemas.openxmlformats.org/drawingml/2006/diagram" xmlns:o="urn:schemas-microsoft-com:office:office" xmlns:v="urn:schemas-microsoft-com:vml" xmlns:pvml="urn:schemas-microsoft-com:office:powerpoint" xmlns:com="http://schemas.openxmlformats.org/drawingml/2006/compatibility" xmlns:p14="http://schemas.microsoft.com/office/powerpoint/2010/main" xmlns:p15="http://schemas.microsoft.com/office/powerpoint/2012/main" xmlns:ahyp="http://schemas.microsoft.com/office/drawing/2018/hyperlinkcolor">
+  <p:cSld>
+    <p:spTree>
+      <p:nvGrpSpPr>
+        <p:cNvPr id="149" name="Shape 149"/>
+        <p:cNvGrpSpPr/>
+        <p:nvPr/>
+      </p:nvGrpSpPr>
+      <p:grpSpPr>
+        <a:xfrm>
+          <a:off x="0" y="0"/>
+          <a:ext cx="0" cy="0"/>
+          <a:chOff x="0" y="0"/>
+          <a:chExt cx="0" cy="0"/>
+        </a:xfrm>
+      </p:grpSpPr>
+      <p:pic>
+        <p:nvPicPr>
+          <p:cNvPr id="150" name="Google Shape;150;p23"/>
+          <p:cNvPicPr preferRelativeResize="0"/>
+          <p:nvPr/>
+        </p:nvPicPr>
+        <p:blipFill rotWithShape="1">
+          <a:blip r:embed="rId3">
+            <a:alphaModFix/>
+          </a:blip>
+          <a:srcRect b="0" l="0" r="0" t="58475"/>
+          <a:stretch/>
+        </p:blipFill>
+        <p:spPr>
+          <a:xfrm rot="10800000">
+            <a:off x="0" y="1"/>
+            <a:ext cx="9144000" cy="971550"/>
+          </a:xfrm>
+          <a:prstGeom prst="rect">
+            <a:avLst/>
+          </a:prstGeom>
+          <a:noFill/>
+          <a:ln>
+            <a:noFill/>
+          </a:ln>
+        </p:spPr>
+      </p:pic>
+      <p:sp>
+        <p:nvSpPr>
+          <p:cNvPr id="151" name="Google Shape;151;p23"/>
+          <p:cNvSpPr txBox="1"/>
+          <p:nvPr/>
+        </p:nvSpPr>
+        <p:spPr>
+          <a:xfrm>
+            <a:off x="201425" y="137550"/>
+            <a:ext cx="5204400" cy="492600"/>
+          </a:xfrm>
+          <a:prstGeom prst="rect">
+            <a:avLst/>
+          </a:prstGeom>
+          <a:noFill/>
+          <a:ln>
+            <a:noFill/>
+          </a:ln>
+        </p:spPr>
+        <p:txBody>
+          <a:bodyPr anchorCtr="0" anchor="t" bIns="91425" lIns="91425" spcFirstLastPara="1" rIns="91425" wrap="square" tIns="91425">
+            <a:spAutoFit/>
+          </a:bodyPr>
+          <a:lstStyle/>
+          <a:p>
+            <a:pPr indent="0" lvl="0" marL="0" rtl="0" algn="l">
+              <a:spcBef>
+                <a:spcPts val="0"/>
+              </a:spcBef>
+              <a:spcAft>
+                <a:spcPts val="0"/>
+              </a:spcAft>
+              <a:buNone/>
+            </a:pPr>
+            <a:r>
+              <a:rPr lang="nl" sz="2000">
+                <a:solidFill>
+                  <a:schemeClr val="lt1"/>
+                </a:solidFill>
+                <a:latin typeface="Lato"/>
+                <a:ea typeface="Lato"/>
+                <a:cs typeface="Lato"/>
+                <a:sym typeface="Lato"/>
+              </a:rPr>
+              <a:t>Legal</a:t>
+            </a:r>
+            <a:endParaRPr sz="2000">
+              <a:solidFill>
+                <a:schemeClr val="lt1"/>
+              </a:solidFill>
+              <a:latin typeface="Lato"/>
+              <a:ea typeface="Lato"/>
+              <a:cs typeface="Lato"/>
+              <a:sym typeface="Lato"/>
+            </a:endParaRPr>
+          </a:p>
+        </p:txBody>
+      </p:sp>
+      <p:pic>
+        <p:nvPicPr>
+          <p:cNvPr id="152" name="Google Shape;152;p23"/>
+          <p:cNvPicPr preferRelativeResize="0"/>
+          <p:nvPr/>
+        </p:nvPicPr>
+        <p:blipFill>
+          <a:blip r:embed="rId4">
+            <a:alphaModFix/>
+          </a:blip>
+          <a:stretch>
+            <a:fillRect/>
+          </a:stretch>
+        </p:blipFill>
+        <p:spPr>
+          <a:xfrm>
+            <a:off x="7960200" y="4474550"/>
+            <a:ext cx="1012374" cy="530150"/>
+          </a:xfrm>
+          <a:prstGeom prst="rect">
+            <a:avLst/>
+          </a:prstGeom>
+          <a:noFill/>
+          <a:ln>
+            <a:noFill/>
+          </a:ln>
+        </p:spPr>
+      </p:pic>
+      <p:sp>
+        <p:nvSpPr>
+          <p:cNvPr id="153" name="Google Shape;153;p23"/>
+          <p:cNvSpPr txBox="1"/>
+          <p:nvPr/>
+        </p:nvSpPr>
+        <p:spPr>
+          <a:xfrm>
+            <a:off x="629400" y="1367275"/>
+            <a:ext cx="3942600" cy="1046700"/>
+          </a:xfrm>
+          <a:prstGeom prst="rect">
+            <a:avLst/>
+          </a:prstGeom>
+          <a:noFill/>
+          <a:ln>
+            <a:noFill/>
+          </a:ln>
+        </p:spPr>
+        <p:txBody>
+          <a:bodyPr anchorCtr="0" anchor="t" bIns="91425" lIns="91425" spcFirstLastPara="1" rIns="91425" wrap="square" tIns="91425">
+            <a:spAutoFit/>
+          </a:bodyPr>
+          <a:lstStyle/>
+          <a:p>
+            <a:pPr indent="-317500" lvl="0" marL="457200" rtl="0" algn="l">
+              <a:spcBef>
+                <a:spcPts val="0"/>
+              </a:spcBef>
+              <a:spcAft>
+                <a:spcPts val="0"/>
+              </a:spcAft>
+              <a:buSzPts val="1400"/>
+              <a:buChar char="-"/>
+            </a:pPr>
+            <a:r>
+              <a:rPr lang="nl"/>
+              <a:t>NDA</a:t>
+            </a:r>
+            <a:endParaRPr/>
+          </a:p>
+          <a:p>
+            <a:pPr indent="-317500" lvl="0" marL="457200" rtl="0" algn="l">
+              <a:spcBef>
+                <a:spcPts val="0"/>
+              </a:spcBef>
+              <a:spcAft>
+                <a:spcPts val="0"/>
+              </a:spcAft>
+              <a:buSzPts val="1400"/>
+              <a:buChar char="-"/>
+            </a:pPr>
+            <a:r>
+              <a:rPr lang="nl"/>
+              <a:t>Data Protection Impact Analysis</a:t>
+            </a:r>
+            <a:endParaRPr/>
+          </a:p>
+          <a:p>
+            <a:pPr indent="-317500" lvl="0" marL="457200" rtl="0" algn="l">
+              <a:spcBef>
+                <a:spcPts val="0"/>
+              </a:spcBef>
+              <a:spcAft>
+                <a:spcPts val="0"/>
+              </a:spcAft>
+              <a:buSzPts val="1400"/>
+              <a:buChar char="-"/>
+            </a:pPr>
+            <a:r>
+              <a:rPr lang="nl"/>
+              <a:t>Privacy agreement</a:t>
+            </a:r>
+            <a:endParaRPr/>
+          </a:p>
+          <a:p>
+            <a:pPr indent="-317500" lvl="0" marL="457200" rtl="0" algn="l">
+              <a:spcBef>
+                <a:spcPts val="0"/>
+              </a:spcBef>
+              <a:spcAft>
+                <a:spcPts val="0"/>
+              </a:spcAft>
+              <a:buSzPts val="1400"/>
+              <a:buChar char="-"/>
+            </a:pPr>
+            <a:r>
+              <a:rPr lang="nl"/>
+              <a:t>ERD redesigns based of GDPR and AVG</a:t>
+            </a:r>
+            <a:endParaRPr/>
+          </a:p>
+        </p:txBody>
+      </p:sp>
+      <p:pic>
+        <p:nvPicPr>
+          <p:cNvPr id="154" name="Google Shape;154;p23"/>
+          <p:cNvPicPr preferRelativeResize="0"/>
+          <p:nvPr/>
+        </p:nvPicPr>
+        <p:blipFill>
+          <a:blip r:embed="rId5">
+            <a:alphaModFix/>
+          </a:blip>
+          <a:stretch>
+            <a:fillRect/>
+          </a:stretch>
+        </p:blipFill>
+        <p:spPr>
+          <a:xfrm>
+            <a:off x="5759725" y="1367274"/>
+            <a:ext cx="3166775" cy="1990925"/>
+          </a:xfrm>
+          <a:prstGeom prst="rect">
+            <a:avLst/>
+          </a:prstGeom>
+          <a:noFill/>
+          <a:ln>
+            <a:noFill/>
+          </a:ln>
+          <a:effectLst>
+            <a:outerShdw blurRad="471488" rotWithShape="0" algn="bl" dir="5400000" dist="76200">
+              <a:srgbClr val="000000">
+                <a:alpha val="27000"/>
+              </a:srgbClr>
+            </a:outerShdw>
+          </a:effectLst>
+        </p:spPr>
+      </p:pic>
+      <p:pic>
+        <p:nvPicPr>
+          <p:cNvPr id="155" name="Google Shape;155;p23"/>
+          <p:cNvPicPr preferRelativeResize="0"/>
+          <p:nvPr/>
+        </p:nvPicPr>
+        <p:blipFill>
+          <a:blip r:embed="rId6">
+            <a:alphaModFix/>
+          </a:blip>
+          <a:stretch>
+            <a:fillRect/>
+          </a:stretch>
+        </p:blipFill>
+        <p:spPr>
+          <a:xfrm>
+            <a:off x="3942625" y="2921475"/>
+            <a:ext cx="2746775" cy="1599400"/>
+          </a:xfrm>
+          <a:prstGeom prst="rect">
+            <a:avLst/>
+          </a:prstGeom>
+          <a:noFill/>
+          <a:ln>
+            <a:noFill/>
+          </a:ln>
+          <a:effectLst>
+            <a:outerShdw blurRad="471488" rotWithShape="0" algn="bl" dir="5400000" dist="76200">
+              <a:srgbClr val="000000">
+                <a:alpha val="27000"/>
+              </a:srgbClr>
+            </a:outerShdw>
+          </a:effectLst>
+        </p:spPr>
+      </p:pic>
+    </p:spTree>
+  </p:cSld>
+  <p:clrMapOvr>
+    <a:masterClrMapping/>
+  </p:clrMapOvr>
+</p:sld>
+</file>
+
+<file path=ppt/slides/slide12.xml><?xml version="1.0" encoding="utf-8"?>
+<p:sld xmlns:a="http://schemas.openxmlformats.org/drawingml/2006/main" xmlns:r="http://schemas.openxmlformats.org/officeDocument/2006/relationships" xmlns:mc="http://schemas.openxmlformats.org/markup-compatibility/2006" xmlns:mv="urn:schemas-microsoft-com:mac:vml" xmlns:p="http://schemas.openxmlformats.org/presentationml/2006/main" xmlns:c="http://schemas.openxmlformats.org/drawingml/2006/chart" xmlns:dgm="http://schemas.openxmlformats.org/drawingml/2006/diagram" xmlns:o="urn:schemas-microsoft-com:office:office" xmlns:v="urn:schemas-microsoft-com:vml" xmlns:pvml="urn:schemas-microsoft-com:office:powerpoint" xmlns:com="http://schemas.openxmlformats.org/drawingml/2006/compatibility" xmlns:p14="http://schemas.microsoft.com/office/powerpoint/2010/main" xmlns:p15="http://schemas.microsoft.com/office/powerpoint/2012/main" xmlns:ahyp="http://schemas.microsoft.com/office/drawing/2018/hyperlinkcolor">
+  <p:cSld>
+    <p:spTree>
+      <p:nvGrpSpPr>
+        <p:cNvPr id="159" name="Shape 159"/>
+        <p:cNvGrpSpPr/>
+        <p:nvPr/>
+      </p:nvGrpSpPr>
+      <p:grpSpPr>
+        <a:xfrm>
+          <a:off x="0" y="0"/>
+          <a:ext cx="0" cy="0"/>
+          <a:chOff x="0" y="0"/>
+          <a:chExt cx="0" cy="0"/>
+        </a:xfrm>
+      </p:grpSpPr>
+      <p:pic>
+        <p:nvPicPr>
+          <p:cNvPr id="160" name="Google Shape;160;p24"/>
+          <p:cNvPicPr preferRelativeResize="0"/>
+          <p:nvPr/>
+        </p:nvPicPr>
+        <p:blipFill rotWithShape="1">
+          <a:blip r:embed="rId3">
+            <a:alphaModFix/>
+          </a:blip>
+          <a:srcRect b="29340" l="36972" r="0" t="23828"/>
+          <a:stretch/>
+        </p:blipFill>
+        <p:spPr>
+          <a:xfrm>
+            <a:off x="-76200" y="0"/>
+            <a:ext cx="9229399" cy="5143500"/>
+          </a:xfrm>
+          <a:prstGeom prst="rect">
+            <a:avLst/>
+          </a:prstGeom>
+          <a:noFill/>
+          <a:ln>
+            <a:noFill/>
+          </a:ln>
+        </p:spPr>
+      </p:pic>
+      <p:sp>
+        <p:nvSpPr>
+          <p:cNvPr id="161" name="Google Shape;161;p24"/>
+          <p:cNvSpPr/>
+          <p:nvPr/>
+        </p:nvSpPr>
+        <p:spPr>
+          <a:xfrm>
+            <a:off x="-71125" y="7950"/>
+            <a:ext cx="9229500" cy="5143500"/>
+          </a:xfrm>
+          <a:prstGeom prst="rect">
+            <a:avLst/>
+          </a:prstGeom>
+          <a:solidFill>
+            <a:srgbClr val="663366">
+              <a:alpha val="73130"/>
+            </a:srgbClr>
+          </a:solidFill>
+          <a:ln cap="flat" cmpd="sng" w="9525">
+            <a:solidFill>
+              <a:schemeClr val="dk2"/>
+            </a:solidFill>
+            <a:prstDash val="solid"/>
+            <a:round/>
+            <a:headEnd len="sm" w="sm" type="none"/>
+            <a:tailEnd len="sm" w="sm" type="none"/>
+          </a:ln>
+        </p:spPr>
+        <p:txBody>
+          <a:bodyPr anchorCtr="0" anchor="ctr" bIns="91425" lIns="91425" spcFirstLastPara="1" rIns="91425" wrap="square" tIns="91425">
+            <a:noAutofit/>
+          </a:bodyPr>
+          <a:lstStyle/>
+          <a:p>
+            <a:pPr indent="0" lvl="0" marL="0" rtl="0" algn="l">
+              <a:spcBef>
+                <a:spcPts val="0"/>
+              </a:spcBef>
+              <a:spcAft>
+                <a:spcPts val="0"/>
+              </a:spcAft>
+              <a:buNone/>
+            </a:pPr>
+            <a:r>
+              <a:t/>
+            </a:r>
+            <a:endParaRPr/>
+          </a:p>
+        </p:txBody>
+      </p:sp>
+      <p:sp>
+        <p:nvSpPr>
+          <p:cNvPr id="162" name="Google Shape;162;p24"/>
+          <p:cNvSpPr txBox="1"/>
+          <p:nvPr/>
+        </p:nvSpPr>
+        <p:spPr>
+          <a:xfrm>
+            <a:off x="3368400" y="1058275"/>
+            <a:ext cx="2407200" cy="615600"/>
+          </a:xfrm>
+          <a:prstGeom prst="rect">
+            <a:avLst/>
+          </a:prstGeom>
+          <a:noFill/>
+          <a:ln>
+            <a:noFill/>
+          </a:ln>
+        </p:spPr>
+        <p:txBody>
+          <a:bodyPr anchorCtr="0" anchor="t" bIns="91425" lIns="91425" spcFirstLastPara="1" rIns="91425" wrap="square" tIns="91425">
+            <a:spAutoFit/>
+          </a:bodyPr>
+          <a:lstStyle/>
+          <a:p>
+            <a:pPr indent="0" lvl="0" marL="0" rtl="0" algn="ctr">
+              <a:spcBef>
+                <a:spcPts val="0"/>
+              </a:spcBef>
+              <a:spcAft>
+                <a:spcPts val="0"/>
+              </a:spcAft>
+              <a:buNone/>
+            </a:pPr>
+            <a:r>
+              <a:rPr lang="nl" sz="2800">
+                <a:solidFill>
+                  <a:schemeClr val="lt1"/>
+                </a:solidFill>
+              </a:rPr>
+              <a:t>Next sprint.</a:t>
+            </a:r>
+            <a:endParaRPr sz="2800">
+              <a:solidFill>
+                <a:schemeClr val="lt1"/>
+              </a:solidFill>
+            </a:endParaRPr>
+          </a:p>
+        </p:txBody>
+      </p:sp>
+      <p:sp>
+        <p:nvSpPr>
+          <p:cNvPr id="163" name="Google Shape;163;p24"/>
+          <p:cNvSpPr txBox="1"/>
+          <p:nvPr/>
+        </p:nvSpPr>
+        <p:spPr>
+          <a:xfrm>
+            <a:off x="3368400" y="1673875"/>
+            <a:ext cx="2407200" cy="723300"/>
+          </a:xfrm>
+          <a:prstGeom prst="rect">
+            <a:avLst/>
+          </a:prstGeom>
+          <a:noFill/>
+          <a:ln>
+            <a:noFill/>
+          </a:ln>
+        </p:spPr>
+        <p:txBody>
+          <a:bodyPr anchorCtr="0" anchor="t" bIns="91425" lIns="91425" spcFirstLastPara="1" rIns="91425" wrap="square" tIns="91425">
+            <a:spAutoFit/>
+          </a:bodyPr>
+          <a:lstStyle/>
+          <a:p>
+            <a:pPr indent="0" lvl="0" marL="0" rtl="0" algn="ctr">
+              <a:spcBef>
+                <a:spcPts val="0"/>
+              </a:spcBef>
+              <a:spcAft>
+                <a:spcPts val="0"/>
+              </a:spcAft>
+              <a:buNone/>
+            </a:pPr>
+            <a:r>
+              <a:rPr lang="nl" sz="3500">
+                <a:solidFill>
+                  <a:schemeClr val="lt1"/>
+                </a:solidFill>
+              </a:rPr>
+              <a:t>Sprint 3</a:t>
+            </a:r>
+            <a:endParaRPr sz="3500">
+              <a:solidFill>
+                <a:schemeClr val="lt1"/>
+              </a:solidFill>
+            </a:endParaRPr>
+          </a:p>
+        </p:txBody>
+      </p:sp>
+    </p:spTree>
+  </p:cSld>
+  <p:clrMapOvr>
+    <a:masterClrMapping/>
+  </p:clrMapOvr>
+</p:sld>
+</file>
+
+<file path=ppt/slides/slide13.xml><?xml version="1.0" encoding="utf-8"?>
+<p:sld xmlns:a="http://schemas.openxmlformats.org/drawingml/2006/main" xmlns:r="http://schemas.openxmlformats.org/officeDocument/2006/relationships" xmlns:mc="http://schemas.openxmlformats.org/markup-compatibility/2006" xmlns:mv="urn:schemas-microsoft-com:mac:vml" xmlns:p="http://schemas.openxmlformats.org/presentationml/2006/main" xmlns:c="http://schemas.openxmlformats.org/drawingml/2006/chart" xmlns:dgm="http://schemas.openxmlformats.org/drawingml/2006/diagram" xmlns:o="urn:schemas-microsoft-com:office:office" xmlns:v="urn:schemas-microsoft-com:vml" xmlns:pvml="urn:schemas-microsoft-com:office:powerpoint" xmlns:com="http://schemas.openxmlformats.org/drawingml/2006/compatibility" xmlns:p14="http://schemas.microsoft.com/office/powerpoint/2010/main" xmlns:p15="http://schemas.microsoft.com/office/powerpoint/2012/main" xmlns:ahyp="http://schemas.microsoft.com/office/drawing/2018/hyperlinkcolor">
+  <p:cSld>
+    <p:spTree>
+      <p:nvGrpSpPr>
+        <p:cNvPr id="167" name="Shape 167"/>
+        <p:cNvGrpSpPr/>
+        <p:nvPr/>
+      </p:nvGrpSpPr>
+      <p:grpSpPr>
+        <a:xfrm>
+          <a:off x="0" y="0"/>
+          <a:ext cx="0" cy="0"/>
+          <a:chOff x="0" y="0"/>
+          <a:chExt cx="0" cy="0"/>
+        </a:xfrm>
+      </p:grpSpPr>
+      <p:pic>
+        <p:nvPicPr>
+          <p:cNvPr id="168" name="Google Shape;168;p25"/>
+          <p:cNvPicPr preferRelativeResize="0"/>
+          <p:nvPr/>
+        </p:nvPicPr>
+        <p:blipFill rotWithShape="1">
+          <a:blip r:embed="rId3">
+            <a:alphaModFix/>
+          </a:blip>
+          <a:srcRect b="0" l="0" r="0" t="58475"/>
+          <a:stretch/>
+        </p:blipFill>
+        <p:spPr>
+          <a:xfrm rot="10800000">
+            <a:off x="0" y="1"/>
+            <a:ext cx="9144000" cy="971550"/>
+          </a:xfrm>
+          <a:prstGeom prst="rect">
+            <a:avLst/>
+          </a:prstGeom>
+          <a:noFill/>
+          <a:ln>
+            <a:noFill/>
+          </a:ln>
+        </p:spPr>
+      </p:pic>
+      <p:sp>
+        <p:nvSpPr>
+          <p:cNvPr id="169" name="Google Shape;169;p25"/>
+          <p:cNvSpPr txBox="1"/>
+          <p:nvPr/>
+        </p:nvSpPr>
+        <p:spPr>
+          <a:xfrm>
+            <a:off x="201425" y="137550"/>
+            <a:ext cx="3297000" cy="492600"/>
+          </a:xfrm>
+          <a:prstGeom prst="rect">
+            <a:avLst/>
+          </a:prstGeom>
+          <a:noFill/>
+          <a:ln>
+            <a:noFill/>
+          </a:ln>
+        </p:spPr>
+        <p:txBody>
+          <a:bodyPr anchorCtr="0" anchor="t" bIns="91425" lIns="91425" spcFirstLastPara="1" rIns="91425" wrap="square" tIns="91425">
+            <a:spAutoFit/>
+          </a:bodyPr>
+          <a:lstStyle/>
+          <a:p>
+            <a:pPr indent="0" lvl="0" marL="0" rtl="0" algn="l">
+              <a:spcBef>
+                <a:spcPts val="0"/>
+              </a:spcBef>
+              <a:spcAft>
+                <a:spcPts val="0"/>
+              </a:spcAft>
+              <a:buNone/>
+            </a:pPr>
+            <a:r>
+              <a:rPr lang="nl" sz="2000">
+                <a:solidFill>
+                  <a:schemeClr val="lt1"/>
+                </a:solidFill>
+                <a:latin typeface="Lato"/>
+                <a:ea typeface="Lato"/>
+                <a:cs typeface="Lato"/>
+                <a:sym typeface="Lato"/>
+              </a:rPr>
+              <a:t>What is next?</a:t>
+            </a:r>
+            <a:endParaRPr sz="2000">
+              <a:solidFill>
+                <a:schemeClr val="lt1"/>
+              </a:solidFill>
+              <a:latin typeface="Lato"/>
+              <a:ea typeface="Lato"/>
+              <a:cs typeface="Lato"/>
+              <a:sym typeface="Lato"/>
+            </a:endParaRPr>
+          </a:p>
+        </p:txBody>
+      </p:sp>
+      <p:pic>
+        <p:nvPicPr>
+          <p:cNvPr id="170" name="Google Shape;170;p25"/>
+          <p:cNvPicPr preferRelativeResize="0"/>
+          <p:nvPr/>
+        </p:nvPicPr>
+        <p:blipFill>
+          <a:blip r:embed="rId4">
+            <a:alphaModFix/>
+          </a:blip>
+          <a:stretch>
+            <a:fillRect/>
+          </a:stretch>
+        </p:blipFill>
+        <p:spPr>
+          <a:xfrm>
+            <a:off x="7960200" y="4474550"/>
+            <a:ext cx="1012374" cy="530150"/>
+          </a:xfrm>
+          <a:prstGeom prst="rect">
+            <a:avLst/>
+          </a:prstGeom>
+          <a:noFill/>
+          <a:ln>
+            <a:noFill/>
+          </a:ln>
+        </p:spPr>
+      </p:pic>
+      <p:sp>
+        <p:nvSpPr>
+          <p:cNvPr id="171" name="Google Shape;171;p25"/>
+          <p:cNvSpPr txBox="1"/>
+          <p:nvPr/>
+        </p:nvSpPr>
+        <p:spPr>
+          <a:xfrm>
+            <a:off x="327050" y="1508225"/>
+            <a:ext cx="4755900" cy="400200"/>
+          </a:xfrm>
+          <a:prstGeom prst="rect">
+            <a:avLst/>
+          </a:prstGeom>
+          <a:solidFill>
+            <a:srgbClr val="663366">
+              <a:alpha val="73130"/>
+            </a:srgbClr>
+          </a:solidFill>
+          <a:ln>
+            <a:noFill/>
+          </a:ln>
+          <a:effectLst>
+            <a:outerShdw blurRad="57150" rotWithShape="0" algn="bl" dir="5400000" dist="19050">
+              <a:srgbClr val="000000">
+                <a:alpha val="50000"/>
+              </a:srgbClr>
+            </a:outerShdw>
+          </a:effectLst>
+        </p:spPr>
+        <p:txBody>
+          <a:bodyPr anchorCtr="0" anchor="t" bIns="91425" lIns="91425" spcFirstLastPara="1" rIns="91425" wrap="square" tIns="91425">
+            <a:spAutoFit/>
+          </a:bodyPr>
+          <a:lstStyle/>
+          <a:p>
+            <a:pPr indent="0" lvl="0" marL="0" rtl="0" algn="l">
+              <a:spcBef>
+                <a:spcPts val="0"/>
+              </a:spcBef>
+              <a:spcAft>
+                <a:spcPts val="0"/>
+              </a:spcAft>
+              <a:buNone/>
+            </a:pPr>
+            <a:r>
+              <a:rPr lang="nl">
+                <a:solidFill>
+                  <a:schemeClr val="lt1"/>
+                </a:solidFill>
+              </a:rPr>
+              <a:t>The first beta </a:t>
+            </a:r>
+            <a:r>
+              <a:rPr lang="nl">
+                <a:solidFill>
+                  <a:schemeClr val="lt1"/>
+                </a:solidFill>
+              </a:rPr>
+              <a:t>versions</a:t>
+            </a:r>
+            <a:endParaRPr>
+              <a:solidFill>
+                <a:schemeClr val="lt1"/>
+              </a:solidFill>
+            </a:endParaRPr>
+          </a:p>
+        </p:txBody>
+      </p:sp>
+      <p:sp>
+        <p:nvSpPr>
+          <p:cNvPr id="172" name="Google Shape;172;p25"/>
+          <p:cNvSpPr txBox="1"/>
+          <p:nvPr/>
+        </p:nvSpPr>
+        <p:spPr>
+          <a:xfrm>
+            <a:off x="327050" y="2986500"/>
+            <a:ext cx="4755900" cy="400200"/>
+          </a:xfrm>
+          <a:prstGeom prst="rect">
+            <a:avLst/>
+          </a:prstGeom>
+          <a:solidFill>
+            <a:srgbClr val="663366">
+              <a:alpha val="73130"/>
+            </a:srgbClr>
+          </a:solidFill>
+          <a:ln>
+            <a:noFill/>
+          </a:ln>
+          <a:effectLst>
+            <a:outerShdw blurRad="57150" rotWithShape="0" algn="bl" dir="5400000" dist="19050">
+              <a:srgbClr val="000000">
+                <a:alpha val="50000"/>
+              </a:srgbClr>
+            </a:outerShdw>
+          </a:effectLst>
+        </p:spPr>
+        <p:txBody>
+          <a:bodyPr anchorCtr="0" anchor="t" bIns="91425" lIns="91425" spcFirstLastPara="1" rIns="91425" wrap="square" tIns="91425">
+            <a:spAutoFit/>
+          </a:bodyPr>
+          <a:lstStyle/>
+          <a:p>
+            <a:pPr indent="0" lvl="0" marL="0" rtl="0" algn="l">
+              <a:spcBef>
+                <a:spcPts val="0"/>
+              </a:spcBef>
+              <a:spcAft>
+                <a:spcPts val="0"/>
+              </a:spcAft>
+              <a:buNone/>
+            </a:pPr>
+            <a:r>
+              <a:rPr lang="nl">
+                <a:solidFill>
+                  <a:schemeClr val="lt1"/>
+                </a:solidFill>
+              </a:rPr>
+              <a:t>Preparing for next semester</a:t>
+            </a:r>
+            <a:r>
+              <a:rPr lang="nl">
+                <a:solidFill>
+                  <a:schemeClr val="lt1"/>
+                </a:solidFill>
+              </a:rPr>
+              <a:t> </a:t>
+            </a:r>
+            <a:endParaRPr>
+              <a:solidFill>
+                <a:schemeClr val="lt1"/>
+              </a:solidFill>
+            </a:endParaRPr>
+          </a:p>
+        </p:txBody>
+      </p:sp>
+      <p:sp>
+        <p:nvSpPr>
+          <p:cNvPr id="173" name="Google Shape;173;p25"/>
+          <p:cNvSpPr txBox="1"/>
+          <p:nvPr/>
+        </p:nvSpPr>
+        <p:spPr>
+          <a:xfrm>
+            <a:off x="349675" y="2052900"/>
+            <a:ext cx="4755900" cy="819600"/>
+          </a:xfrm>
+          <a:prstGeom prst="rect">
+            <a:avLst/>
+          </a:prstGeom>
+          <a:noFill/>
+          <a:ln>
+            <a:noFill/>
+          </a:ln>
+        </p:spPr>
+        <p:txBody>
+          <a:bodyPr anchorCtr="0" anchor="t" bIns="91425" lIns="91425" spcFirstLastPara="1" rIns="91425" wrap="square" tIns="91425">
+            <a:spAutoFit/>
+          </a:bodyPr>
+          <a:lstStyle/>
+          <a:p>
+            <a:pPr indent="-317500" lvl="0" marL="457200" rtl="0" algn="l">
+              <a:spcBef>
+                <a:spcPts val="0"/>
+              </a:spcBef>
+              <a:spcAft>
+                <a:spcPts val="0"/>
+              </a:spcAft>
+              <a:buSzPts val="1400"/>
+              <a:buChar char="●"/>
+            </a:pPr>
+            <a:r>
+              <a:rPr lang="nl"/>
+              <a:t>Beta V0.1 Dashboard</a:t>
+            </a:r>
+            <a:endParaRPr/>
+          </a:p>
+          <a:p>
+            <a:pPr indent="-317500" lvl="0" marL="457200" rtl="0" algn="l">
+              <a:spcBef>
+                <a:spcPts val="0"/>
+              </a:spcBef>
+              <a:spcAft>
+                <a:spcPts val="0"/>
+              </a:spcAft>
+              <a:buSzPts val="1400"/>
+              <a:buChar char="●"/>
+            </a:pPr>
+            <a:r>
+              <a:rPr lang="nl"/>
+              <a:t>Beta V0.1 API</a:t>
+            </a:r>
+            <a:endParaRPr/>
+          </a:p>
+          <a:p>
+            <a:pPr indent="-317500" lvl="0" marL="457200" rtl="0" algn="l">
+              <a:spcBef>
+                <a:spcPts val="0"/>
+              </a:spcBef>
+              <a:spcAft>
+                <a:spcPts val="0"/>
+              </a:spcAft>
+              <a:buSzPts val="1400"/>
+              <a:buChar char="●"/>
+            </a:pPr>
+            <a:r>
+              <a:rPr lang="nl"/>
+              <a:t>Technical document </a:t>
+            </a:r>
+            <a:r>
+              <a:rPr lang="nl"/>
+              <a:t>dashboard</a:t>
+            </a:r>
+            <a:endParaRPr/>
+          </a:p>
+        </p:txBody>
+      </p:sp>
+      <p:sp>
+        <p:nvSpPr>
+          <p:cNvPr id="174" name="Google Shape;174;p25"/>
+          <p:cNvSpPr txBox="1"/>
+          <p:nvPr/>
+        </p:nvSpPr>
+        <p:spPr>
+          <a:xfrm>
+            <a:off x="327050" y="3527175"/>
+            <a:ext cx="4755900" cy="400200"/>
+          </a:xfrm>
+          <a:prstGeom prst="rect">
+            <a:avLst/>
+          </a:prstGeom>
+          <a:noFill/>
+          <a:ln>
+            <a:noFill/>
+          </a:ln>
+        </p:spPr>
+        <p:txBody>
+          <a:bodyPr anchorCtr="0" anchor="t" bIns="91425" lIns="91425" spcFirstLastPara="1" rIns="91425" wrap="square" tIns="91425">
+            <a:spAutoFit/>
+          </a:bodyPr>
+          <a:lstStyle/>
+          <a:p>
+            <a:pPr indent="-317500" lvl="0" marL="457200" rtl="0" algn="l">
+              <a:spcBef>
+                <a:spcPts val="0"/>
+              </a:spcBef>
+              <a:spcAft>
+                <a:spcPts val="0"/>
+              </a:spcAft>
+              <a:buSzPts val="1400"/>
+              <a:buChar char="●"/>
+            </a:pPr>
+            <a:r>
+              <a:rPr lang="nl"/>
+              <a:t>Transfer ownership document. </a:t>
+            </a:r>
+            <a:endParaRPr/>
+          </a:p>
+        </p:txBody>
+      </p:sp>
+    </p:spTree>
+  </p:cSld>
+  <p:clrMapOvr>
+    <a:masterClrMapping/>
+  </p:clrMapOvr>
+</p:sld>
+</file>
+
+<file path=ppt/slides/slide14.xml><?xml version="1.0" encoding="utf-8"?>
+<p:sld xmlns:a="http://schemas.openxmlformats.org/drawingml/2006/main" xmlns:r="http://schemas.openxmlformats.org/officeDocument/2006/relationships" xmlns:mc="http://schemas.openxmlformats.org/markup-compatibility/2006" xmlns:mv="urn:schemas-microsoft-com:mac:vml" xmlns:p="http://schemas.openxmlformats.org/presentationml/2006/main" xmlns:c="http://schemas.openxmlformats.org/drawingml/2006/chart" xmlns:dgm="http://schemas.openxmlformats.org/drawingml/2006/diagram" xmlns:o="urn:schemas-microsoft-com:office:office" xmlns:v="urn:schemas-microsoft-com:vml" xmlns:pvml="urn:schemas-microsoft-com:office:powerpoint" xmlns:com="http://schemas.openxmlformats.org/drawingml/2006/compatibility" xmlns:p14="http://schemas.microsoft.com/office/powerpoint/2010/main" xmlns:p15="http://schemas.microsoft.com/office/powerpoint/2012/main" xmlns:ahyp="http://schemas.microsoft.com/office/drawing/2018/hyperlinkcolor">
+  <p:cSld>
+    <p:spTree>
+      <p:nvGrpSpPr>
+        <p:cNvPr id="178" name="Shape 178"/>
+        <p:cNvGrpSpPr/>
+        <p:nvPr/>
+      </p:nvGrpSpPr>
+      <p:grpSpPr>
+        <a:xfrm>
+          <a:off x="0" y="0"/>
+          <a:ext cx="0" cy="0"/>
+          <a:chOff x="0" y="0"/>
+          <a:chExt cx="0" cy="0"/>
+        </a:xfrm>
+      </p:grpSpPr>
+      <p:sp>
+        <p:nvSpPr>
+          <p:cNvPr id="179" name="Google Shape;179;p26"/>
+          <p:cNvSpPr txBox="1"/>
+          <p:nvPr>
+            <p:ph type="ctrTitle"/>
+          </p:nvPr>
+        </p:nvSpPr>
+        <p:spPr>
+          <a:xfrm>
+            <a:off x="311708" y="744575"/>
+            <a:ext cx="8520600" cy="2052600"/>
+          </a:xfrm>
+          <a:prstGeom prst="rect">
+            <a:avLst/>
+          </a:prstGeom>
+        </p:spPr>
+        <p:txBody>
+          <a:bodyPr anchorCtr="0" anchor="b" bIns="91425" lIns="91425" spcFirstLastPara="1" rIns="91425" wrap="square" tIns="91425">
+            <a:normAutofit/>
+          </a:bodyPr>
+          <a:lstStyle/>
+          <a:p>
+            <a:pPr indent="0" lvl="0" marL="0" rtl="0" algn="ctr">
+              <a:spcBef>
+                <a:spcPts val="0"/>
+              </a:spcBef>
+              <a:spcAft>
+                <a:spcPts val="0"/>
+              </a:spcAft>
+              <a:buNone/>
+            </a:pPr>
+            <a:r>
+              <a:t/>
+            </a:r>
+            <a:endParaRPr/>
+          </a:p>
+        </p:txBody>
+      </p:sp>
+      <p:sp>
+        <p:nvSpPr>
+          <p:cNvPr id="180" name="Google Shape;180;p26"/>
+          <p:cNvSpPr txBox="1"/>
+          <p:nvPr>
+            <p:ph idx="1" type="subTitle"/>
+          </p:nvPr>
+        </p:nvSpPr>
+        <p:spPr>
+          <a:xfrm>
+            <a:off x="311700" y="2834125"/>
+            <a:ext cx="8520600" cy="792600"/>
+          </a:xfrm>
+          <a:prstGeom prst="rect">
+            <a:avLst/>
+          </a:prstGeom>
+        </p:spPr>
+        <p:txBody>
+          <a:bodyPr anchorCtr="0" anchor="t" bIns="91425" lIns="91425" spcFirstLastPara="1" rIns="91425" wrap="square" tIns="91425">
+            <a:normAutofit/>
+          </a:bodyPr>
+          <a:lstStyle/>
+          <a:p>
+            <a:pPr indent="0" lvl="0" marL="0" rtl="0" algn="ctr">
+              <a:spcBef>
+                <a:spcPts val="0"/>
+              </a:spcBef>
+              <a:spcAft>
+                <a:spcPts val="0"/>
+              </a:spcAft>
+              <a:buNone/>
+            </a:pPr>
+            <a:r>
+              <a:t/>
+            </a:r>
+            <a:endParaRPr/>
+          </a:p>
+        </p:txBody>
+      </p:sp>
+      <p:pic>
+        <p:nvPicPr>
+          <p:cNvPr id="181" name="Google Shape;181;p26"/>
+          <p:cNvPicPr preferRelativeResize="0"/>
+          <p:nvPr/>
+        </p:nvPicPr>
+        <p:blipFill>
+          <a:blip r:embed="rId3">
+            <a:alphaModFix/>
+          </a:blip>
+          <a:stretch>
+            <a:fillRect/>
+          </a:stretch>
+        </p:blipFill>
+        <p:spPr>
+          <a:xfrm>
+            <a:off x="0" y="533400"/>
+            <a:ext cx="9144000" cy="5143506"/>
+          </a:xfrm>
+          <a:prstGeom prst="rect">
+            <a:avLst/>
+          </a:prstGeom>
+          <a:noFill/>
+          <a:ln>
+            <a:noFill/>
+          </a:ln>
+        </p:spPr>
+      </p:pic>
+      <p:pic>
+        <p:nvPicPr>
+          <p:cNvPr id="182" name="Google Shape;182;p26"/>
+          <p:cNvPicPr preferRelativeResize="0"/>
+          <p:nvPr/>
+        </p:nvPicPr>
+        <p:blipFill>
+          <a:blip r:embed="rId4">
+            <a:alphaModFix/>
+          </a:blip>
+          <a:stretch>
+            <a:fillRect/>
+          </a:stretch>
+        </p:blipFill>
+        <p:spPr>
+          <a:xfrm>
+            <a:off x="2757913" y="295725"/>
+            <a:ext cx="3628175" cy="1899950"/>
+          </a:xfrm>
+          <a:prstGeom prst="rect">
+            <a:avLst/>
+          </a:prstGeom>
+          <a:noFill/>
+          <a:ln>
+            <a:noFill/>
+          </a:ln>
+        </p:spPr>
+      </p:pic>
+      <p:sp>
+        <p:nvSpPr>
+          <p:cNvPr id="183" name="Google Shape;183;p26"/>
+          <p:cNvSpPr txBox="1"/>
+          <p:nvPr/>
+        </p:nvSpPr>
+        <p:spPr>
+          <a:xfrm>
+            <a:off x="2735700" y="2253300"/>
+            <a:ext cx="3672600" cy="523200"/>
+          </a:xfrm>
+          <a:prstGeom prst="rect">
+            <a:avLst/>
+          </a:prstGeom>
+          <a:noFill/>
+          <a:ln>
+            <a:noFill/>
+          </a:ln>
+        </p:spPr>
+        <p:txBody>
+          <a:bodyPr anchorCtr="0" anchor="t" bIns="91425" lIns="91425" spcFirstLastPara="1" rIns="91425" wrap="square" tIns="91425">
+            <a:spAutoFit/>
+          </a:bodyPr>
+          <a:lstStyle/>
+          <a:p>
+            <a:pPr indent="0" lvl="0" marL="0" rtl="0" algn="ctr">
+              <a:spcBef>
+                <a:spcPts val="0"/>
+              </a:spcBef>
+              <a:spcAft>
+                <a:spcPts val="0"/>
+              </a:spcAft>
+              <a:buNone/>
+            </a:pPr>
+            <a:r>
+              <a:rPr lang="nl" sz="2200">
+                <a:solidFill>
+                  <a:srgbClr val="663366"/>
+                </a:solidFill>
+                <a:latin typeface="Lato"/>
+                <a:ea typeface="Lato"/>
+                <a:cs typeface="Lato"/>
+                <a:sym typeface="Lato"/>
+              </a:rPr>
+              <a:t>End of s</a:t>
+            </a:r>
+            <a:r>
+              <a:rPr lang="nl" sz="2200">
+                <a:solidFill>
+                  <a:srgbClr val="663366"/>
+                </a:solidFill>
+                <a:latin typeface="Lato"/>
+                <a:ea typeface="Lato"/>
+                <a:cs typeface="Lato"/>
+                <a:sym typeface="Lato"/>
+              </a:rPr>
+              <a:t>print delivery</a:t>
+            </a:r>
+            <a:r>
+              <a:rPr lang="nl" sz="2200">
+                <a:solidFill>
+                  <a:srgbClr val="663366"/>
+                </a:solidFill>
+              </a:rPr>
+              <a:t> </a:t>
+            </a:r>
+            <a:endParaRPr sz="2200">
+              <a:solidFill>
+                <a:srgbClr val="663366"/>
+              </a:solidFill>
+            </a:endParaRPr>
+          </a:p>
+        </p:txBody>
+      </p:sp>
+      <p:sp>
+        <p:nvSpPr>
+          <p:cNvPr id="184" name="Google Shape;184;p26"/>
+          <p:cNvSpPr txBox="1"/>
+          <p:nvPr/>
+        </p:nvSpPr>
+        <p:spPr>
+          <a:xfrm>
+            <a:off x="6386075" y="4400900"/>
+            <a:ext cx="2380200" cy="415500"/>
+          </a:xfrm>
+          <a:prstGeom prst="rect">
+            <a:avLst/>
+          </a:prstGeom>
+          <a:noFill/>
+          <a:ln>
+            <a:noFill/>
+          </a:ln>
+        </p:spPr>
+        <p:txBody>
+          <a:bodyPr anchorCtr="0" anchor="t" bIns="91425" lIns="91425" spcFirstLastPara="1" rIns="91425" wrap="square" tIns="91425">
+            <a:spAutoFit/>
+          </a:bodyPr>
+          <a:lstStyle/>
+          <a:p>
+            <a:pPr indent="0" lvl="0" marL="0" rtl="0" algn="ctr">
+              <a:spcBef>
+                <a:spcPts val="0"/>
+              </a:spcBef>
+              <a:spcAft>
+                <a:spcPts val="0"/>
+              </a:spcAft>
+              <a:buNone/>
+            </a:pPr>
+            <a:r>
+              <a:rPr lang="nl" sz="1500">
+                <a:solidFill>
+                  <a:schemeClr val="lt1"/>
+                </a:solidFill>
+                <a:latin typeface="Lato"/>
+                <a:ea typeface="Lato"/>
+                <a:cs typeface="Lato"/>
+                <a:sym typeface="Lato"/>
+              </a:rPr>
+              <a:t>Wednesday</a:t>
+            </a:r>
+            <a:r>
+              <a:rPr lang="nl" sz="1500">
+                <a:solidFill>
+                  <a:schemeClr val="lt1"/>
+                </a:solidFill>
+                <a:latin typeface="Lato"/>
+                <a:ea typeface="Lato"/>
+                <a:cs typeface="Lato"/>
+                <a:sym typeface="Lato"/>
+              </a:rPr>
+              <a:t> 8 June, 2022</a:t>
+            </a:r>
+            <a:endParaRPr sz="1500">
+              <a:solidFill>
+                <a:schemeClr val="lt1"/>
+              </a:solidFill>
+            </a:endParaRPr>
+          </a:p>
+        </p:txBody>
+      </p:sp>
+      <p:sp>
+        <p:nvSpPr>
+          <p:cNvPr id="185" name="Google Shape;185;p26"/>
+          <p:cNvSpPr txBox="1"/>
+          <p:nvPr/>
+        </p:nvSpPr>
+        <p:spPr>
+          <a:xfrm>
+            <a:off x="3381900" y="2674925"/>
+            <a:ext cx="2380200" cy="415500"/>
+          </a:xfrm>
+          <a:prstGeom prst="rect">
+            <a:avLst/>
+          </a:prstGeom>
+          <a:noFill/>
+          <a:ln>
+            <a:noFill/>
+          </a:ln>
+        </p:spPr>
+        <p:txBody>
+          <a:bodyPr anchorCtr="0" anchor="t" bIns="91425" lIns="91425" spcFirstLastPara="1" rIns="91425" wrap="square" tIns="91425">
+            <a:spAutoFit/>
+          </a:bodyPr>
+          <a:lstStyle/>
+          <a:p>
+            <a:pPr indent="0" lvl="0" marL="0" rtl="0" algn="ctr">
+              <a:spcBef>
+                <a:spcPts val="0"/>
+              </a:spcBef>
+              <a:spcAft>
+                <a:spcPts val="0"/>
+              </a:spcAft>
+              <a:buNone/>
+            </a:pPr>
+            <a:r>
+              <a:rPr lang="nl" sz="1500">
+                <a:solidFill>
+                  <a:srgbClr val="663366"/>
+                </a:solidFill>
+                <a:latin typeface="Lato"/>
+                <a:ea typeface="Lato"/>
+                <a:cs typeface="Lato"/>
+                <a:sym typeface="Lato"/>
+              </a:rPr>
+              <a:t>Any questions?</a:t>
+            </a:r>
+            <a:endParaRPr sz="1000">
+              <a:solidFill>
+                <a:srgbClr val="663366"/>
               </a:solidFill>
             </a:endParaRPr>
           </a:p>
@@ -6557,8 +8799,8 @@
         </p:nvSpPr>
         <p:spPr>
           <a:xfrm>
-            <a:off x="697088" y="1702938"/>
-            <a:ext cx="3702000" cy="400200"/>
+            <a:off x="530269" y="1221500"/>
+            <a:ext cx="3603600" cy="400200"/>
           </a:xfrm>
           <a:prstGeom prst="rect">
             <a:avLst/>
@@ -6609,59 +8851,7 @@
         </p:nvSpPr>
         <p:spPr>
           <a:xfrm>
-            <a:off x="1070200" y="2135125"/>
-            <a:ext cx="3328800" cy="400200"/>
-          </a:xfrm>
-          <a:prstGeom prst="rect">
-            <a:avLst/>
-          </a:prstGeom>
-          <a:solidFill>
-            <a:srgbClr val="663366"/>
-          </a:solidFill>
-          <a:ln>
-            <a:noFill/>
-          </a:ln>
-        </p:spPr>
-        <p:txBody>
-          <a:bodyPr anchorCtr="0" anchor="t" bIns="91425" lIns="91425" spcFirstLastPara="1" rIns="91425" wrap="square" tIns="91425">
-            <a:spAutoFit/>
-          </a:bodyPr>
-          <a:lstStyle/>
-          <a:p>
-            <a:pPr indent="0" lvl="0" marL="0" rtl="0" algn="l">
-              <a:spcBef>
-                <a:spcPts val="0"/>
-              </a:spcBef>
-              <a:spcAft>
-                <a:spcPts val="0"/>
-              </a:spcAft>
-              <a:buNone/>
-            </a:pPr>
-            <a:r>
-              <a:rPr lang="nl">
-                <a:solidFill>
-                  <a:schemeClr val="lt1"/>
-                </a:solidFill>
-              </a:rPr>
-              <a:t>Deliverables</a:t>
-            </a:r>
-            <a:endParaRPr>
-              <a:solidFill>
-                <a:schemeClr val="lt1"/>
-              </a:solidFill>
-            </a:endParaRPr>
-          </a:p>
-        </p:txBody>
-      </p:sp>
-      <p:sp>
-        <p:nvSpPr>
-          <p:cNvPr id="68" name="Google Shape;68;p14"/>
-          <p:cNvSpPr txBox="1"/>
-          <p:nvPr/>
-        </p:nvSpPr>
-        <p:spPr>
-          <a:xfrm>
-            <a:off x="4744913" y="1702938"/>
+            <a:off x="4571988" y="1214700"/>
             <a:ext cx="3702000" cy="400200"/>
           </a:xfrm>
           <a:prstGeom prst="rect">
@@ -6707,13 +8897,13 @@
       </p:sp>
       <p:sp>
         <p:nvSpPr>
-          <p:cNvPr id="69" name="Google Shape;69;p14"/>
+          <p:cNvPr id="68" name="Google Shape;68;p14"/>
           <p:cNvSpPr txBox="1"/>
           <p:nvPr/>
         </p:nvSpPr>
         <p:spPr>
           <a:xfrm>
-            <a:off x="5118125" y="2135125"/>
+            <a:off x="4945200" y="1646888"/>
             <a:ext cx="3328800" cy="400200"/>
           </a:xfrm>
           <a:prstGeom prst="rect">
@@ -6748,6 +8938,370 @@
                 </a:solidFill>
               </a:rPr>
               <a:t>What is next?</a:t>
+            </a:r>
+            <a:endParaRPr>
+              <a:solidFill>
+                <a:schemeClr val="lt1"/>
+              </a:solidFill>
+            </a:endParaRPr>
+          </a:p>
+        </p:txBody>
+      </p:sp>
+      <p:sp>
+        <p:nvSpPr>
+          <p:cNvPr id="69" name="Google Shape;69;p14"/>
+          <p:cNvSpPr txBox="1"/>
+          <p:nvPr/>
+        </p:nvSpPr>
+        <p:spPr>
+          <a:xfrm>
+            <a:off x="805200" y="1721250"/>
+            <a:ext cx="3328800" cy="400200"/>
+          </a:xfrm>
+          <a:prstGeom prst="rect">
+            <a:avLst/>
+          </a:prstGeom>
+          <a:solidFill>
+            <a:srgbClr val="663366"/>
+          </a:solidFill>
+          <a:ln>
+            <a:noFill/>
+          </a:ln>
+        </p:spPr>
+        <p:txBody>
+          <a:bodyPr anchorCtr="0" anchor="t" bIns="91425" lIns="91425" spcFirstLastPara="1" rIns="91425" wrap="square" tIns="91425">
+            <a:spAutoFit/>
+          </a:bodyPr>
+          <a:lstStyle/>
+          <a:p>
+            <a:pPr indent="0" lvl="0" marL="0" rtl="0" algn="l">
+              <a:spcBef>
+                <a:spcPts val="0"/>
+              </a:spcBef>
+              <a:spcAft>
+                <a:spcPts val="0"/>
+              </a:spcAft>
+              <a:buNone/>
+            </a:pPr>
+            <a:r>
+              <a:rPr lang="nl">
+                <a:solidFill>
+                  <a:schemeClr val="lt1"/>
+                </a:solidFill>
+              </a:rPr>
+              <a:t>General - Software context</a:t>
+            </a:r>
+            <a:endParaRPr>
+              <a:solidFill>
+                <a:schemeClr val="lt1"/>
+              </a:solidFill>
+            </a:endParaRPr>
+          </a:p>
+        </p:txBody>
+      </p:sp>
+      <p:sp>
+        <p:nvSpPr>
+          <p:cNvPr id="70" name="Google Shape;70;p14"/>
+          <p:cNvSpPr txBox="1"/>
+          <p:nvPr/>
+        </p:nvSpPr>
+        <p:spPr>
+          <a:xfrm>
+            <a:off x="805200" y="2171550"/>
+            <a:ext cx="3328800" cy="400200"/>
+          </a:xfrm>
+          <a:prstGeom prst="rect">
+            <a:avLst/>
+          </a:prstGeom>
+          <a:solidFill>
+            <a:srgbClr val="663366"/>
+          </a:solidFill>
+          <a:ln>
+            <a:noFill/>
+          </a:ln>
+        </p:spPr>
+        <p:txBody>
+          <a:bodyPr anchorCtr="0" anchor="t" bIns="91425" lIns="91425" spcFirstLastPara="1" rIns="91425" wrap="square" tIns="91425">
+            <a:spAutoFit/>
+          </a:bodyPr>
+          <a:lstStyle/>
+          <a:p>
+            <a:pPr indent="0" lvl="0" marL="0" rtl="0" algn="l">
+              <a:spcBef>
+                <a:spcPts val="0"/>
+              </a:spcBef>
+              <a:spcAft>
+                <a:spcPts val="0"/>
+              </a:spcAft>
+              <a:buNone/>
+            </a:pPr>
+            <a:r>
+              <a:rPr lang="nl">
+                <a:solidFill>
+                  <a:schemeClr val="lt1"/>
+                </a:solidFill>
+              </a:rPr>
+              <a:t>General - Gitlab</a:t>
+            </a:r>
+            <a:endParaRPr>
+              <a:solidFill>
+                <a:schemeClr val="lt1"/>
+              </a:solidFill>
+            </a:endParaRPr>
+          </a:p>
+        </p:txBody>
+      </p:sp>
+      <p:sp>
+        <p:nvSpPr>
+          <p:cNvPr id="71" name="Google Shape;71;p14"/>
+          <p:cNvSpPr txBox="1"/>
+          <p:nvPr/>
+        </p:nvSpPr>
+        <p:spPr>
+          <a:xfrm>
+            <a:off x="805200" y="2621850"/>
+            <a:ext cx="3328800" cy="400200"/>
+          </a:xfrm>
+          <a:prstGeom prst="rect">
+            <a:avLst/>
+          </a:prstGeom>
+          <a:solidFill>
+            <a:srgbClr val="663366"/>
+          </a:solidFill>
+          <a:ln>
+            <a:noFill/>
+          </a:ln>
+        </p:spPr>
+        <p:txBody>
+          <a:bodyPr anchorCtr="0" anchor="t" bIns="91425" lIns="91425" spcFirstLastPara="1" rIns="91425" wrap="square" tIns="91425">
+            <a:spAutoFit/>
+          </a:bodyPr>
+          <a:lstStyle/>
+          <a:p>
+            <a:pPr indent="0" lvl="0" marL="0" rtl="0" algn="l">
+              <a:spcBef>
+                <a:spcPts val="0"/>
+              </a:spcBef>
+              <a:spcAft>
+                <a:spcPts val="0"/>
+              </a:spcAft>
+              <a:buNone/>
+            </a:pPr>
+            <a:r>
+              <a:rPr lang="nl">
+                <a:solidFill>
+                  <a:schemeClr val="lt1"/>
+                </a:solidFill>
+              </a:rPr>
+              <a:t>Smartwatch - Pipeline &amp; data collection</a:t>
+            </a:r>
+            <a:endParaRPr>
+              <a:solidFill>
+                <a:schemeClr val="lt1"/>
+              </a:solidFill>
+            </a:endParaRPr>
+          </a:p>
+        </p:txBody>
+      </p:sp>
+      <p:sp>
+        <p:nvSpPr>
+          <p:cNvPr id="72" name="Google Shape;72;p14"/>
+          <p:cNvSpPr txBox="1"/>
+          <p:nvPr/>
+        </p:nvSpPr>
+        <p:spPr>
+          <a:xfrm>
+            <a:off x="805200" y="3062288"/>
+            <a:ext cx="3328800" cy="400200"/>
+          </a:xfrm>
+          <a:prstGeom prst="rect">
+            <a:avLst/>
+          </a:prstGeom>
+          <a:solidFill>
+            <a:srgbClr val="663366"/>
+          </a:solidFill>
+          <a:ln>
+            <a:noFill/>
+          </a:ln>
+        </p:spPr>
+        <p:txBody>
+          <a:bodyPr anchorCtr="0" anchor="t" bIns="91425" lIns="91425" spcFirstLastPara="1" rIns="91425" wrap="square" tIns="91425">
+            <a:spAutoFit/>
+          </a:bodyPr>
+          <a:lstStyle/>
+          <a:p>
+            <a:pPr indent="0" lvl="0" marL="0" rtl="0" algn="l">
+              <a:spcBef>
+                <a:spcPts val="0"/>
+              </a:spcBef>
+              <a:spcAft>
+                <a:spcPts val="0"/>
+              </a:spcAft>
+              <a:buNone/>
+            </a:pPr>
+            <a:r>
+              <a:rPr lang="nl">
+                <a:solidFill>
+                  <a:schemeClr val="lt1"/>
+                </a:solidFill>
+              </a:rPr>
+              <a:t>Dashboard - Start frontend</a:t>
+            </a:r>
+            <a:endParaRPr>
+              <a:solidFill>
+                <a:schemeClr val="lt1"/>
+              </a:solidFill>
+            </a:endParaRPr>
+          </a:p>
+        </p:txBody>
+      </p:sp>
+      <p:sp>
+        <p:nvSpPr>
+          <p:cNvPr id="73" name="Google Shape;73;p14"/>
+          <p:cNvSpPr txBox="1"/>
+          <p:nvPr/>
+        </p:nvSpPr>
+        <p:spPr>
+          <a:xfrm>
+            <a:off x="805200" y="4383650"/>
+            <a:ext cx="3328800" cy="400200"/>
+          </a:xfrm>
+          <a:prstGeom prst="rect">
+            <a:avLst/>
+          </a:prstGeom>
+          <a:solidFill>
+            <a:srgbClr val="663366"/>
+          </a:solidFill>
+          <a:ln>
+            <a:noFill/>
+          </a:ln>
+        </p:spPr>
+        <p:txBody>
+          <a:bodyPr anchorCtr="0" anchor="t" bIns="91425" lIns="91425" spcFirstLastPara="1" rIns="91425" wrap="square" tIns="91425">
+            <a:spAutoFit/>
+          </a:bodyPr>
+          <a:lstStyle/>
+          <a:p>
+            <a:pPr indent="0" lvl="0" marL="0" rtl="0" algn="l">
+              <a:spcBef>
+                <a:spcPts val="0"/>
+              </a:spcBef>
+              <a:spcAft>
+                <a:spcPts val="0"/>
+              </a:spcAft>
+              <a:buNone/>
+            </a:pPr>
+            <a:r>
+              <a:rPr lang="nl">
+                <a:solidFill>
+                  <a:schemeClr val="lt1"/>
+                </a:solidFill>
+              </a:rPr>
+              <a:t>General - Legeility</a:t>
+            </a:r>
+            <a:endParaRPr>
+              <a:solidFill>
+                <a:schemeClr val="lt1"/>
+              </a:solidFill>
+            </a:endParaRPr>
+          </a:p>
+        </p:txBody>
+      </p:sp>
+      <p:sp>
+        <p:nvSpPr>
+          <p:cNvPr id="74" name="Google Shape;74;p14"/>
+          <p:cNvSpPr txBox="1"/>
+          <p:nvPr/>
+        </p:nvSpPr>
+        <p:spPr>
+          <a:xfrm>
+            <a:off x="805200" y="3502750"/>
+            <a:ext cx="3328800" cy="400200"/>
+          </a:xfrm>
+          <a:prstGeom prst="rect">
+            <a:avLst/>
+          </a:prstGeom>
+          <a:solidFill>
+            <a:srgbClr val="663366"/>
+          </a:solidFill>
+          <a:ln>
+            <a:noFill/>
+          </a:ln>
+        </p:spPr>
+        <p:txBody>
+          <a:bodyPr anchorCtr="0" anchor="t" bIns="91425" lIns="91425" spcFirstLastPara="1" rIns="91425" wrap="square" tIns="91425">
+            <a:spAutoFit/>
+          </a:bodyPr>
+          <a:lstStyle/>
+          <a:p>
+            <a:pPr indent="0" lvl="0" marL="0" rtl="0" algn="l">
+              <a:spcBef>
+                <a:spcPts val="0"/>
+              </a:spcBef>
+              <a:spcAft>
+                <a:spcPts val="0"/>
+              </a:spcAft>
+              <a:buNone/>
+            </a:pPr>
+            <a:r>
+              <a:rPr lang="nl">
+                <a:solidFill>
+                  <a:schemeClr val="lt1"/>
+                </a:solidFill>
+              </a:rPr>
+              <a:t>API - Technical document</a:t>
+            </a:r>
+            <a:endParaRPr>
+              <a:solidFill>
+                <a:schemeClr val="lt1"/>
+              </a:solidFill>
+            </a:endParaRPr>
+          </a:p>
+        </p:txBody>
+      </p:sp>
+      <p:sp>
+        <p:nvSpPr>
+          <p:cNvPr id="75" name="Google Shape;75;p14"/>
+          <p:cNvSpPr txBox="1"/>
+          <p:nvPr/>
+        </p:nvSpPr>
+        <p:spPr>
+          <a:xfrm>
+            <a:off x="805200" y="3943200"/>
+            <a:ext cx="3328800" cy="400200"/>
+          </a:xfrm>
+          <a:prstGeom prst="rect">
+            <a:avLst/>
+          </a:prstGeom>
+          <a:solidFill>
+            <a:srgbClr val="663366"/>
+          </a:solidFill>
+          <a:ln>
+            <a:noFill/>
+          </a:ln>
+        </p:spPr>
+        <p:txBody>
+          <a:bodyPr anchorCtr="0" anchor="t" bIns="91425" lIns="91425" spcFirstLastPara="1" rIns="91425" wrap="square" tIns="91425">
+            <a:spAutoFit/>
+          </a:bodyPr>
+          <a:lstStyle/>
+          <a:p>
+            <a:pPr indent="0" lvl="0" marL="0" rtl="0" algn="l">
+              <a:spcBef>
+                <a:spcPts val="0"/>
+              </a:spcBef>
+              <a:spcAft>
+                <a:spcPts val="0"/>
+              </a:spcAft>
+              <a:buNone/>
+            </a:pPr>
+            <a:r>
+              <a:rPr lang="nl">
+                <a:solidFill>
+                  <a:schemeClr val="lt1"/>
+                </a:solidFill>
+              </a:rPr>
+              <a:t>API -  Data Mediator</a:t>
             </a:r>
             <a:endParaRPr>
               <a:solidFill>
@@ -6770,7 +9324,7 @@
   <p:cSld>
     <p:spTree>
       <p:nvGrpSpPr>
-        <p:cNvPr id="73" name="Shape 73"/>
+        <p:cNvPr id="79" name="Shape 79"/>
         <p:cNvGrpSpPr/>
         <p:nvPr/>
       </p:nvGrpSpPr>
@@ -6784,7 +9338,7 @@
       </p:grpSpPr>
       <p:pic>
         <p:nvPicPr>
-          <p:cNvPr id="74" name="Google Shape;74;p15"/>
+          <p:cNvPr id="80" name="Google Shape;80;p15"/>
           <p:cNvPicPr preferRelativeResize="0"/>
           <p:nvPr/>
         </p:nvPicPr>
@@ -6811,7 +9365,7 @@
       </p:pic>
       <p:sp>
         <p:nvSpPr>
-          <p:cNvPr id="75" name="Google Shape;75;p15"/>
+          <p:cNvPr id="81" name="Google Shape;81;p15"/>
           <p:cNvSpPr/>
           <p:nvPr/>
         </p:nvSpPr>
@@ -6866,7 +9420,7 @@
       </p:sp>
       <p:sp>
         <p:nvSpPr>
-          <p:cNvPr id="76" name="Google Shape;76;p15"/>
+          <p:cNvPr id="82" name="Google Shape;82;p15"/>
           <p:cNvSpPr txBox="1"/>
           <p:nvPr/>
         </p:nvSpPr>
@@ -6924,7 +9478,7 @@
       </p:sp>
       <p:sp>
         <p:nvSpPr>
-          <p:cNvPr id="77" name="Google Shape;77;p15"/>
+          <p:cNvPr id="83" name="Google Shape;83;p15"/>
           <p:cNvSpPr txBox="1"/>
           <p:nvPr/>
         </p:nvSpPr>
@@ -7017,7 +9571,7 @@
   <p:cSld>
     <p:spTree>
       <p:nvGrpSpPr>
-        <p:cNvPr id="81" name="Shape 81"/>
+        <p:cNvPr id="87" name="Shape 87"/>
         <p:cNvGrpSpPr/>
         <p:nvPr/>
       </p:nvGrpSpPr>
@@ -7031,7 +9585,7 @@
       </p:grpSpPr>
       <p:pic>
         <p:nvPicPr>
-          <p:cNvPr id="82" name="Google Shape;82;p16"/>
+          <p:cNvPr id="88" name="Google Shape;88;p16"/>
           <p:cNvPicPr preferRelativeResize="0"/>
           <p:nvPr/>
         </p:nvPicPr>
@@ -7058,7 +9612,7 @@
       </p:pic>
       <p:sp>
         <p:nvSpPr>
-          <p:cNvPr id="83" name="Google Shape;83;p16"/>
+          <p:cNvPr id="89" name="Google Shape;89;p16"/>
           <p:cNvSpPr txBox="1"/>
           <p:nvPr/>
         </p:nvSpPr>
@@ -7100,7 +9654,7 @@
                 <a:cs typeface="Lato"/>
                 <a:sym typeface="Lato"/>
               </a:rPr>
-              <a:t>Deliverables - Context and container diagrams</a:t>
+              <a:t>Deliverables - Software context</a:t>
             </a:r>
             <a:endParaRPr sz="2000">
               <a:solidFill>
@@ -7116,12 +9670,145 @@
       </p:sp>
       <p:pic>
         <p:nvPicPr>
-          <p:cNvPr id="84" name="Google Shape;84;p16"/>
+          <p:cNvPr id="90" name="Google Shape;90;p16"/>
           <p:cNvPicPr preferRelativeResize="0"/>
           <p:nvPr/>
         </p:nvPicPr>
         <p:blipFill>
           <a:blip r:embed="rId4">
+            <a:alphaModFix/>
+          </a:blip>
+          <a:stretch>
+            <a:fillRect/>
+          </a:stretch>
+        </p:blipFill>
+        <p:spPr>
+          <a:xfrm>
+            <a:off x="409950" y="2296575"/>
+            <a:ext cx="3832751" cy="2364750"/>
+          </a:xfrm>
+          <a:prstGeom prst="rect">
+            <a:avLst/>
+          </a:prstGeom>
+          <a:noFill/>
+          <a:ln>
+            <a:noFill/>
+          </a:ln>
+        </p:spPr>
+      </p:pic>
+      <p:sp>
+        <p:nvSpPr>
+          <p:cNvPr id="91" name="Google Shape;91;p16"/>
+          <p:cNvSpPr txBox="1"/>
+          <p:nvPr/>
+        </p:nvSpPr>
+        <p:spPr>
+          <a:xfrm>
+            <a:off x="409950" y="1287050"/>
+            <a:ext cx="2721900" cy="831300"/>
+          </a:xfrm>
+          <a:prstGeom prst="rect">
+            <a:avLst/>
+          </a:prstGeom>
+          <a:noFill/>
+          <a:ln>
+            <a:noFill/>
+          </a:ln>
+        </p:spPr>
+        <p:txBody>
+          <a:bodyPr anchorCtr="0" anchor="t" bIns="91425" lIns="91425" spcFirstLastPara="1" rIns="91425" wrap="square" tIns="91425">
+            <a:spAutoFit/>
+          </a:bodyPr>
+          <a:lstStyle/>
+          <a:p>
+            <a:pPr indent="-317500" lvl="0" marL="457200" rtl="0" algn="l">
+              <a:spcBef>
+                <a:spcPts val="0"/>
+              </a:spcBef>
+              <a:spcAft>
+                <a:spcPts val="0"/>
+              </a:spcAft>
+              <a:buSzPts val="1400"/>
+              <a:buChar char="-"/>
+            </a:pPr>
+            <a:r>
+              <a:rPr lang="nl"/>
+              <a:t>Context diagram</a:t>
+            </a:r>
+            <a:endParaRPr/>
+          </a:p>
+          <a:p>
+            <a:pPr indent="-317500" lvl="1" marL="914400" rtl="0" algn="l">
+              <a:spcBef>
+                <a:spcPts val="0"/>
+              </a:spcBef>
+              <a:spcAft>
+                <a:spcPts val="0"/>
+              </a:spcAft>
+              <a:buSzPts val="1400"/>
+              <a:buChar char="-"/>
+            </a:pPr>
+            <a:r>
+              <a:rPr lang="nl"/>
+              <a:t>Data sources</a:t>
+            </a:r>
+            <a:endParaRPr/>
+          </a:p>
+          <a:p>
+            <a:pPr indent="-317500" lvl="0" marL="457200" rtl="0" algn="l">
+              <a:spcBef>
+                <a:spcPts val="0"/>
+              </a:spcBef>
+              <a:spcAft>
+                <a:spcPts val="0"/>
+              </a:spcAft>
+              <a:buSzPts val="1400"/>
+              <a:buChar char="-"/>
+            </a:pPr>
+            <a:r>
+              <a:rPr lang="nl"/>
+              <a:t>Container diagram</a:t>
+            </a:r>
+            <a:endParaRPr/>
+          </a:p>
+        </p:txBody>
+      </p:sp>
+      <p:pic>
+        <p:nvPicPr>
+          <p:cNvPr id="92" name="Google Shape;92;p16"/>
+          <p:cNvPicPr preferRelativeResize="0"/>
+          <p:nvPr/>
+        </p:nvPicPr>
+        <p:blipFill>
+          <a:blip r:embed="rId5">
+            <a:alphaModFix/>
+          </a:blip>
+          <a:stretch>
+            <a:fillRect/>
+          </a:stretch>
+        </p:blipFill>
+        <p:spPr>
+          <a:xfrm>
+            <a:off x="4533175" y="1999699"/>
+            <a:ext cx="3699274" cy="2814725"/>
+          </a:xfrm>
+          <a:prstGeom prst="rect">
+            <a:avLst/>
+          </a:prstGeom>
+          <a:noFill/>
+          <a:ln>
+            <a:noFill/>
+          </a:ln>
+        </p:spPr>
+      </p:pic>
+      <p:pic>
+        <p:nvPicPr>
+          <p:cNvPr id="93" name="Google Shape;93;p16"/>
+          <p:cNvPicPr preferRelativeResize="0"/>
+          <p:nvPr/>
+        </p:nvPicPr>
+        <p:blipFill>
+          <a:blip r:embed="rId6">
             <a:alphaModFix/>
           </a:blip>
           <a:stretch>
@@ -7155,7 +9842,7 @@
   <p:cSld>
     <p:spTree>
       <p:nvGrpSpPr>
-        <p:cNvPr id="88" name="Shape 88"/>
+        <p:cNvPr id="97" name="Shape 97"/>
         <p:cNvGrpSpPr/>
         <p:nvPr/>
       </p:nvGrpSpPr>
@@ -7169,12 +9856,47 @@
       </p:grpSpPr>
       <p:pic>
         <p:nvPicPr>
-          <p:cNvPr id="89" name="Google Shape;89;p17"/>
+          <p:cNvPr id="98" name="Google Shape;98;p17"/>
+          <p:cNvPicPr preferRelativeResize="0"/>
+          <p:nvPr/>
+        </p:nvPicPr>
+        <p:blipFill>
+          <a:blip r:embed="rId3">
+            <a:alphaModFix/>
+          </a:blip>
+          <a:stretch>
+            <a:fillRect/>
+          </a:stretch>
+        </p:blipFill>
+        <p:spPr>
+          <a:xfrm>
+            <a:off x="2759875" y="1022575"/>
+            <a:ext cx="4864753" cy="3731925"/>
+          </a:xfrm>
+          <a:prstGeom prst="rect">
+            <a:avLst/>
+          </a:prstGeom>
+          <a:noFill/>
+          <a:ln>
+            <a:noFill/>
+          </a:ln>
+          <a:effectLst>
+            <a:outerShdw blurRad="242888" rotWithShape="0" algn="bl" dir="5400000" dist="76200">
+              <a:srgbClr val="000000">
+                <a:alpha val="11000"/>
+              </a:srgbClr>
+            </a:outerShdw>
+          </a:effectLst>
+        </p:spPr>
+      </p:pic>
+      <p:pic>
+        <p:nvPicPr>
+          <p:cNvPr id="99" name="Google Shape;99;p17"/>
           <p:cNvPicPr preferRelativeResize="0"/>
           <p:nvPr/>
         </p:nvPicPr>
         <p:blipFill rotWithShape="1">
-          <a:blip r:embed="rId3">
+          <a:blip r:embed="rId4">
             <a:alphaModFix/>
           </a:blip>
           <a:srcRect b="0" l="0" r="0" t="58475"/>
@@ -7196,7 +9918,7 @@
       </p:pic>
       <p:sp>
         <p:nvSpPr>
-          <p:cNvPr id="90" name="Google Shape;90;p17"/>
+          <p:cNvPr id="100" name="Google Shape;100;p17"/>
           <p:cNvSpPr txBox="1"/>
           <p:nvPr/>
         </p:nvSpPr>
@@ -7238,7 +9960,7 @@
                 <a:cs typeface="Lato"/>
                 <a:sym typeface="Lato"/>
               </a:rPr>
-              <a:t>Deliverables - </a:t>
+              <a:t>Deliverables - GitLab</a:t>
             </a:r>
             <a:endParaRPr sz="2000">
               <a:solidFill>
@@ -7254,12 +9976,12 @@
       </p:sp>
       <p:pic>
         <p:nvPicPr>
-          <p:cNvPr id="91" name="Google Shape;91;p17"/>
+          <p:cNvPr id="101" name="Google Shape;101;p17"/>
           <p:cNvPicPr preferRelativeResize="0"/>
           <p:nvPr/>
         </p:nvPicPr>
         <p:blipFill>
-          <a:blip r:embed="rId4">
+          <a:blip r:embed="rId5">
             <a:alphaModFix/>
           </a:blip>
           <a:stretch>
@@ -7280,6 +10002,83 @@
           </a:ln>
         </p:spPr>
       </p:pic>
+      <p:sp>
+        <p:nvSpPr>
+          <p:cNvPr id="102" name="Google Shape;102;p17"/>
+          <p:cNvSpPr txBox="1"/>
+          <p:nvPr/>
+        </p:nvSpPr>
+        <p:spPr>
+          <a:xfrm>
+            <a:off x="386125" y="1229875"/>
+            <a:ext cx="3308100" cy="831300"/>
+          </a:xfrm>
+          <a:prstGeom prst="rect">
+            <a:avLst/>
+          </a:prstGeom>
+          <a:noFill/>
+          <a:ln>
+            <a:noFill/>
+          </a:ln>
+        </p:spPr>
+        <p:txBody>
+          <a:bodyPr anchorCtr="0" anchor="t" bIns="91425" lIns="91425" spcFirstLastPara="1" rIns="91425" wrap="square" tIns="91425">
+            <a:spAutoFit/>
+          </a:bodyPr>
+          <a:lstStyle/>
+          <a:p>
+            <a:pPr indent="-317500" lvl="0" marL="457200" rtl="0" algn="l">
+              <a:spcBef>
+                <a:spcPts val="0"/>
+              </a:spcBef>
+              <a:spcAft>
+                <a:spcPts val="0"/>
+              </a:spcAft>
+              <a:buSzPts val="1400"/>
+              <a:buChar char="-"/>
+            </a:pPr>
+            <a:r>
+              <a:rPr lang="nl"/>
+              <a:t>Forks</a:t>
+            </a:r>
+            <a:endParaRPr/>
+          </a:p>
+          <a:p>
+            <a:pPr indent="-317500" lvl="0" marL="457200" rtl="0" algn="l">
+              <a:spcBef>
+                <a:spcPts val="0"/>
+              </a:spcBef>
+              <a:spcAft>
+                <a:spcPts val="0"/>
+              </a:spcAft>
+              <a:buSzPts val="1400"/>
+              <a:buChar char="-"/>
+            </a:pPr>
+            <a:r>
+              <a:rPr lang="nl"/>
+              <a:t>Wiki</a:t>
+            </a:r>
+            <a:endParaRPr/>
+          </a:p>
+          <a:p>
+            <a:pPr indent="-317500" lvl="0" marL="457200" rtl="0" algn="l">
+              <a:spcBef>
+                <a:spcPts val="0"/>
+              </a:spcBef>
+              <a:spcAft>
+                <a:spcPts val="0"/>
+              </a:spcAft>
+              <a:buSzPts val="1400"/>
+              <a:buChar char="-"/>
+            </a:pPr>
+            <a:r>
+              <a:rPr lang="nl"/>
+              <a:t>Documentatie</a:t>
+            </a:r>
+            <a:endParaRPr/>
+          </a:p>
+        </p:txBody>
+      </p:sp>
     </p:spTree>
   </p:cSld>
   <p:clrMapOvr>
@@ -7293,7 +10092,7 @@
   <p:cSld>
     <p:spTree>
       <p:nvGrpSpPr>
-        <p:cNvPr id="95" name="Shape 95"/>
+        <p:cNvPr id="106" name="Shape 106"/>
         <p:cNvGrpSpPr/>
         <p:nvPr/>
       </p:nvGrpSpPr>
@@ -7307,7 +10106,7 @@
       </p:grpSpPr>
       <p:pic>
         <p:nvPicPr>
-          <p:cNvPr id="96" name="Google Shape;96;p18"/>
+          <p:cNvPr id="107" name="Google Shape;107;p18"/>
           <p:cNvPicPr preferRelativeResize="0"/>
           <p:nvPr/>
         </p:nvPicPr>
@@ -7315,13 +10114,13 @@
           <a:blip r:embed="rId3">
             <a:alphaModFix/>
           </a:blip>
-          <a:srcRect b="29340" l="36972" r="0" t="23828"/>
+          <a:srcRect b="0" l="0" r="0" t="58475"/>
           <a:stretch/>
         </p:blipFill>
         <p:spPr>
-          <a:xfrm>
-            <a:off x="-76200" y="0"/>
-            <a:ext cx="9229399" cy="5143500"/>
+          <a:xfrm rot="10800000">
+            <a:off x="0" y="1"/>
+            <a:ext cx="9144000" cy="971550"/>
           </a:xfrm>
           <a:prstGeom prst="rect">
             <a:avLst/>
@@ -7334,65 +10133,14 @@
       </p:pic>
       <p:sp>
         <p:nvSpPr>
-          <p:cNvPr id="97" name="Google Shape;97;p18"/>
-          <p:cNvSpPr/>
-          <p:nvPr/>
-        </p:nvSpPr>
-        <p:spPr>
-          <a:xfrm>
-            <a:off x="-71125" y="7950"/>
-            <a:ext cx="9229500" cy="5143500"/>
-          </a:xfrm>
-          <a:prstGeom prst="rect">
-            <a:avLst/>
-          </a:prstGeom>
-          <a:solidFill>
-            <a:srgbClr val="663366">
-              <a:alpha val="73130"/>
-            </a:srgbClr>
-          </a:solidFill>
-          <a:ln cap="flat" cmpd="sng" w="9525">
-            <a:solidFill>
-              <a:schemeClr val="dk2"/>
-            </a:solidFill>
-            <a:prstDash val="solid"/>
-            <a:round/>
-            <a:headEnd len="sm" w="sm" type="none"/>
-            <a:tailEnd len="sm" w="sm" type="none"/>
-          </a:ln>
-        </p:spPr>
-        <p:txBody>
-          <a:bodyPr anchorCtr="0" anchor="ctr" bIns="91425" lIns="91425" spcFirstLastPara="1" rIns="91425" wrap="square" tIns="91425">
-            <a:noAutofit/>
-          </a:bodyPr>
-          <a:lstStyle/>
-          <a:p>
-            <a:pPr indent="0" lvl="0" marL="0" rtl="0" algn="l">
-              <a:spcBef>
-                <a:spcPts val="0"/>
-              </a:spcBef>
-              <a:spcAft>
-                <a:spcPts val="0"/>
-              </a:spcAft>
-              <a:buNone/>
-            </a:pPr>
-            <a:r>
-              <a:t/>
-            </a:r>
-            <a:endParaRPr/>
-          </a:p>
-        </p:txBody>
-      </p:sp>
-      <p:sp>
-        <p:nvSpPr>
-          <p:cNvPr id="98" name="Google Shape;98;p18"/>
+          <p:cNvPr id="108" name="Google Shape;108;p18"/>
           <p:cNvSpPr txBox="1"/>
           <p:nvPr/>
         </p:nvSpPr>
         <p:spPr>
           <a:xfrm>
-            <a:off x="3368400" y="1058275"/>
-            <a:ext cx="2407200" cy="615600"/>
+            <a:off x="201425" y="137550"/>
+            <a:ext cx="5576100" cy="492600"/>
           </a:xfrm>
           <a:prstGeom prst="rect">
             <a:avLst/>
@@ -7408,7 +10156,7 @@
           </a:bodyPr>
           <a:lstStyle/>
           <a:p>
-            <a:pPr indent="0" lvl="0" marL="0" rtl="0" algn="ctr">
+            <a:pPr indent="0" lvl="0" marL="0" rtl="0" algn="l">
               <a:spcBef>
                 <a:spcPts val="0"/>
               </a:spcBef>
@@ -7418,31 +10166,102 @@
               <a:buNone/>
             </a:pPr>
             <a:r>
-              <a:rPr lang="nl" sz="2800">
+              <a:rPr lang="nl" sz="2000">
                 <a:solidFill>
                   <a:schemeClr val="lt1"/>
                 </a:solidFill>
+                <a:latin typeface="Lato"/>
+                <a:ea typeface="Lato"/>
+                <a:cs typeface="Lato"/>
+                <a:sym typeface="Lato"/>
               </a:rPr>
-              <a:t>Next sprint.</a:t>
+              <a:t>Deliverables - Smartwatch pipeline</a:t>
             </a:r>
-            <a:endParaRPr sz="2800">
+            <a:endParaRPr sz="2000">
               <a:solidFill>
                 <a:schemeClr val="lt1"/>
               </a:solidFill>
+              <a:latin typeface="Lato"/>
+              <a:ea typeface="Lato"/>
+              <a:cs typeface="Lato"/>
+              <a:sym typeface="Lato"/>
             </a:endParaRPr>
           </a:p>
         </p:txBody>
       </p:sp>
+      <p:pic>
+        <p:nvPicPr>
+          <p:cNvPr id="109" name="Google Shape;109;p18"/>
+          <p:cNvPicPr preferRelativeResize="0"/>
+          <p:nvPr/>
+        </p:nvPicPr>
+        <p:blipFill>
+          <a:blip r:embed="rId4">
+            <a:alphaModFix/>
+          </a:blip>
+          <a:stretch>
+            <a:fillRect/>
+          </a:stretch>
+        </p:blipFill>
+        <p:spPr>
+          <a:xfrm>
+            <a:off x="7960200" y="4474550"/>
+            <a:ext cx="1012374" cy="530150"/>
+          </a:xfrm>
+          <a:prstGeom prst="rect">
+            <a:avLst/>
+          </a:prstGeom>
+          <a:noFill/>
+          <a:ln>
+            <a:noFill/>
+          </a:ln>
+        </p:spPr>
+      </p:pic>
+      <p:pic>
+        <p:nvPicPr>
+          <p:cNvPr id="110" name="Google Shape;110;p18"/>
+          <p:cNvPicPr preferRelativeResize="0"/>
+          <p:nvPr/>
+        </p:nvPicPr>
+        <p:blipFill>
+          <a:blip r:embed="rId5">
+            <a:alphaModFix/>
+          </a:blip>
+          <a:stretch>
+            <a:fillRect/>
+          </a:stretch>
+        </p:blipFill>
+        <p:spPr>
+          <a:xfrm>
+            <a:off x="2741521" y="1285975"/>
+            <a:ext cx="6231053" cy="2669062"/>
+          </a:xfrm>
+          <a:prstGeom prst="rect">
+            <a:avLst/>
+          </a:prstGeom>
+          <a:noFill/>
+          <a:ln>
+            <a:noFill/>
+          </a:ln>
+          <a:effectLst>
+            <a:outerShdw blurRad="600075" rotWithShape="0" algn="bl" dir="5400000" dist="76200">
+              <a:srgbClr val="000000">
+                <a:alpha val="20000"/>
+              </a:srgbClr>
+            </a:outerShdw>
+          </a:effectLst>
+        </p:spPr>
+      </p:pic>
       <p:sp>
         <p:nvSpPr>
-          <p:cNvPr id="99" name="Google Shape;99;p18"/>
+          <p:cNvPr id="111" name="Google Shape;111;p18"/>
           <p:cNvSpPr txBox="1"/>
           <p:nvPr/>
         </p:nvSpPr>
         <p:spPr>
           <a:xfrm>
-            <a:off x="3368400" y="1673875"/>
-            <a:ext cx="2407200" cy="723300"/>
+            <a:off x="295600" y="1209775"/>
+            <a:ext cx="2202300" cy="831300"/>
           </a:xfrm>
           <a:prstGeom prst="rect">
             <a:avLst/>
@@ -7458,28 +10277,55 @@
           </a:bodyPr>
           <a:lstStyle/>
           <a:p>
-            <a:pPr indent="0" lvl="0" marL="0" rtl="0" algn="ctr">
-              <a:spcBef>
-                <a:spcPts val="0"/>
-              </a:spcBef>
-              <a:spcAft>
-                <a:spcPts val="0"/>
-              </a:spcAft>
-              <a:buNone/>
+            <a:pPr indent="-317500" lvl="0" marL="457200" rtl="0" algn="l">
+              <a:spcBef>
+                <a:spcPts val="0"/>
+              </a:spcBef>
+              <a:spcAft>
+                <a:spcPts val="0"/>
+              </a:spcAft>
+              <a:buSzPts val="1400"/>
+              <a:buChar char="-"/>
             </a:pPr>
             <a:r>
-              <a:rPr lang="nl" sz="3500">
-                <a:solidFill>
-                  <a:schemeClr val="lt1"/>
-                </a:solidFill>
-              </a:rPr>
-              <a:t>Sprint 3</a:t>
+              <a:rPr lang="nl"/>
+              <a:t>GitHub actions</a:t>
             </a:r>
-            <a:endParaRPr sz="3500">
-              <a:solidFill>
-                <a:schemeClr val="lt1"/>
-              </a:solidFill>
-            </a:endParaRPr>
+            <a:endParaRPr/>
+          </a:p>
+          <a:p>
+            <a:pPr indent="-317500" lvl="0" marL="457200" rtl="0" algn="l">
+              <a:spcBef>
+                <a:spcPts val="0"/>
+              </a:spcBef>
+              <a:spcAft>
+                <a:spcPts val="0"/>
+              </a:spcAft>
+              <a:buSzPts val="1400"/>
+              <a:buChar char="-"/>
+            </a:pPr>
+            <a:r>
+              <a:rPr lang="nl"/>
+              <a:t>Building &amp; testing</a:t>
+            </a:r>
+            <a:endParaRPr/>
+          </a:p>
+          <a:p>
+            <a:pPr indent="-317500" lvl="0" marL="457200" rtl="0" algn="l">
+              <a:spcBef>
+                <a:spcPts val="0"/>
+              </a:spcBef>
+              <a:spcAft>
+                <a:spcPts val="0"/>
+              </a:spcAft>
+              <a:buSzPts val="1400"/>
+              <a:buChar char="-"/>
+            </a:pPr>
+            <a:r>
+              <a:rPr lang="nl"/>
+              <a:t>Artifacts</a:t>
+            </a:r>
+            <a:endParaRPr/>
           </a:p>
         </p:txBody>
       </p:sp>
@@ -7496,7 +10342,7 @@
   <p:cSld>
     <p:spTree>
       <p:nvGrpSpPr>
-        <p:cNvPr id="103" name="Shape 103"/>
+        <p:cNvPr id="115" name="Shape 115"/>
         <p:cNvGrpSpPr/>
         <p:nvPr/>
       </p:nvGrpSpPr>
@@ -7510,7 +10356,7 @@
       </p:grpSpPr>
       <p:pic>
         <p:nvPicPr>
-          <p:cNvPr id="104" name="Google Shape;104;p19"/>
+          <p:cNvPr id="116" name="Google Shape;116;p19"/>
           <p:cNvPicPr preferRelativeResize="0"/>
           <p:nvPr/>
         </p:nvPicPr>
@@ -7537,14 +10383,14 @@
       </p:pic>
       <p:sp>
         <p:nvSpPr>
-          <p:cNvPr id="105" name="Google Shape;105;p19"/>
+          <p:cNvPr id="117" name="Google Shape;117;p19"/>
           <p:cNvSpPr txBox="1"/>
           <p:nvPr/>
         </p:nvSpPr>
         <p:spPr>
           <a:xfrm>
             <a:off x="201425" y="137550"/>
-            <a:ext cx="3297000" cy="492600"/>
+            <a:ext cx="5576100" cy="492600"/>
           </a:xfrm>
           <a:prstGeom prst="rect">
             <a:avLst/>
@@ -7579,7 +10425,7 @@
                 <a:cs typeface="Lato"/>
                 <a:sym typeface="Lato"/>
               </a:rPr>
-              <a:t>What is next?</a:t>
+              <a:t>Deliverables - Smartwatch data collection</a:t>
             </a:r>
             <a:endParaRPr sz="2000">
               <a:solidFill>
@@ -7595,7 +10441,7 @@
       </p:sp>
       <p:pic>
         <p:nvPicPr>
-          <p:cNvPr id="106" name="Google Shape;106;p19"/>
+          <p:cNvPr id="118" name="Google Shape;118;p19"/>
           <p:cNvPicPr preferRelativeResize="0"/>
           <p:nvPr/>
         </p:nvPicPr>
@@ -7623,170 +10469,14 @@
       </p:pic>
       <p:sp>
         <p:nvSpPr>
-          <p:cNvPr id="107" name="Google Shape;107;p19"/>
+          <p:cNvPr id="119" name="Google Shape;119;p19"/>
           <p:cNvSpPr txBox="1"/>
           <p:nvPr/>
         </p:nvSpPr>
         <p:spPr>
           <a:xfrm>
-            <a:off x="327050" y="1508225"/>
-            <a:ext cx="4755900" cy="400200"/>
-          </a:xfrm>
-          <a:prstGeom prst="rect">
-            <a:avLst/>
-          </a:prstGeom>
-          <a:solidFill>
-            <a:srgbClr val="663366">
-              <a:alpha val="73130"/>
-            </a:srgbClr>
-          </a:solidFill>
-          <a:ln>
-            <a:noFill/>
-          </a:ln>
-          <a:effectLst>
-            <a:outerShdw blurRad="57150" rotWithShape="0" algn="bl" dir="5400000" dist="19050">
-              <a:srgbClr val="000000">
-                <a:alpha val="50000"/>
-              </a:srgbClr>
-            </a:outerShdw>
-          </a:effectLst>
-        </p:spPr>
-        <p:txBody>
-          <a:bodyPr anchorCtr="0" anchor="t" bIns="91425" lIns="91425" spcFirstLastPara="1" rIns="91425" wrap="square" tIns="91425">
-            <a:spAutoFit/>
-          </a:bodyPr>
-          <a:lstStyle/>
-          <a:p>
-            <a:pPr indent="0" lvl="0" marL="0" rtl="0" algn="l">
-              <a:spcBef>
-                <a:spcPts val="0"/>
-              </a:spcBef>
-              <a:spcAft>
-                <a:spcPts val="0"/>
-              </a:spcAft>
-              <a:buNone/>
-            </a:pPr>
-            <a:r>
-              <a:rPr lang="nl">
-                <a:solidFill>
-                  <a:schemeClr val="lt1"/>
-                </a:solidFill>
-                <a:highlight>
-                  <a:schemeClr val="accent6"/>
-                </a:highlight>
-              </a:rPr>
-              <a:t>What </a:t>
-            </a:r>
-            <a:r>
-              <a:rPr lang="nl">
-                <a:solidFill>
-                  <a:schemeClr val="lt1"/>
-                </a:solidFill>
-                <a:highlight>
-                  <a:schemeClr val="accent6"/>
-                </a:highlight>
-              </a:rPr>
-              <a:t>technologies</a:t>
-            </a:r>
-            <a:r>
-              <a:rPr lang="nl">
-                <a:solidFill>
-                  <a:schemeClr val="lt1"/>
-                </a:solidFill>
-                <a:highlight>
-                  <a:schemeClr val="accent6"/>
-                </a:highlight>
-              </a:rPr>
-              <a:t> are we going to use for the main API?</a:t>
-            </a:r>
-            <a:endParaRPr>
-              <a:solidFill>
-                <a:schemeClr val="lt1"/>
-              </a:solidFill>
-              <a:highlight>
-                <a:schemeClr val="accent6"/>
-              </a:highlight>
-            </a:endParaRPr>
-          </a:p>
-        </p:txBody>
-      </p:sp>
-      <p:sp>
-        <p:nvSpPr>
-          <p:cNvPr id="108" name="Google Shape;108;p19"/>
-          <p:cNvSpPr txBox="1"/>
-          <p:nvPr/>
-        </p:nvSpPr>
-        <p:spPr>
-          <a:xfrm>
-            <a:off x="327050" y="2757900"/>
-            <a:ext cx="4755900" cy="400200"/>
-          </a:xfrm>
-          <a:prstGeom prst="rect">
-            <a:avLst/>
-          </a:prstGeom>
-          <a:solidFill>
-            <a:srgbClr val="663366">
-              <a:alpha val="73130"/>
-            </a:srgbClr>
-          </a:solidFill>
-          <a:ln>
-            <a:noFill/>
-          </a:ln>
-          <a:effectLst>
-            <a:outerShdw blurRad="57150" rotWithShape="0" algn="bl" dir="5400000" dist="19050">
-              <a:srgbClr val="000000">
-                <a:alpha val="50000"/>
-              </a:srgbClr>
-            </a:outerShdw>
-          </a:effectLst>
-        </p:spPr>
-        <p:txBody>
-          <a:bodyPr anchorCtr="0" anchor="t" bIns="91425" lIns="91425" spcFirstLastPara="1" rIns="91425" wrap="square" tIns="91425">
-            <a:spAutoFit/>
-          </a:bodyPr>
-          <a:lstStyle/>
-          <a:p>
-            <a:pPr indent="0" lvl="0" marL="0" rtl="0" algn="l">
-              <a:spcBef>
-                <a:spcPts val="0"/>
-              </a:spcBef>
-              <a:spcAft>
-                <a:spcPts val="0"/>
-              </a:spcAft>
-              <a:buNone/>
-            </a:pPr>
-            <a:r>
-              <a:rPr lang="nl">
-                <a:solidFill>
-                  <a:schemeClr val="lt1"/>
-                </a:solidFill>
-                <a:highlight>
-                  <a:schemeClr val="accent6"/>
-                </a:highlight>
-              </a:rPr>
-              <a:t>How will the data be displayed in the dashboard? </a:t>
-            </a:r>
-            <a:endParaRPr>
-              <a:solidFill>
-                <a:schemeClr val="lt1"/>
-              </a:solidFill>
-              <a:highlight>
-                <a:schemeClr val="accent6"/>
-              </a:highlight>
-            </a:endParaRPr>
-          </a:p>
-        </p:txBody>
-      </p:sp>
-      <p:sp>
-        <p:nvSpPr>
-          <p:cNvPr id="109" name="Google Shape;109;p19"/>
-          <p:cNvSpPr txBox="1"/>
-          <p:nvPr/>
-        </p:nvSpPr>
-        <p:spPr>
-          <a:xfrm>
-            <a:off x="349675" y="2052900"/>
-            <a:ext cx="4755900" cy="615600"/>
+            <a:off x="295600" y="1209775"/>
+            <a:ext cx="2202300" cy="831300"/>
           </a:xfrm>
           <a:prstGeom prst="rect">
             <a:avLst/>
@@ -7810,88 +10500,13 @@
                 <a:spcPts val="0"/>
               </a:spcAft>
               <a:buSzPts val="1400"/>
-              <a:buChar char="●"/>
+              <a:buChar char="-"/>
             </a:pPr>
             <a:r>
-              <a:rPr lang="nl">
-                <a:highlight>
-                  <a:schemeClr val="accent6"/>
-                </a:highlight>
-              </a:rPr>
-              <a:t>Are we using </a:t>
+              <a:rPr lang="nl"/>
+              <a:t>Pairing</a:t>
             </a:r>
-            <a:r>
-              <a:rPr lang="nl">
-                <a:highlight>
-                  <a:schemeClr val="accent6"/>
-                </a:highlight>
-              </a:rPr>
-              <a:t>Apache</a:t>
-            </a:r>
-            <a:r>
-              <a:rPr lang="nl">
-                <a:highlight>
-                  <a:schemeClr val="accent6"/>
-                </a:highlight>
-              </a:rPr>
-              <a:t> Druid or a self made API or both?</a:t>
-            </a:r>
-            <a:endParaRPr>
-              <a:highlight>
-                <a:schemeClr val="accent6"/>
-              </a:highlight>
-            </a:endParaRPr>
-          </a:p>
-        </p:txBody>
-      </p:sp>
-      <p:sp>
-        <p:nvSpPr>
-          <p:cNvPr id="110" name="Google Shape;110;p19"/>
-          <p:cNvSpPr txBox="1"/>
-          <p:nvPr/>
-        </p:nvSpPr>
-        <p:spPr>
-          <a:xfrm>
-            <a:off x="327050" y="3298575"/>
-            <a:ext cx="4755900" cy="615600"/>
-          </a:xfrm>
-          <a:prstGeom prst="rect">
-            <a:avLst/>
-          </a:prstGeom>
-          <a:noFill/>
-          <a:ln>
-            <a:noFill/>
-          </a:ln>
-        </p:spPr>
-        <p:txBody>
-          <a:bodyPr anchorCtr="0" anchor="t" bIns="91425" lIns="91425" spcFirstLastPara="1" rIns="91425" wrap="square" tIns="91425">
-            <a:spAutoFit/>
-          </a:bodyPr>
-          <a:lstStyle/>
-          <a:p>
-            <a:pPr indent="-317500" lvl="0" marL="457200" rtl="0" algn="l">
-              <a:spcBef>
-                <a:spcPts val="0"/>
-              </a:spcBef>
-              <a:spcAft>
-                <a:spcPts val="0"/>
-              </a:spcAft>
-              <a:buSzPts val="1400"/>
-              <a:buChar char="●"/>
-            </a:pPr>
-            <a:r>
-              <a:rPr lang="nl">
-                <a:highlight>
-                  <a:schemeClr val="accent6"/>
-                </a:highlight>
-              </a:rPr>
-              <a:t>Creating a wireframe</a:t>
-            </a:r>
-            <a:endParaRPr>
-              <a:highlight>
-                <a:schemeClr val="accent6"/>
-              </a:highlight>
-            </a:endParaRPr>
+            <a:endParaRPr/>
           </a:p>
           <a:p>
             <a:pPr indent="-317500" lvl="0" marL="457200" rtl="0" algn="l">
@@ -7902,72 +10517,13 @@
                 <a:spcPts val="0"/>
               </a:spcAft>
               <a:buSzPts val="1400"/>
-              <a:buChar char="●"/>
+              <a:buChar char="-"/>
             </a:pPr>
             <a:r>
-              <a:rPr lang="nl">
-                <a:highlight>
-                  <a:schemeClr val="accent6"/>
-                </a:highlight>
-              </a:rPr>
-              <a:t>Creating a prototype</a:t>
+              <a:rPr lang="nl"/>
+              <a:t>Python</a:t>
             </a:r>
-            <a:endParaRPr>
-              <a:highlight>
-                <a:schemeClr val="accent6"/>
-              </a:highlight>
-            </a:endParaRPr>
-          </a:p>
-        </p:txBody>
-      </p:sp>
-      <p:sp>
-        <p:nvSpPr>
-          <p:cNvPr id="111" name="Google Shape;111;p19"/>
-          <p:cNvSpPr txBox="1"/>
-          <p:nvPr/>
-        </p:nvSpPr>
-        <p:spPr>
-          <a:xfrm>
-            <a:off x="5902525" y="2052900"/>
-            <a:ext cx="2617500" cy="831300"/>
-          </a:xfrm>
-          <a:prstGeom prst="rect">
-            <a:avLst/>
-          </a:prstGeom>
-          <a:noFill/>
-          <a:ln>
-            <a:noFill/>
-          </a:ln>
-        </p:spPr>
-        <p:txBody>
-          <a:bodyPr anchorCtr="0" anchor="t" bIns="91425" lIns="91425" spcFirstLastPara="1" rIns="91425" wrap="square" tIns="91425">
-            <a:spAutoFit/>
-          </a:bodyPr>
-          <a:lstStyle/>
-          <a:p>
-            <a:pPr indent="-317500" lvl="0" marL="457200" rtl="0" algn="l">
-              <a:spcBef>
-                <a:spcPts val="0"/>
-              </a:spcBef>
-              <a:spcAft>
-                <a:spcPts val="0"/>
-              </a:spcAft>
-              <a:buSzPts val="1400"/>
-              <a:buChar char="●"/>
-            </a:pPr>
-            <a:r>
-              <a:rPr lang="nl">
-                <a:highlight>
-                  <a:schemeClr val="accent6"/>
-                </a:highlight>
-              </a:rPr>
-              <a:t>Technical documents</a:t>
-            </a:r>
-            <a:endParaRPr>
-              <a:highlight>
-                <a:schemeClr val="accent6"/>
-              </a:highlight>
-            </a:endParaRPr>
+            <a:endParaRPr/>
           </a:p>
           <a:p>
             <a:pPr indent="-317500" lvl="0" marL="457200" rtl="0" algn="l">
@@ -7978,124 +10534,13 @@
                 <a:spcPts val="0"/>
               </a:spcAft>
               <a:buSzPts val="1400"/>
-              <a:buChar char="●"/>
+              <a:buChar char="-"/>
             </a:pPr>
             <a:r>
-              <a:rPr lang="nl">
-                <a:highlight>
-                  <a:schemeClr val="accent6"/>
-                </a:highlight>
-              </a:rPr>
-              <a:t>LTI prototype</a:t>
+              <a:rPr lang="nl"/>
+              <a:t>Android</a:t>
             </a:r>
-            <a:endParaRPr>
-              <a:highlight>
-                <a:schemeClr val="accent6"/>
-              </a:highlight>
-            </a:endParaRPr>
-          </a:p>
-          <a:p>
-            <a:pPr indent="-317500" lvl="0" marL="457200" rtl="0" algn="l">
-              <a:spcBef>
-                <a:spcPts val="0"/>
-              </a:spcBef>
-              <a:spcAft>
-                <a:spcPts val="0"/>
-              </a:spcAft>
-              <a:buSzPts val="1400"/>
-              <a:buChar char="●"/>
-            </a:pPr>
-            <a:r>
-              <a:rPr lang="nl">
-                <a:highlight>
-                  <a:schemeClr val="accent6"/>
-                </a:highlight>
-              </a:rPr>
-              <a:t>Setup API project</a:t>
-            </a:r>
-            <a:endParaRPr>
-              <a:highlight>
-                <a:schemeClr val="accent6"/>
-              </a:highlight>
-            </a:endParaRPr>
-          </a:p>
-        </p:txBody>
-      </p:sp>
-      <p:sp>
-        <p:nvSpPr>
-          <p:cNvPr id="112" name="Google Shape;112;p19"/>
-          <p:cNvSpPr txBox="1"/>
-          <p:nvPr/>
-        </p:nvSpPr>
-        <p:spPr>
-          <a:xfrm>
-            <a:off x="5902525" y="1492000"/>
-            <a:ext cx="2617500" cy="400200"/>
-          </a:xfrm>
-          <a:prstGeom prst="rect">
-            <a:avLst/>
-          </a:prstGeom>
-          <a:solidFill>
-            <a:srgbClr val="663366">
-              <a:alpha val="73130"/>
-            </a:srgbClr>
-          </a:solidFill>
-          <a:ln>
-            <a:noFill/>
-          </a:ln>
-          <a:effectLst>
-            <a:outerShdw blurRad="57150" rotWithShape="0" algn="bl" dir="5400000" dist="19050">
-              <a:srgbClr val="000000">
-                <a:alpha val="50000"/>
-              </a:srgbClr>
-            </a:outerShdw>
-          </a:effectLst>
-        </p:spPr>
-        <p:txBody>
-          <a:bodyPr anchorCtr="0" anchor="t" bIns="91425" lIns="91425" spcFirstLastPara="1" rIns="91425" wrap="square" tIns="91425">
-            <a:spAutoFit/>
-          </a:bodyPr>
-          <a:lstStyle/>
-          <a:p>
-            <a:pPr indent="0" lvl="0" marL="0" rtl="0" algn="l">
-              <a:spcBef>
-                <a:spcPts val="0"/>
-              </a:spcBef>
-              <a:spcAft>
-                <a:spcPts val="0"/>
-              </a:spcAft>
-              <a:buNone/>
-            </a:pPr>
-            <a:r>
-              <a:rPr lang="nl">
-                <a:solidFill>
-                  <a:schemeClr val="lt1"/>
-                </a:solidFill>
-                <a:highlight>
-                  <a:schemeClr val="accent6"/>
-                </a:highlight>
-              </a:rPr>
-              <a:t>Other </a:t>
-            </a:r>
-            <a:r>
-              <a:rPr lang="nl">
-                <a:solidFill>
-                  <a:schemeClr val="lt1"/>
-                </a:solidFill>
-                <a:highlight>
-                  <a:schemeClr val="accent6"/>
-                </a:highlight>
-              </a:rPr>
-              <a:t>TO DO's</a:t>
-            </a:r>
-            <a:endParaRPr>
-              <a:solidFill>
-                <a:schemeClr val="lt1"/>
-              </a:solidFill>
-              <a:highlight>
-                <a:schemeClr val="accent6"/>
-              </a:highlight>
-            </a:endParaRPr>
+            <a:endParaRPr/>
           </a:p>
         </p:txBody>
       </p:sp>
@@ -8112,7 +10557,7 @@
   <p:cSld>
     <p:spTree>
       <p:nvGrpSpPr>
-        <p:cNvPr id="116" name="Shape 116"/>
+        <p:cNvPr id="123" name="Shape 123"/>
         <p:cNvGrpSpPr/>
         <p:nvPr/>
       </p:nvGrpSpPr>
@@ -8124,30 +10569,59 @@
           <a:chExt cx="0" cy="0"/>
         </a:xfrm>
       </p:grpSpPr>
+      <p:pic>
+        <p:nvPicPr>
+          <p:cNvPr id="124" name="Google Shape;124;p20"/>
+          <p:cNvPicPr preferRelativeResize="0"/>
+          <p:nvPr/>
+        </p:nvPicPr>
+        <p:blipFill rotWithShape="1">
+          <a:blip r:embed="rId3">
+            <a:alphaModFix/>
+          </a:blip>
+          <a:srcRect b="0" l="0" r="0" t="58475"/>
+          <a:stretch/>
+        </p:blipFill>
+        <p:spPr>
+          <a:xfrm rot="10800000">
+            <a:off x="0" y="1"/>
+            <a:ext cx="9144000" cy="971550"/>
+          </a:xfrm>
+          <a:prstGeom prst="rect">
+            <a:avLst/>
+          </a:prstGeom>
+          <a:noFill/>
+          <a:ln>
+            <a:noFill/>
+          </a:ln>
+        </p:spPr>
+      </p:pic>
       <p:sp>
         <p:nvSpPr>
-          <p:cNvPr id="117" name="Google Shape;117;p20"/>
+          <p:cNvPr id="125" name="Google Shape;125;p20"/>
           <p:cNvSpPr txBox="1"/>
-          <p:nvPr>
-            <p:ph type="ctrTitle"/>
-          </p:nvPr>
+          <p:nvPr/>
         </p:nvSpPr>
         <p:spPr>
           <a:xfrm>
-            <a:off x="311708" y="744575"/>
-            <a:ext cx="8520600" cy="2052600"/>
-          </a:xfrm>
-          <a:prstGeom prst="rect">
-            <a:avLst/>
-          </a:prstGeom>
+            <a:off x="201425" y="137550"/>
+            <a:ext cx="5280900" cy="492600"/>
+          </a:xfrm>
+          <a:prstGeom prst="rect">
+            <a:avLst/>
+          </a:prstGeom>
+          <a:noFill/>
+          <a:ln>
+            <a:noFill/>
+          </a:ln>
         </p:spPr>
         <p:txBody>
-          <a:bodyPr anchorCtr="0" anchor="b" bIns="91425" lIns="91425" spcFirstLastPara="1" rIns="91425" wrap="square" tIns="91425">
-            <a:normAutofit/>
+          <a:bodyPr anchorCtr="0" anchor="t" bIns="91425" lIns="91425" spcFirstLastPara="1" rIns="91425" wrap="square" tIns="91425">
+            <a:spAutoFit/>
           </a:bodyPr>
           <a:lstStyle/>
           <a:p>
-            <a:pPr indent="0" lvl="0" marL="0" rtl="0" algn="ctr">
+            <a:pPr indent="0" lvl="0" marL="0" rtl="0" algn="l">
               <a:spcBef>
                 <a:spcPts val="0"/>
               </a:spcBef>
@@ -8157,82 +10631,32 @@
               <a:buNone/>
             </a:pPr>
             <a:r>
-              <a:t/>
+              <a:rPr lang="nl" sz="2000">
+                <a:solidFill>
+                  <a:schemeClr val="lt1"/>
+                </a:solidFill>
+                <a:latin typeface="Lato"/>
+                <a:ea typeface="Lato"/>
+                <a:cs typeface="Lato"/>
+                <a:sym typeface="Lato"/>
+              </a:rPr>
+              <a:t>Deliverables - Start on the frontend</a:t>
             </a:r>
-            <a:endParaRPr/>
-          </a:p>
-        </p:txBody>
-      </p:sp>
-      <p:sp>
-        <p:nvSpPr>
-          <p:cNvPr id="118" name="Google Shape;118;p20"/>
-          <p:cNvSpPr txBox="1"/>
-          <p:nvPr>
-            <p:ph idx="1" type="subTitle"/>
-          </p:nvPr>
-        </p:nvSpPr>
-        <p:spPr>
-          <a:xfrm>
-            <a:off x="311700" y="2834125"/>
-            <a:ext cx="8520600" cy="792600"/>
-          </a:xfrm>
-          <a:prstGeom prst="rect">
-            <a:avLst/>
-          </a:prstGeom>
-        </p:spPr>
-        <p:txBody>
-          <a:bodyPr anchorCtr="0" anchor="t" bIns="91425" lIns="91425" spcFirstLastPara="1" rIns="91425" wrap="square" tIns="91425">
-            <a:normAutofit/>
-          </a:bodyPr>
-          <a:lstStyle/>
-          <a:p>
-            <a:pPr indent="0" lvl="0" marL="0" rtl="0" algn="ctr">
-              <a:spcBef>
-                <a:spcPts val="0"/>
-              </a:spcBef>
-              <a:spcAft>
-                <a:spcPts val="0"/>
-              </a:spcAft>
-              <a:buNone/>
-            </a:pPr>
-            <a:r>
-              <a:t/>
-            </a:r>
-            <a:endParaRPr/>
+            <a:endParaRPr sz="2000">
+              <a:solidFill>
+                <a:schemeClr val="lt1"/>
+              </a:solidFill>
+              <a:latin typeface="Lato"/>
+              <a:ea typeface="Lato"/>
+              <a:cs typeface="Lato"/>
+              <a:sym typeface="Lato"/>
+            </a:endParaRPr>
           </a:p>
         </p:txBody>
       </p:sp>
       <p:pic>
         <p:nvPicPr>
-          <p:cNvPr id="119" name="Google Shape;119;p20"/>
-          <p:cNvPicPr preferRelativeResize="0"/>
-          <p:nvPr/>
-        </p:nvPicPr>
-        <p:blipFill>
-          <a:blip r:embed="rId3">
-            <a:alphaModFix/>
-          </a:blip>
-          <a:stretch>
-            <a:fillRect/>
-          </a:stretch>
-        </p:blipFill>
-        <p:spPr>
-          <a:xfrm>
-            <a:off x="0" y="0"/>
-            <a:ext cx="9144000" cy="5143506"/>
-          </a:xfrm>
-          <a:prstGeom prst="rect">
-            <a:avLst/>
-          </a:prstGeom>
-          <a:noFill/>
-          <a:ln>
-            <a:noFill/>
-          </a:ln>
-        </p:spPr>
-      </p:pic>
-      <p:pic>
-        <p:nvPicPr>
-          <p:cNvPr id="120" name="Google Shape;120;p20"/>
+          <p:cNvPr id="126" name="Google Shape;126;p20"/>
           <p:cNvPicPr preferRelativeResize="0"/>
           <p:nvPr/>
         </p:nvPicPr>
@@ -8246,8 +10670,8 @@
         </p:blipFill>
         <p:spPr>
           <a:xfrm>
-            <a:off x="2757913" y="295725"/>
-            <a:ext cx="3628175" cy="1899950"/>
+            <a:off x="7960200" y="4474550"/>
+            <a:ext cx="1012374" cy="530150"/>
           </a:xfrm>
           <a:prstGeom prst="rect">
             <a:avLst/>
@@ -8258,16 +10682,103 @@
           </a:ln>
         </p:spPr>
       </p:pic>
+      <p:pic>
+        <p:nvPicPr>
+          <p:cNvPr id="127" name="Google Shape;127;p20"/>
+          <p:cNvPicPr preferRelativeResize="0"/>
+          <p:nvPr/>
+        </p:nvPicPr>
+        <p:blipFill>
+          <a:blip r:embed="rId5">
+            <a:alphaModFix/>
+          </a:blip>
+          <a:stretch>
+            <a:fillRect/>
+          </a:stretch>
+        </p:blipFill>
+        <p:spPr>
+          <a:xfrm>
+            <a:off x="152400" y="1123951"/>
+            <a:ext cx="7655400" cy="3680174"/>
+          </a:xfrm>
+          <a:prstGeom prst="rect">
+            <a:avLst/>
+          </a:prstGeom>
+          <a:noFill/>
+          <a:ln>
+            <a:noFill/>
+          </a:ln>
+          <a:effectLst>
+            <a:outerShdw blurRad="442913" rotWithShape="0" algn="bl" dir="5400000" dist="76200">
+              <a:srgbClr val="000000">
+                <a:alpha val="17000"/>
+              </a:srgbClr>
+            </a:outerShdw>
+          </a:effectLst>
+        </p:spPr>
+      </p:pic>
+    </p:spTree>
+  </p:cSld>
+  <p:clrMapOvr>
+    <a:masterClrMapping/>
+  </p:clrMapOvr>
+</p:sld>
+</file>
+
+<file path=ppt/slides/slide9.xml><?xml version="1.0" encoding="utf-8"?>
+<p:sld xmlns:a="http://schemas.openxmlformats.org/drawingml/2006/main" xmlns:r="http://schemas.openxmlformats.org/officeDocument/2006/relationships" xmlns:mc="http://schemas.openxmlformats.org/markup-compatibility/2006" xmlns:mv="urn:schemas-microsoft-com:mac:vml" xmlns:p="http://schemas.openxmlformats.org/presentationml/2006/main" xmlns:c="http://schemas.openxmlformats.org/drawingml/2006/chart" xmlns:dgm="http://schemas.openxmlformats.org/drawingml/2006/diagram" xmlns:o="urn:schemas-microsoft-com:office:office" xmlns:v="urn:schemas-microsoft-com:vml" xmlns:pvml="urn:schemas-microsoft-com:office:powerpoint" xmlns:com="http://schemas.openxmlformats.org/drawingml/2006/compatibility" xmlns:p14="http://schemas.microsoft.com/office/powerpoint/2010/main" xmlns:p15="http://schemas.microsoft.com/office/powerpoint/2012/main" xmlns:ahyp="http://schemas.microsoft.com/office/drawing/2018/hyperlinkcolor">
+  <p:cSld>
+    <p:spTree>
+      <p:nvGrpSpPr>
+        <p:cNvPr id="131" name="Shape 131"/>
+        <p:cNvGrpSpPr/>
+        <p:nvPr/>
+      </p:nvGrpSpPr>
+      <p:grpSpPr>
+        <a:xfrm>
+          <a:off x="0" y="0"/>
+          <a:ext cx="0" cy="0"/>
+          <a:chOff x="0" y="0"/>
+          <a:chExt cx="0" cy="0"/>
+        </a:xfrm>
+      </p:grpSpPr>
+      <p:pic>
+        <p:nvPicPr>
+          <p:cNvPr id="132" name="Google Shape;132;p21"/>
+          <p:cNvPicPr preferRelativeResize="0"/>
+          <p:nvPr/>
+        </p:nvPicPr>
+        <p:blipFill rotWithShape="1">
+          <a:blip r:embed="rId3">
+            <a:alphaModFix/>
+          </a:blip>
+          <a:srcRect b="0" l="0" r="0" t="58475"/>
+          <a:stretch/>
+        </p:blipFill>
+        <p:spPr>
+          <a:xfrm rot="10800000">
+            <a:off x="0" y="1"/>
+            <a:ext cx="9144000" cy="971550"/>
+          </a:xfrm>
+          <a:prstGeom prst="rect">
+            <a:avLst/>
+          </a:prstGeom>
+          <a:noFill/>
+          <a:ln>
+            <a:noFill/>
+          </a:ln>
+        </p:spPr>
+      </p:pic>
       <p:sp>
         <p:nvSpPr>
-          <p:cNvPr id="121" name="Google Shape;121;p20"/>
+          <p:cNvPr id="133" name="Google Shape;133;p21"/>
           <p:cNvSpPr txBox="1"/>
           <p:nvPr/>
         </p:nvSpPr>
         <p:spPr>
           <a:xfrm>
-            <a:off x="2735700" y="2253300"/>
-            <a:ext cx="3672600" cy="523200"/>
+            <a:off x="201425" y="137550"/>
+            <a:ext cx="4821300" cy="492600"/>
           </a:xfrm>
           <a:prstGeom prst="rect">
             <a:avLst/>
@@ -8283,7 +10794,7 @@
           </a:bodyPr>
           <a:lstStyle/>
           <a:p>
-            <a:pPr indent="0" lvl="0" marL="0" rtl="0" algn="ctr">
+            <a:pPr indent="0" lvl="0" marL="0" rtl="0" algn="l">
               <a:spcBef>
                 <a:spcPts val="0"/>
               </a:spcBef>
@@ -8293,81 +10804,7 @@
               <a:buNone/>
             </a:pPr>
             <a:r>
-              <a:rPr lang="nl" sz="2200">
-                <a:solidFill>
-                  <a:srgbClr val="663366"/>
-                </a:solidFill>
-                <a:latin typeface="Lato"/>
-                <a:ea typeface="Lato"/>
-                <a:cs typeface="Lato"/>
-                <a:sym typeface="Lato"/>
-              </a:rPr>
-              <a:t>End of s</a:t>
-            </a:r>
-            <a:r>
-              <a:rPr lang="nl" sz="2200">
-                <a:solidFill>
-                  <a:srgbClr val="663366"/>
-                </a:solidFill>
-                <a:latin typeface="Lato"/>
-                <a:ea typeface="Lato"/>
-                <a:cs typeface="Lato"/>
-                <a:sym typeface="Lato"/>
-              </a:rPr>
-              <a:t>print delivery</a:t>
-            </a:r>
-            <a:r>
-              <a:rPr lang="nl" sz="2200">
-                <a:solidFill>
-                  <a:srgbClr val="663366"/>
-                </a:solidFill>
-              </a:rPr>
-              <a:t> </a:t>
-            </a:r>
-            <a:endParaRPr sz="2200">
-              <a:solidFill>
-                <a:srgbClr val="663366"/>
-              </a:solidFill>
-            </a:endParaRPr>
-          </a:p>
-        </p:txBody>
-      </p:sp>
-      <p:sp>
-        <p:nvSpPr>
-          <p:cNvPr id="122" name="Google Shape;122;p20"/>
-          <p:cNvSpPr txBox="1"/>
-          <p:nvPr/>
-        </p:nvSpPr>
-        <p:spPr>
-          <a:xfrm>
-            <a:off x="6386075" y="4019900"/>
-            <a:ext cx="2380200" cy="415500"/>
-          </a:xfrm>
-          <a:prstGeom prst="rect">
-            <a:avLst/>
-          </a:prstGeom>
-          <a:noFill/>
-          <a:ln>
-            <a:noFill/>
-          </a:ln>
-        </p:spPr>
-        <p:txBody>
-          <a:bodyPr anchorCtr="0" anchor="t" bIns="91425" lIns="91425" spcFirstLastPara="1" rIns="91425" wrap="square" tIns="91425">
-            <a:spAutoFit/>
-          </a:bodyPr>
-          <a:lstStyle/>
-          <a:p>
-            <a:pPr indent="0" lvl="0" marL="0" rtl="0" algn="ctr">
-              <a:spcBef>
-                <a:spcPts val="0"/>
-              </a:spcBef>
-              <a:spcAft>
-                <a:spcPts val="0"/>
-              </a:spcAft>
-              <a:buNone/>
-            </a:pPr>
-            <a:r>
-              <a:rPr lang="nl" sz="1500">
+              <a:rPr lang="nl" sz="2000">
                 <a:solidFill>
                   <a:schemeClr val="lt1"/>
                 </a:solidFill>
@@ -8376,38 +10813,93 @@
                 <a:cs typeface="Lato"/>
                 <a:sym typeface="Lato"/>
               </a:rPr>
-              <a:t>Wednesday</a:t>
+              <a:t>Deliverables - API Technical Document</a:t>
             </a:r>
-            <a:r>
-              <a:rPr lang="nl" sz="1500">
-                <a:solidFill>
-                  <a:schemeClr val="lt1"/>
-                </a:solidFill>
-                <a:latin typeface="Lato"/>
-                <a:ea typeface="Lato"/>
-                <a:cs typeface="Lato"/>
-                <a:sym typeface="Lato"/>
-              </a:rPr>
-              <a:t> 8 June, 2022</a:t>
-            </a:r>
-            <a:endParaRPr sz="1500">
+            <a:endParaRPr sz="2000">
               <a:solidFill>
                 <a:schemeClr val="lt1"/>
               </a:solidFill>
+              <a:latin typeface="Lato"/>
+              <a:ea typeface="Lato"/>
+              <a:cs typeface="Lato"/>
+              <a:sym typeface="Lato"/>
             </a:endParaRPr>
           </a:p>
         </p:txBody>
       </p:sp>
+      <p:pic>
+        <p:nvPicPr>
+          <p:cNvPr id="134" name="Google Shape;134;p21"/>
+          <p:cNvPicPr preferRelativeResize="0"/>
+          <p:nvPr/>
+        </p:nvPicPr>
+        <p:blipFill>
+          <a:blip r:embed="rId4">
+            <a:alphaModFix/>
+          </a:blip>
+          <a:stretch>
+            <a:fillRect/>
+          </a:stretch>
+        </p:blipFill>
+        <p:spPr>
+          <a:xfrm>
+            <a:off x="7960200" y="4474550"/>
+            <a:ext cx="1012374" cy="530150"/>
+          </a:xfrm>
+          <a:prstGeom prst="rect">
+            <a:avLst/>
+          </a:prstGeom>
+          <a:noFill/>
+          <a:ln>
+            <a:noFill/>
+          </a:ln>
+        </p:spPr>
+      </p:pic>
+      <p:pic>
+        <p:nvPicPr>
+          <p:cNvPr id="135" name="Google Shape;135;p21"/>
+          <p:cNvPicPr preferRelativeResize="0"/>
+          <p:nvPr/>
+        </p:nvPicPr>
+        <p:blipFill>
+          <a:blip r:embed="rId5">
+            <a:alphaModFix/>
+          </a:blip>
+          <a:stretch>
+            <a:fillRect/>
+          </a:stretch>
+        </p:blipFill>
+        <p:spPr>
+          <a:xfrm>
+            <a:off x="3526588" y="971551"/>
+            <a:ext cx="4180138" cy="3867150"/>
+          </a:xfrm>
+          <a:prstGeom prst="rect">
+            <a:avLst/>
+          </a:prstGeom>
+          <a:noFill/>
+          <a:ln>
+            <a:noFill/>
+          </a:ln>
+          <a:effectLst>
+            <a:outerShdw blurRad="257175" rotWithShape="0" algn="bl" dir="5400000" dist="76200">
+              <a:srgbClr val="000000">
+                <a:alpha val="19000"/>
+              </a:srgbClr>
+            </a:outerShdw>
+          </a:effectLst>
+        </p:spPr>
+      </p:pic>
       <p:sp>
         <p:nvSpPr>
-          <p:cNvPr id="123" name="Google Shape;123;p20"/>
+          <p:cNvPr id="136" name="Google Shape;136;p21"/>
           <p:cNvSpPr txBox="1"/>
           <p:nvPr/>
         </p:nvSpPr>
         <p:spPr>
           <a:xfrm>
-            <a:off x="3381900" y="2674925"/>
-            <a:ext cx="2380200" cy="415500"/>
+            <a:off x="386125" y="1229875"/>
+            <a:ext cx="3308100" cy="831300"/>
           </a:xfrm>
           <a:prstGeom prst="rect">
             <a:avLst/>
@@ -8423,32 +10915,55 @@
           </a:bodyPr>
           <a:lstStyle/>
           <a:p>
-            <a:pPr indent="0" lvl="0" marL="0" rtl="0" algn="ctr">
-              <a:spcBef>
-                <a:spcPts val="0"/>
-              </a:spcBef>
-              <a:spcAft>
-                <a:spcPts val="0"/>
-              </a:spcAft>
-              <a:buNone/>
+            <a:pPr indent="-317500" lvl="0" marL="457200" rtl="0" algn="l">
+              <a:spcBef>
+                <a:spcPts val="0"/>
+              </a:spcBef>
+              <a:spcAft>
+                <a:spcPts val="0"/>
+              </a:spcAft>
+              <a:buSzPts val="1400"/>
+              <a:buChar char="-"/>
             </a:pPr>
             <a:r>
-              <a:rPr lang="nl" sz="1500">
-                <a:solidFill>
-                  <a:srgbClr val="663366"/>
-                </a:solidFill>
-                <a:latin typeface="Lato"/>
-                <a:ea typeface="Lato"/>
-                <a:cs typeface="Lato"/>
-                <a:sym typeface="Lato"/>
-              </a:rPr>
-              <a:t>Any questions?</a:t>
+              <a:rPr lang="nl"/>
+              <a:t>System Architecture</a:t>
             </a:r>
-            <a:endParaRPr sz="1000">
-              <a:solidFill>
-                <a:srgbClr val="663366"/>
-              </a:solidFill>
-            </a:endParaRPr>
+            <a:endParaRPr/>
+          </a:p>
+          <a:p>
+            <a:pPr indent="-317500" lvl="0" marL="457200" rtl="0" algn="l">
+              <a:spcBef>
+                <a:spcPts val="0"/>
+              </a:spcBef>
+              <a:spcAft>
+                <a:spcPts val="0"/>
+              </a:spcAft>
+              <a:buSzPts val="1400"/>
+              <a:buChar char="-"/>
+            </a:pPr>
+            <a:r>
+              <a:rPr lang="nl"/>
+              <a:t>Framework Decisions</a:t>
+            </a:r>
+            <a:endParaRPr/>
+          </a:p>
+          <a:p>
+            <a:pPr indent="-317500" lvl="0" marL="457200" rtl="0" algn="l">
+              <a:spcBef>
+                <a:spcPts val="0"/>
+              </a:spcBef>
+              <a:spcAft>
+                <a:spcPts val="0"/>
+              </a:spcAft>
+              <a:buSzPts val="1400"/>
+              <a:buChar char="-"/>
+            </a:pPr>
+            <a:r>
+              <a:rPr lang="nl"/>
+              <a:t>Functionality</a:t>
+            </a:r>
+            <a:endParaRPr/>
           </a:p>
         </p:txBody>
       </p:sp>
@@ -8461,6 +10976,285 @@
 </file>
 
 <file path=ppt/theme/theme1.xml><?xml version="1.0" encoding="utf-8"?>
+<a:theme xmlns:a="http://schemas.openxmlformats.org/drawingml/2006/main" xmlns:r="http://schemas.openxmlformats.org/officeDocument/2006/relationships">
+  <a:themeElements>
+    <a:clrScheme name="Default">
+      <a:dk1>
+        <a:srgbClr val="000000"/>
+      </a:dk1>
+      <a:lt1>
+        <a:srgbClr val="FFFFFF"/>
+      </a:lt1>
+      <a:dk2>
+        <a:srgbClr val="158158"/>
+      </a:dk2>
+      <a:lt2>
+        <a:srgbClr val="F3F3F3"/>
+      </a:lt2>
+      <a:accent1>
+        <a:srgbClr val="058DC7"/>
+      </a:accent1>
+      <a:accent2>
+        <a:srgbClr val="50B432"/>
+      </a:accent2>
+      <a:accent3>
+        <a:srgbClr val="ED561B"/>
+      </a:accent3>
+      <a:accent4>
+        <a:srgbClr val="EDEF00"/>
+      </a:accent4>
+      <a:accent5>
+        <a:srgbClr val="24CBE5"/>
+      </a:accent5>
+      <a:accent6>
+        <a:srgbClr val="64E572"/>
+      </a:accent6>
+      <a:hlink>
+        <a:srgbClr val="2200CC"/>
+      </a:hlink>
+      <a:folHlink>
+        <a:srgbClr val="551A8B"/>
+      </a:folHlink>
+    </a:clrScheme>
+    <a:fontScheme name="Office">
+      <a:majorFont>
+        <a:latin typeface="Arial"/>
+        <a:ea typeface=""/>
+        <a:cs typeface=""/>
+        <a:font script="Jpan" typeface="ＭＳ Ｐゴシック"/>
+        <a:font script="Hang" typeface="맑은 고딕"/>
+        <a:font script="Hans" typeface="宋体"/>
+        <a:font script="Hant" typeface="新細明體"/>
+        <a:font script="Arab" typeface="Times New Roman"/>
+        <a:font script="Hebr" typeface="Times New Roman"/>
+        <a:font script="Thai" typeface="Angsana New"/>
+        <a:font script="Ethi" typeface="Nyala"/>
+        <a:font script="Beng" typeface="Vrinda"/>
+        <a:font script="Gujr" typeface="Shruti"/>
+        <a:font script="Khmr" typeface="MoolBoran"/>
+        <a:font script="Knda" typeface="Tunga"/>
+        <a:font script="Guru" typeface="Raavi"/>
+        <a:font script="Cans" typeface="Euphemia"/>
+        <a:font script="Cher" typeface="Plantagenet Cherokee"/>
+        <a:font script="Yiii" typeface="Microsoft Yi Baiti"/>
+        <a:font script="Tibt" typeface="Microsoft Himalaya"/>
+        <a:font script="Thaa" typeface="MV Boli"/>
+        <a:font script="Deva" typeface="Mangal"/>
+        <a:font script="Telu" typeface="Gautami"/>
+        <a:font script="Taml" typeface="Latha"/>
+        <a:font script="Syrc" typeface="Estrangelo Edessa"/>
+        <a:font script="Orya" typeface="Kalinga"/>
+        <a:font script="Mlym" typeface="Kartika"/>
+        <a:font script="Laoo" typeface="DokChampa"/>
+        <a:font script="Sinh" typeface="Iskoola Pota"/>
+        <a:font script="Mong" typeface="Mongolian Baiti"/>
+        <a:font script="Viet" typeface="Times New Roman"/>
+        <a:font script="Uigh" typeface="Microsoft Uighur"/>
+        <a:font script="Geor" typeface="Sylfaen"/>
+      </a:majorFont>
+      <a:minorFont>
+        <a:latin typeface="Arial"/>
+        <a:ea typeface=""/>
+        <a:cs typeface=""/>
+        <a:font script="Jpan" typeface="ＭＳ Ｐゴシック"/>
+        <a:font script="Hang" typeface="맑은 고딕"/>
+        <a:font script="Hans" typeface="宋体"/>
+        <a:font script="Hant" typeface="新細明體"/>
+        <a:font script="Arab" typeface="Arial"/>
+        <a:font script="Hebr" typeface="Arial"/>
+        <a:font script="Thai" typeface="Cordia New"/>
+        <a:font script="Ethi" typeface="Nyala"/>
+        <a:font script="Beng" typeface="Vrinda"/>
+        <a:font script="Gujr" typeface="Shruti"/>
+        <a:font script="Khmr" typeface="DaunPenh"/>
+        <a:font script="Knda" typeface="Tunga"/>
+        <a:font script="Guru" typeface="Raavi"/>
+        <a:font script="Cans" typeface="Euphemia"/>
+        <a:font script="Cher" typeface="Plantagenet Cherokee"/>
+        <a:font script="Yiii" typeface="Microsoft Yi Baiti"/>
+        <a:font script="Tibt" typeface="Microsoft Himalaya"/>
+        <a:font script="Thaa" typeface="MV Boli"/>
+        <a:font script="Deva" typeface="Mangal"/>
+        <a:font script="Telu" typeface="Gautami"/>
+        <a:font script="Taml" typeface="Latha"/>
+        <a:font script="Syrc" typeface="Estrangelo Edessa"/>
+        <a:font script="Orya" typeface="Kalinga"/>
+        <a:font script="Mlym" typeface="Kartika"/>
+        <a:font script="Laoo" typeface="DokChampa"/>
+        <a:font script="Sinh" typeface="Iskoola Pota"/>
+        <a:font script="Mong" typeface="Mongolian Baiti"/>
+        <a:font script="Viet" typeface="Arial"/>
+        <a:font script="Uigh" typeface="Microsoft Uighur"/>
+        <a:font script="Geor" typeface="Sylfaen"/>
+      </a:minorFont>
+    </a:fontScheme>
+    <a:fmtScheme name="Office">
+      <a:fillStyleLst>
+        <a:solidFill>
+          <a:schemeClr val="phClr"/>
+        </a:solidFill>
+        <a:gradFill rotWithShape="1">
+          <a:gsLst>
+            <a:gs pos="0">
+              <a:schemeClr val="phClr">
+                <a:tint val="50000"/>
+                <a:satMod val="300000"/>
+              </a:schemeClr>
+            </a:gs>
+            <a:gs pos="35000">
+              <a:schemeClr val="phClr">
+                <a:tint val="37000"/>
+                <a:satMod val="300000"/>
+              </a:schemeClr>
+            </a:gs>
+            <a:gs pos="100000">
+              <a:schemeClr val="phClr">
+                <a:tint val="15000"/>
+                <a:satMod val="350000"/>
+              </a:schemeClr>
+            </a:gs>
+          </a:gsLst>
+          <a:lin ang="16200000" scaled="1"/>
+        </a:gradFill>
+        <a:gradFill rotWithShape="1">
+          <a:gsLst>
+            <a:gs pos="0">
+              <a:schemeClr val="phClr">
+                <a:tint val="100000"/>
+                <a:shade val="100000"/>
+                <a:satMod val="130000"/>
+              </a:schemeClr>
+            </a:gs>
+            <a:gs pos="100000">
+              <a:schemeClr val="phClr">
+                <a:tint val="50000"/>
+                <a:shade val="100000"/>
+                <a:satMod val="350000"/>
+              </a:schemeClr>
+            </a:gs>
+          </a:gsLst>
+          <a:lin ang="16200000" scaled="0"/>
+        </a:gradFill>
+      </a:fillStyleLst>
+      <a:lnStyleLst>
+        <a:ln w="9525" cap="flat" cmpd="sng" algn="ctr">
+          <a:solidFill>
+            <a:schemeClr val="phClr">
+              <a:shade val="95000"/>
+              <a:satMod val="105000"/>
+            </a:schemeClr>
+          </a:solidFill>
+          <a:prstDash val="solid"/>
+        </a:ln>
+        <a:ln w="25400" cap="flat" cmpd="sng" algn="ctr">
+          <a:solidFill>
+            <a:schemeClr val="phClr"/>
+          </a:solidFill>
+          <a:prstDash val="solid"/>
+        </a:ln>
+        <a:ln w="38100" cap="flat" cmpd="sng" algn="ctr">
+          <a:solidFill>
+            <a:schemeClr val="phClr"/>
+          </a:solidFill>
+          <a:prstDash val="solid"/>
+        </a:ln>
+      </a:lnStyleLst>
+      <a:effectStyleLst>
+        <a:effectStyle>
+          <a:effectLst>
+            <a:outerShdw blurRad="40000" dist="20000" dir="5400000" rotWithShape="0">
+              <a:srgbClr val="000000">
+                <a:alpha val="38000"/>
+              </a:srgbClr>
+            </a:outerShdw>
+          </a:effectLst>
+        </a:effectStyle>
+        <a:effectStyle>
+          <a:effectLst>
+            <a:outerShdw blurRad="40000" dist="23000" dir="5400000" rotWithShape="0">
+              <a:srgbClr val="000000">
+                <a:alpha val="35000"/>
+              </a:srgbClr>
+            </a:outerShdw>
+          </a:effectLst>
+        </a:effectStyle>
+        <a:effectStyle>
+          <a:effectLst>
+            <a:outerShdw blurRad="40000" dist="23000" dir="5400000" rotWithShape="0">
+              <a:srgbClr val="000000">
+                <a:alpha val="35000"/>
+              </a:srgbClr>
+            </a:outerShdw>
+          </a:effectLst>
+          <a:scene3d>
+            <a:camera prst="orthographicFront">
+              <a:rot lat="0" lon="0" rev="0"/>
+            </a:camera>
+            <a:lightRig rig="threePt" dir="t">
+              <a:rot lat="0" lon="0" rev="1200000"/>
+            </a:lightRig>
+          </a:scene3d>
+          <a:sp3d>
+            <a:bevelT w="63500" h="25400"/>
+          </a:sp3d>
+        </a:effectStyle>
+      </a:effectStyleLst>
+      <a:bgFillStyleLst>
+        <a:solidFill>
+          <a:schemeClr val="phClr"/>
+        </a:solidFill>
+        <a:gradFill rotWithShape="1">
+          <a:gsLst>
+            <a:gs pos="0">
+              <a:schemeClr val="phClr">
+                <a:tint val="40000"/>
+                <a:satMod val="350000"/>
+              </a:schemeClr>
+            </a:gs>
+            <a:gs pos="40000">
+              <a:schemeClr val="phClr">
+                <a:tint val="45000"/>
+                <a:shade val="99000"/>
+                <a:satMod val="350000"/>
+              </a:schemeClr>
+            </a:gs>
+            <a:gs pos="100000">
+              <a:schemeClr val="phClr">
+                <a:shade val="20000"/>
+                <a:satMod val="255000"/>
+              </a:schemeClr>
+            </a:gs>
+          </a:gsLst>
+          <a:path path="circle">
+            <a:fillToRect l="50000" t="-80000" r="50000" b="180000"/>
+          </a:path>
+        </a:gradFill>
+        <a:gradFill rotWithShape="1">
+          <a:gsLst>
+            <a:gs pos="0">
+              <a:schemeClr val="phClr">
+                <a:tint val="80000"/>
+                <a:satMod val="300000"/>
+              </a:schemeClr>
+            </a:gs>
+            <a:gs pos="100000">
+              <a:schemeClr val="phClr">
+                <a:shade val="30000"/>
+                <a:satMod val="200000"/>
+              </a:schemeClr>
+            </a:gs>
+          </a:gsLst>
+          <a:path path="circle">
+            <a:fillToRect l="50000" t="50000" r="50000" b="50000"/>
+          </a:path>
+        </a:gradFill>
+      </a:bgFillStyleLst>
+    </a:fmtScheme>
+  </a:themeElements>
+</a:theme>
+</file>
+
+<file path=ppt/theme/theme2.xml><?xml version="1.0" encoding="utf-8"?>
 <a:theme xmlns:a="http://schemas.openxmlformats.org/drawingml/2006/main" xmlns:r="http://schemas.openxmlformats.org/officeDocument/2006/relationships" name="Simple Light">
   <a:themeElements>
     <a:clrScheme name="Simple Light">
@@ -8737,283 +11531,4 @@
     </a:fmtScheme>
   </a:themeElements>
 </a:theme>
-</file>
-
-<file path=ppt/theme/theme2.xml><?xml version="1.0" encoding="utf-8"?>
-<a:theme xmlns:a="http://schemas.openxmlformats.org/drawingml/2006/main" xmlns:r="http://schemas.openxmlformats.org/officeDocument/2006/relationships">
-  <a:themeElements>
-    <a:clrScheme name="Default">
-      <a:dk1>
-        <a:srgbClr val="000000"/>
-      </a:dk1>
-      <a:lt1>
-        <a:srgbClr val="FFFFFF"/>
-      </a:lt1>
-      <a:dk2>
-        <a:srgbClr val="158158"/>
-      </a:dk2>
-      <a:lt2>
-        <a:srgbClr val="F3F3F3"/>
-      </a:lt2>
-      <a:accent1>
-        <a:srgbClr val="058DC7"/>
-      </a:accent1>
-      <a:accent2>
-        <a:srgbClr val="50B432"/>
-      </a:accent2>
-      <a:accent3>
-        <a:srgbClr val="ED561B"/>
-      </a:accent3>
-      <a:accent4>
-        <a:srgbClr val="EDEF00"/>
-      </a:accent4>
-      <a:accent5>
-        <a:srgbClr val="24CBE5"/>
-      </a:accent5>
-      <a:accent6>
-        <a:srgbClr val="64E572"/>
-      </a:accent6>
-      <a:hlink>
-        <a:srgbClr val="2200CC"/>
-      </a:hlink>
-      <a:folHlink>
-        <a:srgbClr val="551A8B"/>
-      </a:folHlink>
-    </a:clrScheme>
-    <a:fontScheme name="Office">
-      <a:majorFont>
-        <a:latin typeface="Arial"/>
-        <a:ea typeface=""/>
-        <a:cs typeface=""/>
-        <a:font script="Jpan" typeface="ＭＳ Ｐゴシック"/>
-        <a:font script="Hang" typeface="맑은 고딕"/>
-        <a:font script="Hans" typeface="宋体"/>
-        <a:font script="Hant" typeface="新細明體"/>
-        <a:font script="Arab" typeface="Times New Roman"/>
-        <a:font script="Hebr" typeface="Times New Roman"/>
-        <a:font script="Thai" typeface="Angsana New"/>
-        <a:font script="Ethi" typeface="Nyala"/>
-        <a:font script="Beng" typeface="Vrinda"/>
-        <a:font script="Gujr" typeface="Shruti"/>
-        <a:font script="Khmr" typeface="MoolBoran"/>
-        <a:font script="Knda" typeface="Tunga"/>
-        <a:font script="Guru" typeface="Raavi"/>
-        <a:font script="Cans" typeface="Euphemia"/>
-        <a:font script="Cher" typeface="Plantagenet Cherokee"/>
-        <a:font script="Yiii" typeface="Microsoft Yi Baiti"/>
-        <a:font script="Tibt" typeface="Microsoft Himalaya"/>
-        <a:font script="Thaa" typeface="MV Boli"/>
-        <a:font script="Deva" typeface="Mangal"/>
-        <a:font script="Telu" typeface="Gautami"/>
-        <a:font script="Taml" typeface="Latha"/>
-        <a:font script="Syrc" typeface="Estrangelo Edessa"/>
-        <a:font script="Orya" typeface="Kalinga"/>
-        <a:font script="Mlym" typeface="Kartika"/>
-        <a:font script="Laoo" typeface="DokChampa"/>
-        <a:font script="Sinh" typeface="Iskoola Pota"/>
-        <a:font script="Mong" typeface="Mongolian Baiti"/>
-        <a:font script="Viet" typeface="Times New Roman"/>
-        <a:font script="Uigh" typeface="Microsoft Uighur"/>
-        <a:font script="Geor" typeface="Sylfaen"/>
-      </a:majorFont>
-      <a:minorFont>
-        <a:latin typeface="Arial"/>
-        <a:ea typeface=""/>
-        <a:cs typeface=""/>
-        <a:font script="Jpan" typeface="ＭＳ Ｐゴシック"/>
-        <a:font script="Hang" typeface="맑은 고딕"/>
-        <a:font script="Hans" typeface="宋体"/>
-        <a:font script="Hant" typeface="新細明體"/>
-        <a:font script="Arab" typeface="Arial"/>
-        <a:font script="Hebr" typeface="Arial"/>
-        <a:font script="Thai" typeface="Cordia New"/>
-        <a:font script="Ethi" typeface="Nyala"/>
-        <a:font script="Beng" typeface="Vrinda"/>
-        <a:font script="Gujr" typeface="Shruti"/>
-        <a:font script="Khmr" typeface="DaunPenh"/>
-        <a:font script="Knda" typeface="Tunga"/>
-        <a:font script="Guru" typeface="Raavi"/>
-        <a:font script="Cans" typeface="Euphemia"/>
-        <a:font script="Cher" typeface="Plantagenet Cherokee"/>
-        <a:font script="Yiii" typeface="Microsoft Yi Baiti"/>
-        <a:font script="Tibt" typeface="Microsoft Himalaya"/>
-        <a:font script="Thaa" typeface="MV Boli"/>
-        <a:font script="Deva" typeface="Mangal"/>
-        <a:font script="Telu" typeface="Gautami"/>
-        <a:font script="Taml" typeface="Latha"/>
-        <a:font script="Syrc" typeface="Estrangelo Edessa"/>
-        <a:font script="Orya" typeface="Kalinga"/>
-        <a:font script="Mlym" typeface="Kartika"/>
-        <a:font script="Laoo" typeface="DokChampa"/>
-        <a:font script="Sinh" typeface="Iskoola Pota"/>
-        <a:font script="Mong" typeface="Mongolian Baiti"/>
-        <a:font script="Viet" typeface="Arial"/>
-        <a:font script="Uigh" typeface="Microsoft Uighur"/>
-        <a:font script="Geor" typeface="Sylfaen"/>
-      </a:minorFont>
-    </a:fontScheme>
-    <a:fmtScheme name="Office">
-      <a:fillStyleLst>
-        <a:solidFill>
-          <a:schemeClr val="phClr"/>
-        </a:solidFill>
-        <a:gradFill rotWithShape="1">
-          <a:gsLst>
-            <a:gs pos="0">
-              <a:schemeClr val="phClr">
-                <a:tint val="50000"/>
-                <a:satMod val="300000"/>
-              </a:schemeClr>
-            </a:gs>
-            <a:gs pos="35000">
-              <a:schemeClr val="phClr">
-                <a:tint val="37000"/>
-                <a:satMod val="300000"/>
-              </a:schemeClr>
-            </a:gs>
-            <a:gs pos="100000">
-              <a:schemeClr val="phClr">
-                <a:tint val="15000"/>
-                <a:satMod val="350000"/>
-              </a:schemeClr>
-            </a:gs>
-          </a:gsLst>
-          <a:lin ang="16200000" scaled="1"/>
-        </a:gradFill>
-        <a:gradFill rotWithShape="1">
-          <a:gsLst>
-            <a:gs pos="0">
-              <a:schemeClr val="phClr">
-                <a:tint val="100000"/>
-                <a:shade val="100000"/>
-                <a:satMod val="130000"/>
-              </a:schemeClr>
-            </a:gs>
-            <a:gs pos="100000">
-              <a:schemeClr val="phClr">
-                <a:tint val="50000"/>
-                <a:shade val="100000"/>
-                <a:satMod val="350000"/>
-              </a:schemeClr>
-            </a:gs>
-          </a:gsLst>
-          <a:lin ang="16200000" scaled="0"/>
-        </a:gradFill>
-      </a:fillStyleLst>
-      <a:lnStyleLst>
-        <a:ln w="9525" cap="flat" cmpd="sng" algn="ctr">
-          <a:solidFill>
-            <a:schemeClr val="phClr">
-              <a:shade val="95000"/>
-              <a:satMod val="105000"/>
-            </a:schemeClr>
-          </a:solidFill>
-          <a:prstDash val="solid"/>
-        </a:ln>
-        <a:ln w="25400" cap="flat" cmpd="sng" algn="ctr">
-          <a:solidFill>
-            <a:schemeClr val="phClr"/>
-          </a:solidFill>
-          <a:prstDash val="solid"/>
-        </a:ln>
-        <a:ln w="38100" cap="flat" cmpd="sng" algn="ctr">
-          <a:solidFill>
-            <a:schemeClr val="phClr"/>
-          </a:solidFill>
-          <a:prstDash val="solid"/>
-        </a:ln>
-      </a:lnStyleLst>
-      <a:effectStyleLst>
-        <a:effectStyle>
-          <a:effectLst>
-            <a:outerShdw blurRad="40000" dist="20000" dir="5400000" rotWithShape="0">
-              <a:srgbClr val="000000">
-                <a:alpha val="38000"/>
-              </a:srgbClr>
-            </a:outerShdw>
-          </a:effectLst>
-        </a:effectStyle>
-        <a:effectStyle>
-          <a:effectLst>
-            <a:outerShdw blurRad="40000" dist="23000" dir="5400000" rotWithShape="0">
-              <a:srgbClr val="000000">
-                <a:alpha val="35000"/>
-              </a:srgbClr>
-            </a:outerShdw>
-          </a:effectLst>
-        </a:effectStyle>
-        <a:effectStyle>
-          <a:effectLst>
-            <a:outerShdw blurRad="40000" dist="23000" dir="5400000" rotWithShape="0">
-              <a:srgbClr val="000000">
-                <a:alpha val="35000"/>
-              </a:srgbClr>
-            </a:outerShdw>
-          </a:effectLst>
-          <a:scene3d>
-            <a:camera prst="orthographicFront">
-              <a:rot lat="0" lon="0" rev="0"/>
-            </a:camera>
-            <a:lightRig rig="threePt" dir="t">
-              <a:rot lat="0" lon="0" rev="1200000"/>
-            </a:lightRig>
-          </a:scene3d>
-          <a:sp3d>
-            <a:bevelT w="63500" h="25400"/>
-          </a:sp3d>
-        </a:effectStyle>
-      </a:effectStyleLst>
-      <a:bgFillStyleLst>
-        <a:solidFill>
-          <a:schemeClr val="phClr"/>
-        </a:solidFill>
-        <a:gradFill rotWithShape="1">
-          <a:gsLst>
-            <a:gs pos="0">
-              <a:schemeClr val="phClr">
-                <a:tint val="40000"/>
-                <a:satMod val="350000"/>
-              </a:schemeClr>
-            </a:gs>
-            <a:gs pos="40000">
-              <a:schemeClr val="phClr">
-                <a:tint val="45000"/>
-                <a:shade val="99000"/>
-                <a:satMod val="350000"/>
-              </a:schemeClr>
-            </a:gs>
-            <a:gs pos="100000">
-              <a:schemeClr val="phClr">
-                <a:shade val="20000"/>
-                <a:satMod val="255000"/>
-              </a:schemeClr>
-            </a:gs>
-          </a:gsLst>
-          <a:path path="circle">
-            <a:fillToRect l="50000" t="-80000" r="50000" b="180000"/>
-          </a:path>
-        </a:gradFill>
-        <a:gradFill rotWithShape="1">
-          <a:gsLst>
-            <a:gs pos="0">
-              <a:schemeClr val="phClr">
-                <a:tint val="80000"/>
-                <a:satMod val="300000"/>
-              </a:schemeClr>
-            </a:gs>
-            <a:gs pos="100000">
-              <a:schemeClr val="phClr">
-                <a:shade val="30000"/>
-                <a:satMod val="200000"/>
-              </a:schemeClr>
-            </a:gs>
-          </a:gsLst>
-          <a:path path="circle">
-            <a:fillToRect l="50000" t="50000" r="50000" b="50000"/>
-          </a:path>
-        </a:gradFill>
-      </a:bgFillStyleLst>
-    </a:fmtScheme>
-  </a:themeElements>
-</a:theme>
 </file>
--- a/QS - Sprint 2 delivery 8-6-2022.pptx
+++ b/QS - Sprint 2 delivery 8-6-2022.pptx
@@ -10976,6 +10976,285 @@
 </file>
 
 <file path=ppt/theme/theme1.xml><?xml version="1.0" encoding="utf-8"?>
+<a:theme xmlns:a="http://schemas.openxmlformats.org/drawingml/2006/main" xmlns:r="http://schemas.openxmlformats.org/officeDocument/2006/relationships" name="Simple Light">
+  <a:themeElements>
+    <a:clrScheme name="Simple Light">
+      <a:dk1>
+        <a:srgbClr val="000000"/>
+      </a:dk1>
+      <a:lt1>
+        <a:srgbClr val="FFFFFF"/>
+      </a:lt1>
+      <a:dk2>
+        <a:srgbClr val="595959"/>
+      </a:dk2>
+      <a:lt2>
+        <a:srgbClr val="EEEEEE"/>
+      </a:lt2>
+      <a:accent1>
+        <a:srgbClr val="4285F4"/>
+      </a:accent1>
+      <a:accent2>
+        <a:srgbClr val="212121"/>
+      </a:accent2>
+      <a:accent3>
+        <a:srgbClr val="78909C"/>
+      </a:accent3>
+      <a:accent4>
+        <a:srgbClr val="FFAB40"/>
+      </a:accent4>
+      <a:accent5>
+        <a:srgbClr val="0097A7"/>
+      </a:accent5>
+      <a:accent6>
+        <a:srgbClr val="EEFF41"/>
+      </a:accent6>
+      <a:hlink>
+        <a:srgbClr val="0097A7"/>
+      </a:hlink>
+      <a:folHlink>
+        <a:srgbClr val="0097A7"/>
+      </a:folHlink>
+    </a:clrScheme>
+    <a:fontScheme name="Office">
+      <a:majorFont>
+        <a:latin typeface="Arial"/>
+        <a:ea typeface=""/>
+        <a:cs typeface=""/>
+        <a:font script="Jpan" typeface="ＭＳ Ｐゴシック"/>
+        <a:font script="Hang" typeface="맑은 고딕"/>
+        <a:font script="Hans" typeface="宋体"/>
+        <a:font script="Hant" typeface="新細明體"/>
+        <a:font script="Arab" typeface="Times New Roman"/>
+        <a:font script="Hebr" typeface="Times New Roman"/>
+        <a:font script="Thai" typeface="Angsana New"/>
+        <a:font script="Ethi" typeface="Nyala"/>
+        <a:font script="Beng" typeface="Vrinda"/>
+        <a:font script="Gujr" typeface="Shruti"/>
+        <a:font script="Khmr" typeface="MoolBoran"/>
+        <a:font script="Knda" typeface="Tunga"/>
+        <a:font script="Guru" typeface="Raavi"/>
+        <a:font script="Cans" typeface="Euphemia"/>
+        <a:font script="Cher" typeface="Plantagenet Cherokee"/>
+        <a:font script="Yiii" typeface="Microsoft Yi Baiti"/>
+        <a:font script="Tibt" typeface="Microsoft Himalaya"/>
+        <a:font script="Thaa" typeface="MV Boli"/>
+        <a:font script="Deva" typeface="Mangal"/>
+        <a:font script="Telu" typeface="Gautami"/>
+        <a:font script="Taml" typeface="Latha"/>
+        <a:font script="Syrc" typeface="Estrangelo Edessa"/>
+        <a:font script="Orya" typeface="Kalinga"/>
+        <a:font script="Mlym" typeface="Kartika"/>
+        <a:font script="Laoo" typeface="DokChampa"/>
+        <a:font script="Sinh" typeface="Iskoola Pota"/>
+        <a:font script="Mong" typeface="Mongolian Baiti"/>
+        <a:font script="Viet" typeface="Times New Roman"/>
+        <a:font script="Uigh" typeface="Microsoft Uighur"/>
+        <a:font script="Geor" typeface="Sylfaen"/>
+      </a:majorFont>
+      <a:minorFont>
+        <a:latin typeface="Arial"/>
+        <a:ea typeface=""/>
+        <a:cs typeface=""/>
+        <a:font script="Jpan" typeface="ＭＳ Ｐゴシック"/>
+        <a:font script="Hang" typeface="맑은 고딕"/>
+        <a:font script="Hans" typeface="宋体"/>
+        <a:font script="Hant" typeface="新細明體"/>
+        <a:font script="Arab" typeface="Arial"/>
+        <a:font script="Hebr" typeface="Arial"/>
+        <a:font script="Thai" typeface="Cordia New"/>
+        <a:font script="Ethi" typeface="Nyala"/>
+        <a:font script="Beng" typeface="Vrinda"/>
+        <a:font script="Gujr" typeface="Shruti"/>
+        <a:font script="Khmr" typeface="DaunPenh"/>
+        <a:font script="Knda" typeface="Tunga"/>
+        <a:font script="Guru" typeface="Raavi"/>
+        <a:font script="Cans" typeface="Euphemia"/>
+        <a:font script="Cher" typeface="Plantagenet Cherokee"/>
+        <a:font script="Yiii" typeface="Microsoft Yi Baiti"/>
+        <a:font script="Tibt" typeface="Microsoft Himalaya"/>
+        <a:font script="Thaa" typeface="MV Boli"/>
+        <a:font script="Deva" typeface="Mangal"/>
+        <a:font script="Telu" typeface="Gautami"/>
+        <a:font script="Taml" typeface="Latha"/>
+        <a:font script="Syrc" typeface="Estrangelo Edessa"/>
+        <a:font script="Orya" typeface="Kalinga"/>
+        <a:font script="Mlym" typeface="Kartika"/>
+        <a:font script="Laoo" typeface="DokChampa"/>
+        <a:font script="Sinh" typeface="Iskoola Pota"/>
+        <a:font script="Mong" typeface="Mongolian Baiti"/>
+        <a:font script="Viet" typeface="Arial"/>
+        <a:font script="Uigh" typeface="Microsoft Uighur"/>
+        <a:font script="Geor" typeface="Sylfaen"/>
+      </a:minorFont>
+    </a:fontScheme>
+    <a:fmtScheme name="Office">
+      <a:fillStyleLst>
+        <a:solidFill>
+          <a:schemeClr val="phClr"/>
+        </a:solidFill>
+        <a:gradFill rotWithShape="1">
+          <a:gsLst>
+            <a:gs pos="0">
+              <a:schemeClr val="phClr">
+                <a:tint val="50000"/>
+                <a:satMod val="300000"/>
+              </a:schemeClr>
+            </a:gs>
+            <a:gs pos="35000">
+              <a:schemeClr val="phClr">
+                <a:tint val="37000"/>
+                <a:satMod val="300000"/>
+              </a:schemeClr>
+            </a:gs>
+            <a:gs pos="100000">
+              <a:schemeClr val="phClr">
+                <a:tint val="15000"/>
+                <a:satMod val="350000"/>
+              </a:schemeClr>
+            </a:gs>
+          </a:gsLst>
+          <a:lin ang="16200000" scaled="1"/>
+        </a:gradFill>
+        <a:gradFill rotWithShape="1">
+          <a:gsLst>
+            <a:gs pos="0">
+              <a:schemeClr val="phClr">
+                <a:tint val="100000"/>
+                <a:shade val="100000"/>
+                <a:satMod val="130000"/>
+              </a:schemeClr>
+            </a:gs>
+            <a:gs pos="100000">
+              <a:schemeClr val="phClr">
+                <a:tint val="50000"/>
+                <a:shade val="100000"/>
+                <a:satMod val="350000"/>
+              </a:schemeClr>
+            </a:gs>
+          </a:gsLst>
+          <a:lin ang="16200000" scaled="0"/>
+        </a:gradFill>
+      </a:fillStyleLst>
+      <a:lnStyleLst>
+        <a:ln w="9525" cap="flat" cmpd="sng" algn="ctr">
+          <a:solidFill>
+            <a:schemeClr val="phClr">
+              <a:shade val="95000"/>
+              <a:satMod val="105000"/>
+            </a:schemeClr>
+          </a:solidFill>
+          <a:prstDash val="solid"/>
+        </a:ln>
+        <a:ln w="25400" cap="flat" cmpd="sng" algn="ctr">
+          <a:solidFill>
+            <a:schemeClr val="phClr"/>
+          </a:solidFill>
+          <a:prstDash val="solid"/>
+        </a:ln>
+        <a:ln w="38100" cap="flat" cmpd="sng" algn="ctr">
+          <a:solidFill>
+            <a:schemeClr val="phClr"/>
+          </a:solidFill>
+          <a:prstDash val="solid"/>
+        </a:ln>
+      </a:lnStyleLst>
+      <a:effectStyleLst>
+        <a:effectStyle>
+          <a:effectLst>
+            <a:outerShdw blurRad="40000" dist="20000" dir="5400000" rotWithShape="0">
+              <a:srgbClr val="000000">
+                <a:alpha val="38000"/>
+              </a:srgbClr>
+            </a:outerShdw>
+          </a:effectLst>
+        </a:effectStyle>
+        <a:effectStyle>
+          <a:effectLst>
+            <a:outerShdw blurRad="40000" dist="23000" dir="5400000" rotWithShape="0">
+              <a:srgbClr val="000000">
+                <a:alpha val="35000"/>
+              </a:srgbClr>
+            </a:outerShdw>
+          </a:effectLst>
+        </a:effectStyle>
+        <a:effectStyle>
+          <a:effectLst>
+            <a:outerShdw blurRad="40000" dist="23000" dir="5400000" rotWithShape="0">
+              <a:srgbClr val="000000">
+                <a:alpha val="35000"/>
+              </a:srgbClr>
+            </a:outerShdw>
+          </a:effectLst>
+          <a:scene3d>
+            <a:camera prst="orthographicFront">
+              <a:rot lat="0" lon="0" rev="0"/>
+            </a:camera>
+            <a:lightRig rig="threePt" dir="t">
+              <a:rot lat="0" lon="0" rev="1200000"/>
+            </a:lightRig>
+          </a:scene3d>
+          <a:sp3d>
+            <a:bevelT w="63500" h="25400"/>
+          </a:sp3d>
+        </a:effectStyle>
+      </a:effectStyleLst>
+      <a:bgFillStyleLst>
+        <a:solidFill>
+          <a:schemeClr val="phClr"/>
+        </a:solidFill>
+        <a:gradFill rotWithShape="1">
+          <a:gsLst>
+            <a:gs pos="0">
+              <a:schemeClr val="phClr">
+                <a:tint val="40000"/>
+                <a:satMod val="350000"/>
+              </a:schemeClr>
+            </a:gs>
+            <a:gs pos="40000">
+              <a:schemeClr val="phClr">
+                <a:tint val="45000"/>
+                <a:shade val="99000"/>
+                <a:satMod val="350000"/>
+              </a:schemeClr>
+            </a:gs>
+            <a:gs pos="100000">
+              <a:schemeClr val="phClr">
+                <a:shade val="20000"/>
+                <a:satMod val="255000"/>
+              </a:schemeClr>
+            </a:gs>
+          </a:gsLst>
+          <a:path path="circle">
+            <a:fillToRect l="50000" t="-80000" r="50000" b="180000"/>
+          </a:path>
+        </a:gradFill>
+        <a:gradFill rotWithShape="1">
+          <a:gsLst>
+            <a:gs pos="0">
+              <a:schemeClr val="phClr">
+                <a:tint val="80000"/>
+                <a:satMod val="300000"/>
+              </a:schemeClr>
+            </a:gs>
+            <a:gs pos="100000">
+              <a:schemeClr val="phClr">
+                <a:shade val="30000"/>
+                <a:satMod val="200000"/>
+              </a:schemeClr>
+            </a:gs>
+          </a:gsLst>
+          <a:path path="circle">
+            <a:fillToRect l="50000" t="50000" r="50000" b="50000"/>
+          </a:path>
+        </a:gradFill>
+      </a:bgFillStyleLst>
+    </a:fmtScheme>
+  </a:themeElements>
+</a:theme>
+</file>
+
+<file path=ppt/theme/theme2.xml><?xml version="1.0" encoding="utf-8"?>
 <a:theme xmlns:a="http://schemas.openxmlformats.org/drawingml/2006/main" xmlns:r="http://schemas.openxmlformats.org/officeDocument/2006/relationships">
   <a:themeElements>
     <a:clrScheme name="Default">
@@ -11252,283 +11531,4 @@
     </a:fmtScheme>
   </a:themeElements>
 </a:theme>
-</file>
-
-<file path=ppt/theme/theme2.xml><?xml version="1.0" encoding="utf-8"?>
-<a:theme xmlns:a="http://schemas.openxmlformats.org/drawingml/2006/main" xmlns:r="http://schemas.openxmlformats.org/officeDocument/2006/relationships" name="Simple Light">
-  <a:themeElements>
-    <a:clrScheme name="Simple Light">
-      <a:dk1>
-        <a:srgbClr val="000000"/>
-      </a:dk1>
-      <a:lt1>
-        <a:srgbClr val="FFFFFF"/>
-      </a:lt1>
-      <a:dk2>
-        <a:srgbClr val="595959"/>
-      </a:dk2>
-      <a:lt2>
-        <a:srgbClr val="EEEEEE"/>
-      </a:lt2>
-      <a:accent1>
-        <a:srgbClr val="4285F4"/>
-      </a:accent1>
-      <a:accent2>
-        <a:srgbClr val="212121"/>
-      </a:accent2>
-      <a:accent3>
-        <a:srgbClr val="78909C"/>
-      </a:accent3>
-      <a:accent4>
-        <a:srgbClr val="FFAB40"/>
-      </a:accent4>
-      <a:accent5>
-        <a:srgbClr val="0097A7"/>
-      </a:accent5>
-      <a:accent6>
-        <a:srgbClr val="EEFF41"/>
-      </a:accent6>
-      <a:hlink>
-        <a:srgbClr val="0097A7"/>
-      </a:hlink>
-      <a:folHlink>
-        <a:srgbClr val="0097A7"/>
-      </a:folHlink>
-    </a:clrScheme>
-    <a:fontScheme name="Office">
-      <a:majorFont>
-        <a:latin typeface="Arial"/>
-        <a:ea typeface=""/>
-        <a:cs typeface=""/>
-        <a:font script="Jpan" typeface="ＭＳ Ｐゴシック"/>
-        <a:font script="Hang" typeface="맑은 고딕"/>
-        <a:font script="Hans" typeface="宋体"/>
-        <a:font script="Hant" typeface="新細明體"/>
-        <a:font script="Arab" typeface="Times New Roman"/>
-        <a:font script="Hebr" typeface="Times New Roman"/>
-        <a:font script="Thai" typeface="Angsana New"/>
-        <a:font script="Ethi" typeface="Nyala"/>
-        <a:font script="Beng" typeface="Vrinda"/>
-        <a:font script="Gujr" typeface="Shruti"/>
-        <a:font script="Khmr" typeface="MoolBoran"/>
-        <a:font script="Knda" typeface="Tunga"/>
-        <a:font script="Guru" typeface="Raavi"/>
-        <a:font script="Cans" typeface="Euphemia"/>
-        <a:font script="Cher" typeface="Plantagenet Cherokee"/>
-        <a:font script="Yiii" typeface="Microsoft Yi Baiti"/>
-        <a:font script="Tibt" typeface="Microsoft Himalaya"/>
-        <a:font script="Thaa" typeface="MV Boli"/>
-        <a:font script="Deva" typeface="Mangal"/>
-        <a:font script="Telu" typeface="Gautami"/>
-        <a:font script="Taml" typeface="Latha"/>
-        <a:font script="Syrc" typeface="Estrangelo Edessa"/>
-        <a:font script="Orya" typeface="Kalinga"/>
-        <a:font script="Mlym" typeface="Kartika"/>
-        <a:font script="Laoo" typeface="DokChampa"/>
-        <a:font script="Sinh" typeface="Iskoola Pota"/>
-        <a:font script="Mong" typeface="Mongolian Baiti"/>
-        <a:font script="Viet" typeface="Times New Roman"/>
-        <a:font script="Uigh" typeface="Microsoft Uighur"/>
-        <a:font script="Geor" typeface="Sylfaen"/>
-      </a:majorFont>
-      <a:minorFont>
-        <a:latin typeface="Arial"/>
-        <a:ea typeface=""/>
-        <a:cs typeface=""/>
-        <a:font script="Jpan" typeface="ＭＳ Ｐゴシック"/>
-        <a:font script="Hang" typeface="맑은 고딕"/>
-        <a:font script="Hans" typeface="宋体"/>
-        <a:font script="Hant" typeface="新細明體"/>
-        <a:font script="Arab" typeface="Arial"/>
-        <a:font script="Hebr" typeface="Arial"/>
-        <a:font script="Thai" typeface="Cordia New"/>
-        <a:font script="Ethi" typeface="Nyala"/>
-        <a:font script="Beng" typeface="Vrinda"/>
-        <a:font script="Gujr" typeface="Shruti"/>
-        <a:font script="Khmr" typeface="DaunPenh"/>
-        <a:font script="Knda" typeface="Tunga"/>
-        <a:font script="Guru" typeface="Raavi"/>
-        <a:font script="Cans" typeface="Euphemia"/>
-        <a:font script="Cher" typeface="Plantagenet Cherokee"/>
-        <a:font script="Yiii" typeface="Microsoft Yi Baiti"/>
-        <a:font script="Tibt" typeface="Microsoft Himalaya"/>
-        <a:font script="Thaa" typeface="MV Boli"/>
-        <a:font script="Deva" typeface="Mangal"/>
-        <a:font script="Telu" typeface="Gautami"/>
-        <a:font script="Taml" typeface="Latha"/>
-        <a:font script="Syrc" typeface="Estrangelo Edessa"/>
-        <a:font script="Orya" typeface="Kalinga"/>
-        <a:font script="Mlym" typeface="Kartika"/>
-        <a:font script="Laoo" typeface="DokChampa"/>
-        <a:font script="Sinh" typeface="Iskoola Pota"/>
-        <a:font script="Mong" typeface="Mongolian Baiti"/>
-        <a:font script="Viet" typeface="Arial"/>
-        <a:font script="Uigh" typeface="Microsoft Uighur"/>
-        <a:font script="Geor" typeface="Sylfaen"/>
-      </a:minorFont>
-    </a:fontScheme>
-    <a:fmtScheme name="Office">
-      <a:fillStyleLst>
-        <a:solidFill>
-          <a:schemeClr val="phClr"/>
-        </a:solidFill>
-        <a:gradFill rotWithShape="1">
-          <a:gsLst>
-            <a:gs pos="0">
-              <a:schemeClr val="phClr">
-                <a:tint val="50000"/>
-                <a:satMod val="300000"/>
-              </a:schemeClr>
-            </a:gs>
-            <a:gs pos="35000">
-              <a:schemeClr val="phClr">
-                <a:tint val="37000"/>
-                <a:satMod val="300000"/>
-              </a:schemeClr>
-            </a:gs>
-            <a:gs pos="100000">
-              <a:schemeClr val="phClr">
-                <a:tint val="15000"/>
-                <a:satMod val="350000"/>
-              </a:schemeClr>
-            </a:gs>
-          </a:gsLst>
-          <a:lin ang="16200000" scaled="1"/>
-        </a:gradFill>
-        <a:gradFill rotWithShape="1">
-          <a:gsLst>
-            <a:gs pos="0">
-              <a:schemeClr val="phClr">
-                <a:tint val="100000"/>
-                <a:shade val="100000"/>
-                <a:satMod val="130000"/>
-              </a:schemeClr>
-            </a:gs>
-            <a:gs pos="100000">
-              <a:schemeClr val="phClr">
-                <a:tint val="50000"/>
-                <a:shade val="100000"/>
-                <a:satMod val="350000"/>
-              </a:schemeClr>
-            </a:gs>
-          </a:gsLst>
-          <a:lin ang="16200000" scaled="0"/>
-        </a:gradFill>
-      </a:fillStyleLst>
-      <a:lnStyleLst>
-        <a:ln w="9525" cap="flat" cmpd="sng" algn="ctr">
-          <a:solidFill>
-            <a:schemeClr val="phClr">
-              <a:shade val="95000"/>
-              <a:satMod val="105000"/>
-            </a:schemeClr>
-          </a:solidFill>
-          <a:prstDash val="solid"/>
-        </a:ln>
-        <a:ln w="25400" cap="flat" cmpd="sng" algn="ctr">
-          <a:solidFill>
-            <a:schemeClr val="phClr"/>
-          </a:solidFill>
-          <a:prstDash val="solid"/>
-        </a:ln>
-        <a:ln w="38100" cap="flat" cmpd="sng" algn="ctr">
-          <a:solidFill>
-            <a:schemeClr val="phClr"/>
-          </a:solidFill>
-          <a:prstDash val="solid"/>
-        </a:ln>
-      </a:lnStyleLst>
-      <a:effectStyleLst>
-        <a:effectStyle>
-          <a:effectLst>
-            <a:outerShdw blurRad="40000" dist="20000" dir="5400000" rotWithShape="0">
-              <a:srgbClr val="000000">
-                <a:alpha val="38000"/>
-              </a:srgbClr>
-            </a:outerShdw>
-          </a:effectLst>
-        </a:effectStyle>
-        <a:effectStyle>
-          <a:effectLst>
-            <a:outerShdw blurRad="40000" dist="23000" dir="5400000" rotWithShape="0">
-              <a:srgbClr val="000000">
-                <a:alpha val="35000"/>
-              </a:srgbClr>
-            </a:outerShdw>
-          </a:effectLst>
-        </a:effectStyle>
-        <a:effectStyle>
-          <a:effectLst>
-            <a:outerShdw blurRad="40000" dist="23000" dir="5400000" rotWithShape="0">
-              <a:srgbClr val="000000">
-                <a:alpha val="35000"/>
-              </a:srgbClr>
-            </a:outerShdw>
-          </a:effectLst>
-          <a:scene3d>
-            <a:camera prst="orthographicFront">
-              <a:rot lat="0" lon="0" rev="0"/>
-            </a:camera>
-            <a:lightRig rig="threePt" dir="t">
-              <a:rot lat="0" lon="0" rev="1200000"/>
-            </a:lightRig>
-          </a:scene3d>
-          <a:sp3d>
-            <a:bevelT w="63500" h="25400"/>
-          </a:sp3d>
-        </a:effectStyle>
-      </a:effectStyleLst>
-      <a:bgFillStyleLst>
-        <a:solidFill>
-          <a:schemeClr val="phClr"/>
-        </a:solidFill>
-        <a:gradFill rotWithShape="1">
-          <a:gsLst>
-            <a:gs pos="0">
-              <a:schemeClr val="phClr">
-                <a:tint val="40000"/>
-                <a:satMod val="350000"/>
-              </a:schemeClr>
-            </a:gs>
-            <a:gs pos="40000">
-              <a:schemeClr val="phClr">
-                <a:tint val="45000"/>
-                <a:shade val="99000"/>
-                <a:satMod val="350000"/>
-              </a:schemeClr>
-            </a:gs>
-            <a:gs pos="100000">
-              <a:schemeClr val="phClr">
-                <a:shade val="20000"/>
-                <a:satMod val="255000"/>
-              </a:schemeClr>
-            </a:gs>
-          </a:gsLst>
-          <a:path path="circle">
-            <a:fillToRect l="50000" t="-80000" r="50000" b="180000"/>
-          </a:path>
-        </a:gradFill>
-        <a:gradFill rotWithShape="1">
-          <a:gsLst>
-            <a:gs pos="0">
-              <a:schemeClr val="phClr">
-                <a:tint val="80000"/>
-                <a:satMod val="300000"/>
-              </a:schemeClr>
-            </a:gs>
-            <a:gs pos="100000">
-              <a:schemeClr val="phClr">
-                <a:shade val="30000"/>
-                <a:satMod val="200000"/>
-              </a:schemeClr>
-            </a:gs>
-          </a:gsLst>
-          <a:path path="circle">
-            <a:fillToRect l="50000" t="50000" r="50000" b="50000"/>
-          </a:path>
-        </a:gradFill>
-      </a:bgFillStyleLst>
-    </a:fmtScheme>
-  </a:themeElements>
-</a:theme>
 </file>